--- a/MINI_PROJECT/HALLUCINATION DETECTION IN LLMs.pptx
+++ b/MINI_PROJECT/HALLUCINATION DETECTION IN LLMs.pptx
@@ -5,7 +5,7 @@
     <p:sldMasterId id="2147483648" r:id="rId4"/>
   </p:sldMasterIdLst>
   <p:notesMasterIdLst>
-    <p:notesMasterId r:id="rId85"/>
+    <p:notesMasterId r:id="rId75"/>
   </p:notesMasterIdLst>
   <p:sldIdLst>
     <p:sldId id="280" r:id="rId5"/>
@@ -46,48 +46,38 @@
     <p:sldId id="309" r:id="rId40"/>
     <p:sldId id="295" r:id="rId41"/>
     <p:sldId id="310" r:id="rId42"/>
-    <p:sldId id="302" r:id="rId43"/>
-    <p:sldId id="314" r:id="rId44"/>
-    <p:sldId id="362" r:id="rId45"/>
-    <p:sldId id="364" r:id="rId46"/>
-    <p:sldId id="317" r:id="rId47"/>
-    <p:sldId id="365" r:id="rId48"/>
-    <p:sldId id="315" r:id="rId49"/>
-    <p:sldId id="366" r:id="rId50"/>
-    <p:sldId id="316" r:id="rId51"/>
-    <p:sldId id="363" r:id="rId52"/>
-    <p:sldId id="321" r:id="rId53"/>
-    <p:sldId id="323" r:id="rId54"/>
-    <p:sldId id="318" r:id="rId55"/>
-    <p:sldId id="303" r:id="rId56"/>
-    <p:sldId id="329" r:id="rId57"/>
-    <p:sldId id="313" r:id="rId58"/>
-    <p:sldId id="325" r:id="rId59"/>
-    <p:sldId id="326" r:id="rId60"/>
-    <p:sldId id="327" r:id="rId61"/>
-    <p:sldId id="357" r:id="rId62"/>
-    <p:sldId id="328" r:id="rId63"/>
-    <p:sldId id="355" r:id="rId64"/>
-    <p:sldId id="356" r:id="rId65"/>
-    <p:sldId id="358" r:id="rId66"/>
-    <p:sldId id="359" r:id="rId67"/>
-    <p:sldId id="360" r:id="rId68"/>
-    <p:sldId id="361" r:id="rId69"/>
-    <p:sldId id="367" r:id="rId70"/>
-    <p:sldId id="368" r:id="rId71"/>
-    <p:sldId id="369" r:id="rId72"/>
-    <p:sldId id="370" r:id="rId73"/>
-    <p:sldId id="371" r:id="rId74"/>
-    <p:sldId id="372" r:id="rId75"/>
-    <p:sldId id="373" r:id="rId76"/>
-    <p:sldId id="374" r:id="rId77"/>
-    <p:sldId id="375" r:id="rId78"/>
-    <p:sldId id="376" r:id="rId79"/>
-    <p:sldId id="377" r:id="rId80"/>
-    <p:sldId id="378" r:id="rId81"/>
-    <p:sldId id="379" r:id="rId82"/>
-    <p:sldId id="380" r:id="rId83"/>
-    <p:sldId id="300" r:id="rId84"/>
+    <p:sldId id="362" r:id="rId43"/>
+    <p:sldId id="364" r:id="rId44"/>
+    <p:sldId id="317" r:id="rId45"/>
+    <p:sldId id="365" r:id="rId46"/>
+    <p:sldId id="315" r:id="rId47"/>
+    <p:sldId id="366" r:id="rId48"/>
+    <p:sldId id="316" r:id="rId49"/>
+    <p:sldId id="363" r:id="rId50"/>
+    <p:sldId id="321" r:id="rId51"/>
+    <p:sldId id="323" r:id="rId52"/>
+    <p:sldId id="318" r:id="rId53"/>
+    <p:sldId id="303" r:id="rId54"/>
+    <p:sldId id="329" r:id="rId55"/>
+    <p:sldId id="313" r:id="rId56"/>
+    <p:sldId id="325" r:id="rId57"/>
+    <p:sldId id="326" r:id="rId58"/>
+    <p:sldId id="327" r:id="rId59"/>
+    <p:sldId id="367" r:id="rId60"/>
+    <p:sldId id="368" r:id="rId61"/>
+    <p:sldId id="369" r:id="rId62"/>
+    <p:sldId id="370" r:id="rId63"/>
+    <p:sldId id="371" r:id="rId64"/>
+    <p:sldId id="372" r:id="rId65"/>
+    <p:sldId id="373" r:id="rId66"/>
+    <p:sldId id="374" r:id="rId67"/>
+    <p:sldId id="375" r:id="rId68"/>
+    <p:sldId id="376" r:id="rId69"/>
+    <p:sldId id="377" r:id="rId70"/>
+    <p:sldId id="378" r:id="rId71"/>
+    <p:sldId id="379" r:id="rId72"/>
+    <p:sldId id="380" r:id="rId73"/>
+    <p:sldId id="300" r:id="rId74"/>
   </p:sldIdLst>
   <p:sldSz cx="12192000" cy="6858000"/>
   <p:notesSz cx="6858000" cy="9144000"/>
@@ -7390,8 +7380,8 @@
         </p:blipFill>
         <p:spPr>
           <a:xfrm>
-            <a:off x="3080657" y="2381431"/>
-            <a:ext cx="6872672" cy="3290025"/>
+            <a:off x="2471057" y="2290300"/>
+            <a:ext cx="7449615" cy="3566214"/>
           </a:xfrm>
           <a:prstGeom prst="rect">
             <a:avLst/>
@@ -7483,31 +7473,6 @@
               <a:t>23</a:t>
             </a:fld>
             <a:endParaRPr lang="en-US" dirty="0"/>
-          </a:p>
-        </p:txBody>
-      </p:sp>
-      <p:sp>
-        <p:nvSpPr>
-          <p:cNvPr id="4" name="Content Placeholder 3">
-            <a:extLst>
-              <a:ext uri="{FF2B5EF4-FFF2-40B4-BE49-F238E27FC236}">
-                <a16:creationId xmlns:a16="http://schemas.microsoft.com/office/drawing/2014/main" id="{5C2A5672-9BD4-9F3B-7D06-1BFE7E696127}"/>
-              </a:ext>
-            </a:extLst>
-          </p:cNvPr>
-          <p:cNvSpPr>
-            <a:spLocks noGrp="1"/>
-          </p:cNvSpPr>
-          <p:nvPr>
-            <p:ph sz="quarter" idx="13"/>
-          </p:nvPr>
-        </p:nvSpPr>
-        <p:spPr/>
-        <p:txBody>
-          <a:bodyPr/>
-          <a:lstStyle/>
-          <a:p>
-            <a:endParaRPr lang="en-IN"/>
           </a:p>
         </p:txBody>
       </p:sp>
@@ -9252,8 +9217,8 @@
         </p:nvSpPr>
         <p:spPr>
           <a:xfrm>
-            <a:off x="914400" y="2743200"/>
-            <a:ext cx="6483096" cy="3163824"/>
+            <a:off x="914399" y="2743200"/>
+            <a:ext cx="6890657" cy="3113314"/>
           </a:xfrm>
         </p:spPr>
         <p:txBody>
@@ -9691,14 +9656,22 @@
           </a:p>
           <a:p>
             <a:r>
+              <a:rPr lang="en-US" b="1" dirty="0"/>
+              <a:t>weights</a:t>
+            </a:r>
+            <a:r>
               <a:rPr lang="en-US" dirty="0"/>
-              <a:t>weights: 'uniform' (equal influence) or 'distance' (closer neighbors matter more).</a:t>
-            </a:r>
-          </a:p>
-          <a:p>
+              <a:t>: 'uniform' (equal influence) or 'distance' (closer neighbors matter more).</a:t>
+            </a:r>
+          </a:p>
+          <a:p>
+            <a:r>
+              <a:rPr lang="en-US" b="1" dirty="0"/>
+              <a:t>metric</a:t>
+            </a:r>
             <a:r>
               <a:rPr lang="en-US" dirty="0"/>
-              <a:t>metric: Distance calculation method ('</a:t>
+              <a:t>: Distance calculation method ('</a:t>
             </a:r>
             <a:r>
               <a:rPr lang="en-US" dirty="0" err="1"/>
@@ -10121,13 +10094,7 @@
   <p:cSld>
     <p:spTree>
       <p:nvGrpSpPr>
-        <p:cNvPr id="1" name="">
-          <a:extLst>
-            <a:ext uri="{FF2B5EF4-FFF2-40B4-BE49-F238E27FC236}">
-              <a16:creationId xmlns:a16="http://schemas.microsoft.com/office/drawing/2014/main" id="{51EA5CBA-8823-45AD-BF5C-5A20FEF503CA}"/>
-            </a:ext>
-          </a:extLst>
-        </p:cNvPr>
+        <p:cNvPr id="1" name=""/>
         <p:cNvGrpSpPr/>
         <p:nvPr/>
       </p:nvGrpSpPr>
@@ -10144,7 +10111,7 @@
           <p:cNvPr id="2" name="Title 1">
             <a:extLst>
               <a:ext uri="{FF2B5EF4-FFF2-40B4-BE49-F238E27FC236}">
-                <a16:creationId xmlns:a16="http://schemas.microsoft.com/office/drawing/2014/main" id="{07E18AD1-DFF8-CBC0-284F-C1A6036ACBF9}"/>
+                <a16:creationId xmlns:a16="http://schemas.microsoft.com/office/drawing/2014/main" id="{A431FB26-2245-F001-902D-F75B76BE6C42}"/>
               </a:ext>
             </a:extLst>
           </p:cNvPr>
@@ -10155,60 +10122,50 @@
             <p:ph type="ctrTitle"/>
           </p:nvPr>
         </p:nvSpPr>
-        <p:spPr>
-          <a:xfrm>
-            <a:off x="914400" y="914400"/>
-            <a:ext cx="10360152" cy="3008376"/>
-          </a:xfrm>
-        </p:spPr>
+        <p:spPr/>
+        <p:txBody>
+          <a:bodyPr>
+            <a:normAutofit fontScale="90000"/>
+          </a:bodyPr>
+          <a:lstStyle/>
+          <a:p>
+            <a:r>
+              <a:rPr lang="en-US" dirty="0"/>
+              <a:t>Comparative Analysis of Models across Dimensionality Reduction</a:t>
+            </a:r>
+            <a:endParaRPr lang="en-IN" dirty="0"/>
+          </a:p>
+        </p:txBody>
+      </p:sp>
+      <p:sp>
+        <p:nvSpPr>
+          <p:cNvPr id="3" name="Subtitle 2">
+            <a:extLst>
+              <a:ext uri="{FF2B5EF4-FFF2-40B4-BE49-F238E27FC236}">
+                <a16:creationId xmlns:a16="http://schemas.microsoft.com/office/drawing/2014/main" id="{B06C97E0-CCFF-A5B4-5477-6C93128BCBCD}"/>
+              </a:ext>
+            </a:extLst>
+          </p:cNvPr>
+          <p:cNvSpPr>
+            <a:spLocks noGrp="1"/>
+          </p:cNvSpPr>
+          <p:nvPr>
+            <p:ph type="subTitle" idx="1"/>
+          </p:nvPr>
+        </p:nvSpPr>
+        <p:spPr/>
         <p:txBody>
           <a:bodyPr/>
           <a:lstStyle/>
           <a:p>
-            <a:r>
-              <a:rPr lang="en-US" dirty="0"/>
-              <a:t>OPTIMIZED MODEL</a:t>
-            </a:r>
-          </a:p>
-        </p:txBody>
-      </p:sp>
-      <p:sp>
-        <p:nvSpPr>
-          <p:cNvPr id="3" name="Subtitle 2">
-            <a:extLst>
-              <a:ext uri="{FF2B5EF4-FFF2-40B4-BE49-F238E27FC236}">
-                <a16:creationId xmlns:a16="http://schemas.microsoft.com/office/drawing/2014/main" id="{105442BC-F2A3-E37D-DD47-9C624497CF14}"/>
-              </a:ext>
-            </a:extLst>
-          </p:cNvPr>
-          <p:cNvSpPr>
-            <a:spLocks noGrp="1"/>
-          </p:cNvSpPr>
-          <p:nvPr>
-            <p:ph type="subTitle" idx="1"/>
-          </p:nvPr>
-        </p:nvSpPr>
-        <p:spPr>
-          <a:xfrm>
-            <a:off x="914400" y="4078224"/>
-            <a:ext cx="10360152" cy="1828800"/>
-          </a:xfrm>
-        </p:spPr>
-        <p:txBody>
-          <a:bodyPr/>
-          <a:lstStyle/>
-          <a:p>
-            <a:r>
-              <a:rPr lang="en-US" dirty="0"/>
-              <a:t>For Hallucination Detection using LLMs</a:t>
-            </a:r>
+            <a:endParaRPr lang="en-IN"/>
           </a:p>
         </p:txBody>
       </p:sp>
     </p:spTree>
     <p:extLst>
       <p:ext uri="{BB962C8B-B14F-4D97-AF65-F5344CB8AC3E}">
-        <p14:creationId xmlns:p14="http://schemas.microsoft.com/office/powerpoint/2010/main" val="4156913910"/>
+        <p14:creationId xmlns:p14="http://schemas.microsoft.com/office/powerpoint/2010/main" val="1939329862"/>
       </p:ext>
     </p:extLst>
   </p:cSld>
@@ -10417,10 +10374,128 @@
   <p:cSld>
     <p:spTree>
       <p:nvGrpSpPr>
+        <p:cNvPr id="1" name=""/>
+        <p:cNvGrpSpPr/>
+        <p:nvPr/>
+      </p:nvGrpSpPr>
+      <p:grpSpPr>
+        <a:xfrm>
+          <a:off x="0" y="0"/>
+          <a:ext cx="0" cy="0"/>
+          <a:chOff x="0" y="0"/>
+          <a:chExt cx="0" cy="0"/>
+        </a:xfrm>
+      </p:grpSpPr>
+      <p:sp>
+        <p:nvSpPr>
+          <p:cNvPr id="2" name="Title 1">
+            <a:extLst>
+              <a:ext uri="{FF2B5EF4-FFF2-40B4-BE49-F238E27FC236}">
+                <a16:creationId xmlns:a16="http://schemas.microsoft.com/office/drawing/2014/main" id="{8DECF9F4-601A-98E7-DD17-D7D3DC801E4F}"/>
+              </a:ext>
+            </a:extLst>
+          </p:cNvPr>
+          <p:cNvSpPr>
+            <a:spLocks noGrp="1"/>
+          </p:cNvSpPr>
+          <p:nvPr>
+            <p:ph type="title"/>
+          </p:nvPr>
+        </p:nvSpPr>
+        <p:spPr/>
+        <p:txBody>
+          <a:bodyPr/>
+          <a:lstStyle/>
+          <a:p>
+            <a:r>
+              <a:rPr lang="en-IN" dirty="0"/>
+              <a:t>Logistic regression(Train accuracy)</a:t>
+            </a:r>
+          </a:p>
+        </p:txBody>
+      </p:sp>
+      <p:sp>
+        <p:nvSpPr>
+          <p:cNvPr id="3" name="Slide Number Placeholder 2">
+            <a:extLst>
+              <a:ext uri="{FF2B5EF4-FFF2-40B4-BE49-F238E27FC236}">
+                <a16:creationId xmlns:a16="http://schemas.microsoft.com/office/drawing/2014/main" id="{F7115EBD-9FE9-75BE-B0BC-E85B14799DE6}"/>
+              </a:ext>
+            </a:extLst>
+          </p:cNvPr>
+          <p:cNvSpPr>
+            <a:spLocks noGrp="1"/>
+          </p:cNvSpPr>
+          <p:nvPr>
+            <p:ph type="sldNum" sz="quarter" idx="12"/>
+          </p:nvPr>
+        </p:nvSpPr>
+        <p:spPr/>
+        <p:txBody>
+          <a:bodyPr/>
+          <a:lstStyle/>
+          <a:p>
+            <a:fld id="{6D22F896-40B5-4ADD-8801-0D06FADFA095}" type="slidenum">
+              <a:rPr lang="en-US" smtClean="0"/>
+              <a:pPr/>
+              <a:t>40</a:t>
+            </a:fld>
+            <a:endParaRPr lang="en-US" dirty="0"/>
+          </a:p>
+        </p:txBody>
+      </p:sp>
+      <p:pic>
+        <p:nvPicPr>
+          <p:cNvPr id="8" name="Picture 7">
+            <a:extLst>
+              <a:ext uri="{FF2B5EF4-FFF2-40B4-BE49-F238E27FC236}">
+                <a16:creationId xmlns:a16="http://schemas.microsoft.com/office/drawing/2014/main" id="{AC45E5DE-F42E-3596-B36D-BA440C028B1A}"/>
+              </a:ext>
+            </a:extLst>
+          </p:cNvPr>
+          <p:cNvPicPr>
+            <a:picLocks noChangeAspect="1"/>
+          </p:cNvPicPr>
+          <p:nvPr/>
+        </p:nvPicPr>
+        <p:blipFill>
+          <a:blip r:embed="rId2"/>
+          <a:stretch>
+            <a:fillRect/>
+          </a:stretch>
+        </p:blipFill>
+        <p:spPr>
+          <a:xfrm>
+            <a:off x="2498286" y="2093976"/>
+            <a:ext cx="7192379" cy="4201111"/>
+          </a:xfrm>
+          <a:prstGeom prst="rect">
+            <a:avLst/>
+          </a:prstGeom>
+        </p:spPr>
+      </p:pic>
+    </p:spTree>
+    <p:extLst>
+      <p:ext uri="{BB962C8B-B14F-4D97-AF65-F5344CB8AC3E}">
+        <p14:creationId xmlns:p14="http://schemas.microsoft.com/office/powerpoint/2010/main" val="923416165"/>
+      </p:ext>
+    </p:extLst>
+  </p:cSld>
+  <p:clrMapOvr>
+    <a:masterClrMapping/>
+  </p:clrMapOvr>
+</p:sld>
+</file>
+
+<file path=ppt/slides/slide41.xml><?xml version="1.0" encoding="utf-8"?>
+<p:sld xmlns:a="http://schemas.openxmlformats.org/drawingml/2006/main" xmlns:r="http://schemas.openxmlformats.org/officeDocument/2006/relationships" xmlns:p="http://schemas.openxmlformats.org/presentationml/2006/main">
+  <p:cSld>
+    <p:spTree>
+      <p:nvGrpSpPr>
         <p:cNvPr id="1" name="">
           <a:extLst>
             <a:ext uri="{FF2B5EF4-FFF2-40B4-BE49-F238E27FC236}">
-              <a16:creationId xmlns:a16="http://schemas.microsoft.com/office/drawing/2014/main" id="{1BCB78B7-1603-A4EB-BD73-510A7A5133D0}"/>
+              <a16:creationId xmlns:a16="http://schemas.microsoft.com/office/drawing/2014/main" id="{CE6F9C5B-42F9-32E2-1214-86A8B05BB646}"/>
             </a:ext>
           </a:extLst>
         </p:cNvPr>
@@ -10440,7 +10515,7 @@
           <p:cNvPr id="4" name="Title 3">
             <a:extLst>
               <a:ext uri="{FF2B5EF4-FFF2-40B4-BE49-F238E27FC236}">
-                <a16:creationId xmlns:a16="http://schemas.microsoft.com/office/drawing/2014/main" id="{531E4C20-6698-5EED-9BA4-260731BF2BD4}"/>
+                <a16:creationId xmlns:a16="http://schemas.microsoft.com/office/drawing/2014/main" id="{89B5ECDF-7198-19CE-356B-8954C32FF8D5}"/>
               </a:ext>
             </a:extLst>
           </p:cNvPr>
@@ -10463,7 +10538,7 @@
           <a:p>
             <a:r>
               <a:rPr lang="en-US" dirty="0"/>
-              <a:t>UPDATED WORKFLOW</a:t>
+              <a:t>Test accuracy</a:t>
             </a:r>
           </a:p>
         </p:txBody>
@@ -10473,7 +10548,7 @@
           <p:cNvPr id="3" name="Slide Number Placeholder 2">
             <a:extLst>
               <a:ext uri="{FF2B5EF4-FFF2-40B4-BE49-F238E27FC236}">
-                <a16:creationId xmlns:a16="http://schemas.microsoft.com/office/drawing/2014/main" id="{7A8E352F-DB41-95E3-F0B3-4F15AB0694C4}"/>
+                <a16:creationId xmlns:a16="http://schemas.microsoft.com/office/drawing/2014/main" id="{F61786F5-171E-C88C-FF0D-DC7D2C571B78}"/>
               </a:ext>
             </a:extLst>
           </p:cNvPr>
@@ -10497,7 +10572,7 @@
             <a:fld id="{6D22F896-40B5-4ADD-8801-0D06FADFA095}" type="slidenum">
               <a:rPr lang="en-US" smtClean="0"/>
               <a:pPr/>
-              <a:t>40</a:t>
+              <a:t>41</a:t>
             </a:fld>
             <a:endParaRPr lang="en-US" dirty="0"/>
           </a:p>
@@ -10505,10 +10580,10 @@
       </p:sp>
       <p:pic>
         <p:nvPicPr>
-          <p:cNvPr id="10" name="Picture 9">
-            <a:extLst>
-              <a:ext uri="{FF2B5EF4-FFF2-40B4-BE49-F238E27FC236}">
-                <a16:creationId xmlns:a16="http://schemas.microsoft.com/office/drawing/2014/main" id="{C4526EDA-07B5-7D89-1788-4EE3D981CB30}"/>
+          <p:cNvPr id="2" name="Picture 1">
+            <a:extLst>
+              <a:ext uri="{FF2B5EF4-FFF2-40B4-BE49-F238E27FC236}">
+                <a16:creationId xmlns:a16="http://schemas.microsoft.com/office/drawing/2014/main" id="{B7D0EE3D-C818-5AA2-4262-B5B4FEC2303F}"/>
               </a:ext>
             </a:extLst>
           </p:cNvPr>
@@ -10519,13 +10594,14 @@
         </p:nvPicPr>
         <p:blipFill>
           <a:blip r:embed="rId2"/>
-          <a:srcRect t="10090"/>
-          <a:stretch/>
+          <a:stretch>
+            <a:fillRect/>
+          </a:stretch>
         </p:blipFill>
         <p:spPr>
           <a:xfrm>
-            <a:off x="2395259" y="2029543"/>
-            <a:ext cx="7398434" cy="4082902"/>
+            <a:off x="2880576" y="2295994"/>
+            <a:ext cx="6427800" cy="4159165"/>
           </a:xfrm>
           <a:prstGeom prst="rect">
             <a:avLst/>
@@ -10535,93 +10611,7 @@
     </p:spTree>
     <p:extLst>
       <p:ext uri="{BB962C8B-B14F-4D97-AF65-F5344CB8AC3E}">
-        <p14:creationId xmlns:p14="http://schemas.microsoft.com/office/powerpoint/2010/main" val="4275599346"/>
-      </p:ext>
-    </p:extLst>
-  </p:cSld>
-  <p:clrMapOvr>
-    <a:masterClrMapping/>
-  </p:clrMapOvr>
-</p:sld>
-</file>
-
-<file path=ppt/slides/slide41.xml><?xml version="1.0" encoding="utf-8"?>
-<p:sld xmlns:a="http://schemas.openxmlformats.org/drawingml/2006/main" xmlns:r="http://schemas.openxmlformats.org/officeDocument/2006/relationships" xmlns:p="http://schemas.openxmlformats.org/presentationml/2006/main">
-  <p:cSld>
-    <p:spTree>
-      <p:nvGrpSpPr>
-        <p:cNvPr id="1" name=""/>
-        <p:cNvGrpSpPr/>
-        <p:nvPr/>
-      </p:nvGrpSpPr>
-      <p:grpSpPr>
-        <a:xfrm>
-          <a:off x="0" y="0"/>
-          <a:ext cx="0" cy="0"/>
-          <a:chOff x="0" y="0"/>
-          <a:chExt cx="0" cy="0"/>
-        </a:xfrm>
-      </p:grpSpPr>
-      <p:sp>
-        <p:nvSpPr>
-          <p:cNvPr id="2" name="Title 1">
-            <a:extLst>
-              <a:ext uri="{FF2B5EF4-FFF2-40B4-BE49-F238E27FC236}">
-                <a16:creationId xmlns:a16="http://schemas.microsoft.com/office/drawing/2014/main" id="{A431FB26-2245-F001-902D-F75B76BE6C42}"/>
-              </a:ext>
-            </a:extLst>
-          </p:cNvPr>
-          <p:cNvSpPr>
-            <a:spLocks noGrp="1"/>
-          </p:cNvSpPr>
-          <p:nvPr>
-            <p:ph type="ctrTitle"/>
-          </p:nvPr>
-        </p:nvSpPr>
-        <p:spPr/>
-        <p:txBody>
-          <a:bodyPr>
-            <a:normAutofit fontScale="90000"/>
-          </a:bodyPr>
-          <a:lstStyle/>
-          <a:p>
-            <a:r>
-              <a:rPr lang="en-US" dirty="0"/>
-              <a:t>Comparative Analysis of Models across Dimensionality Reduction</a:t>
-            </a:r>
-            <a:endParaRPr lang="en-IN" dirty="0"/>
-          </a:p>
-        </p:txBody>
-      </p:sp>
-      <p:sp>
-        <p:nvSpPr>
-          <p:cNvPr id="3" name="Subtitle 2">
-            <a:extLst>
-              <a:ext uri="{FF2B5EF4-FFF2-40B4-BE49-F238E27FC236}">
-                <a16:creationId xmlns:a16="http://schemas.microsoft.com/office/drawing/2014/main" id="{B06C97E0-CCFF-A5B4-5477-6C93128BCBCD}"/>
-              </a:ext>
-            </a:extLst>
-          </p:cNvPr>
-          <p:cNvSpPr>
-            <a:spLocks noGrp="1"/>
-          </p:cNvSpPr>
-          <p:nvPr>
-            <p:ph type="subTitle" idx="1"/>
-          </p:nvPr>
-        </p:nvSpPr>
-        <p:spPr/>
-        <p:txBody>
-          <a:bodyPr/>
-          <a:lstStyle/>
-          <a:p>
-            <a:endParaRPr lang="en-IN"/>
-          </a:p>
-        </p:txBody>
-      </p:sp>
-    </p:spTree>
-    <p:extLst>
-      <p:ext uri="{BB962C8B-B14F-4D97-AF65-F5344CB8AC3E}">
-        <p14:creationId xmlns:p14="http://schemas.microsoft.com/office/powerpoint/2010/main" val="1939329862"/>
+        <p14:creationId xmlns:p14="http://schemas.microsoft.com/office/powerpoint/2010/main" val="3253935401"/>
       </p:ext>
     </p:extLst>
   </p:cSld>
@@ -10653,7 +10643,7 @@
           <p:cNvPr id="2" name="Title 1">
             <a:extLst>
               <a:ext uri="{FF2B5EF4-FFF2-40B4-BE49-F238E27FC236}">
-                <a16:creationId xmlns:a16="http://schemas.microsoft.com/office/drawing/2014/main" id="{8DECF9F4-601A-98E7-DD17-D7D3DC801E4F}"/>
+                <a16:creationId xmlns:a16="http://schemas.microsoft.com/office/drawing/2014/main" id="{078D0A44-0F16-B1A1-9022-99C1BA2303EC}"/>
               </a:ext>
             </a:extLst>
           </p:cNvPr>
@@ -10671,7 +10661,7 @@
           <a:p>
             <a:r>
               <a:rPr lang="en-IN" dirty="0"/>
-              <a:t>Logistic regression(Train accuracy)</a:t>
+              <a:t>Random forest (Train accuracy)</a:t>
             </a:r>
           </a:p>
         </p:txBody>
@@ -10681,7 +10671,7 @@
           <p:cNvPr id="3" name="Slide Number Placeholder 2">
             <a:extLst>
               <a:ext uri="{FF2B5EF4-FFF2-40B4-BE49-F238E27FC236}">
-                <a16:creationId xmlns:a16="http://schemas.microsoft.com/office/drawing/2014/main" id="{F7115EBD-9FE9-75BE-B0BC-E85B14799DE6}"/>
+                <a16:creationId xmlns:a16="http://schemas.microsoft.com/office/drawing/2014/main" id="{7F29BDF3-6183-358E-47F5-46F789ED9554}"/>
               </a:ext>
             </a:extLst>
           </p:cNvPr>
@@ -10706,37 +10696,12 @@
           </a:p>
         </p:txBody>
       </p:sp>
-      <p:sp>
-        <p:nvSpPr>
-          <p:cNvPr id="4" name="Content Placeholder 3">
-            <a:extLst>
-              <a:ext uri="{FF2B5EF4-FFF2-40B4-BE49-F238E27FC236}">
-                <a16:creationId xmlns:a16="http://schemas.microsoft.com/office/drawing/2014/main" id="{A0241449-56F8-80DF-0402-0AFD1AACA018}"/>
-              </a:ext>
-            </a:extLst>
-          </p:cNvPr>
-          <p:cNvSpPr>
-            <a:spLocks noGrp="1"/>
-          </p:cNvSpPr>
-          <p:nvPr>
-            <p:ph sz="quarter" idx="13"/>
-          </p:nvPr>
-        </p:nvSpPr>
-        <p:spPr/>
-        <p:txBody>
-          <a:bodyPr/>
-          <a:lstStyle/>
-          <a:p>
-            <a:endParaRPr lang="en-IN"/>
-          </a:p>
-        </p:txBody>
-      </p:sp>
       <p:pic>
         <p:nvPicPr>
-          <p:cNvPr id="8" name="Picture 7">
-            <a:extLst>
-              <a:ext uri="{FF2B5EF4-FFF2-40B4-BE49-F238E27FC236}">
-                <a16:creationId xmlns:a16="http://schemas.microsoft.com/office/drawing/2014/main" id="{AC45E5DE-F42E-3596-B36D-BA440C028B1A}"/>
+          <p:cNvPr id="7" name="Picture 6">
+            <a:extLst>
+              <a:ext uri="{FF2B5EF4-FFF2-40B4-BE49-F238E27FC236}">
+                <a16:creationId xmlns:a16="http://schemas.microsoft.com/office/drawing/2014/main" id="{E44F61DA-5F6D-54AE-08AE-5FF8A78401D5}"/>
               </a:ext>
             </a:extLst>
           </p:cNvPr>
@@ -10753,8 +10718,8 @@
         </p:blipFill>
         <p:spPr>
           <a:xfrm>
-            <a:off x="2663096" y="2093976"/>
-            <a:ext cx="7192379" cy="4201111"/>
+            <a:off x="2322224" y="2200740"/>
+            <a:ext cx="7373379" cy="4248743"/>
           </a:xfrm>
           <a:prstGeom prst="rect">
             <a:avLst/>
@@ -10764,7 +10729,7 @@
     </p:spTree>
     <p:extLst>
       <p:ext uri="{BB962C8B-B14F-4D97-AF65-F5344CB8AC3E}">
-        <p14:creationId xmlns:p14="http://schemas.microsoft.com/office/powerpoint/2010/main" val="923416165"/>
+        <p14:creationId xmlns:p14="http://schemas.microsoft.com/office/powerpoint/2010/main" val="4085645725"/>
       </p:ext>
     </p:extLst>
   </p:cSld>
@@ -10782,7 +10747,7 @@
         <p:cNvPr id="1" name="">
           <a:extLst>
             <a:ext uri="{FF2B5EF4-FFF2-40B4-BE49-F238E27FC236}">
-              <a16:creationId xmlns:a16="http://schemas.microsoft.com/office/drawing/2014/main" id="{CE6F9C5B-42F9-32E2-1214-86A8B05BB646}"/>
+              <a16:creationId xmlns:a16="http://schemas.microsoft.com/office/drawing/2014/main" id="{C1E33055-D2F6-3F38-77B3-D3203CF688AA}"/>
             </a:ext>
           </a:extLst>
         </p:cNvPr>
@@ -10802,7 +10767,7 @@
           <p:cNvPr id="4" name="Title 3">
             <a:extLst>
               <a:ext uri="{FF2B5EF4-FFF2-40B4-BE49-F238E27FC236}">
-                <a16:creationId xmlns:a16="http://schemas.microsoft.com/office/drawing/2014/main" id="{89B5ECDF-7198-19CE-356B-8954C32FF8D5}"/>
+                <a16:creationId xmlns:a16="http://schemas.microsoft.com/office/drawing/2014/main" id="{2A89E8A6-C8E5-221C-F199-DDB9D2525241}"/>
               </a:ext>
             </a:extLst>
           </p:cNvPr>
@@ -10835,7 +10800,7 @@
           <p:cNvPr id="3" name="Slide Number Placeholder 2">
             <a:extLst>
               <a:ext uri="{FF2B5EF4-FFF2-40B4-BE49-F238E27FC236}">
-                <a16:creationId xmlns:a16="http://schemas.microsoft.com/office/drawing/2014/main" id="{F61786F5-171E-C88C-FF0D-DC7D2C571B78}"/>
+                <a16:creationId xmlns:a16="http://schemas.microsoft.com/office/drawing/2014/main" id="{D9E32D7F-581B-4E3A-41F3-13DD8CA654C0}"/>
               </a:ext>
             </a:extLst>
           </p:cNvPr>
@@ -10870,7 +10835,7 @@
           <p:cNvPr id="2" name="Picture 1">
             <a:extLst>
               <a:ext uri="{FF2B5EF4-FFF2-40B4-BE49-F238E27FC236}">
-                <a16:creationId xmlns:a16="http://schemas.microsoft.com/office/drawing/2014/main" id="{B7D0EE3D-C818-5AA2-4262-B5B4FEC2303F}"/>
+                <a16:creationId xmlns:a16="http://schemas.microsoft.com/office/drawing/2014/main" id="{81BC1D93-CBCC-9ABD-F8E9-8A54D43BC3A9}"/>
               </a:ext>
             </a:extLst>
           </p:cNvPr>
@@ -10887,8 +10852,8 @@
         </p:blipFill>
         <p:spPr>
           <a:xfrm>
-            <a:off x="2880576" y="2295994"/>
-            <a:ext cx="6427800" cy="4159165"/>
+            <a:off x="2742432" y="2093976"/>
+            <a:ext cx="6441990" cy="4040371"/>
           </a:xfrm>
           <a:prstGeom prst="rect">
             <a:avLst/>
@@ -10898,7 +10863,7 @@
     </p:spTree>
     <p:extLst>
       <p:ext uri="{BB962C8B-B14F-4D97-AF65-F5344CB8AC3E}">
-        <p14:creationId xmlns:p14="http://schemas.microsoft.com/office/powerpoint/2010/main" val="3253935401"/>
+        <p14:creationId xmlns:p14="http://schemas.microsoft.com/office/powerpoint/2010/main" val="3274328844"/>
       </p:ext>
     </p:extLst>
   </p:cSld>
@@ -10930,7 +10895,7 @@
           <p:cNvPr id="2" name="Title 1">
             <a:extLst>
               <a:ext uri="{FF2B5EF4-FFF2-40B4-BE49-F238E27FC236}">
-                <a16:creationId xmlns:a16="http://schemas.microsoft.com/office/drawing/2014/main" id="{078D0A44-0F16-B1A1-9022-99C1BA2303EC}"/>
+                <a16:creationId xmlns:a16="http://schemas.microsoft.com/office/drawing/2014/main" id="{2D890A8D-DDE6-8150-A74A-129D98484141}"/>
               </a:ext>
             </a:extLst>
           </p:cNvPr>
@@ -10947,8 +10912,12 @@
           <a:lstStyle/>
           <a:p>
             <a:r>
+              <a:rPr lang="en-IN" dirty="0" err="1"/>
+              <a:t>Knn</a:t>
+            </a:r>
+            <a:r>
               <a:rPr lang="en-IN" dirty="0"/>
-              <a:t>Random forest (Train accuracy)</a:t>
+              <a:t> (train accuracy)</a:t>
             </a:r>
           </a:p>
         </p:txBody>
@@ -10958,7 +10927,7 @@
           <p:cNvPr id="3" name="Slide Number Placeholder 2">
             <a:extLst>
               <a:ext uri="{FF2B5EF4-FFF2-40B4-BE49-F238E27FC236}">
-                <a16:creationId xmlns:a16="http://schemas.microsoft.com/office/drawing/2014/main" id="{7F29BDF3-6183-358E-47F5-46F789ED9554}"/>
+                <a16:creationId xmlns:a16="http://schemas.microsoft.com/office/drawing/2014/main" id="{9029A525-B9E0-F9FC-D678-824FEDB2E598}"/>
               </a:ext>
             </a:extLst>
           </p:cNvPr>
@@ -10983,62 +10952,12 @@
           </a:p>
         </p:txBody>
       </p:sp>
-      <p:sp>
-        <p:nvSpPr>
-          <p:cNvPr id="4" name="Content Placeholder 3">
-            <a:extLst>
-              <a:ext uri="{FF2B5EF4-FFF2-40B4-BE49-F238E27FC236}">
-                <a16:creationId xmlns:a16="http://schemas.microsoft.com/office/drawing/2014/main" id="{A9562497-88AD-0D20-F1F9-7A4E1C894DB2}"/>
-              </a:ext>
-            </a:extLst>
-          </p:cNvPr>
-          <p:cNvSpPr>
-            <a:spLocks noGrp="1"/>
-          </p:cNvSpPr>
-          <p:nvPr>
-            <p:ph sz="quarter" idx="13"/>
-          </p:nvPr>
-        </p:nvSpPr>
-        <p:spPr/>
-        <p:txBody>
-          <a:bodyPr/>
-          <a:lstStyle/>
-          <a:p>
-            <a:endParaRPr lang="en-IN"/>
-          </a:p>
-        </p:txBody>
-      </p:sp>
-      <p:sp>
-        <p:nvSpPr>
-          <p:cNvPr id="5" name="Content Placeholder 4">
-            <a:extLst>
-              <a:ext uri="{FF2B5EF4-FFF2-40B4-BE49-F238E27FC236}">
-                <a16:creationId xmlns:a16="http://schemas.microsoft.com/office/drawing/2014/main" id="{773E3B5C-9093-AFFF-903F-3D963409327C}"/>
-              </a:ext>
-            </a:extLst>
-          </p:cNvPr>
-          <p:cNvSpPr>
-            <a:spLocks noGrp="1"/>
-          </p:cNvSpPr>
-          <p:nvPr>
-            <p:ph sz="quarter" idx="14"/>
-          </p:nvPr>
-        </p:nvSpPr>
-        <p:spPr/>
-        <p:txBody>
-          <a:bodyPr/>
-          <a:lstStyle/>
-          <a:p>
-            <a:endParaRPr lang="en-IN" dirty="0"/>
-          </a:p>
-        </p:txBody>
-      </p:sp>
       <p:pic>
         <p:nvPicPr>
           <p:cNvPr id="7" name="Picture 6">
             <a:extLst>
               <a:ext uri="{FF2B5EF4-FFF2-40B4-BE49-F238E27FC236}">
-                <a16:creationId xmlns:a16="http://schemas.microsoft.com/office/drawing/2014/main" id="{E44F61DA-5F6D-54AE-08AE-5FF8A78401D5}"/>
+                <a16:creationId xmlns:a16="http://schemas.microsoft.com/office/drawing/2014/main" id="{5C0A04F0-FBE3-5FBA-D7E5-6914A8395B84}"/>
               </a:ext>
             </a:extLst>
           </p:cNvPr>
@@ -11055,8 +10974,8 @@
         </p:blipFill>
         <p:spPr>
           <a:xfrm>
-            <a:off x="2322224" y="2200740"/>
-            <a:ext cx="7373379" cy="4248743"/>
+            <a:off x="2634517" y="2186451"/>
+            <a:ext cx="7249537" cy="4277322"/>
           </a:xfrm>
           <a:prstGeom prst="rect">
             <a:avLst/>
@@ -11066,7 +10985,7 @@
     </p:spTree>
     <p:extLst>
       <p:ext uri="{BB962C8B-B14F-4D97-AF65-F5344CB8AC3E}">
-        <p14:creationId xmlns:p14="http://schemas.microsoft.com/office/powerpoint/2010/main" val="4085645725"/>
+        <p14:creationId xmlns:p14="http://schemas.microsoft.com/office/powerpoint/2010/main" val="3821093488"/>
       </p:ext>
     </p:extLst>
   </p:cSld>
@@ -11084,7 +11003,7 @@
         <p:cNvPr id="1" name="">
           <a:extLst>
             <a:ext uri="{FF2B5EF4-FFF2-40B4-BE49-F238E27FC236}">
-              <a16:creationId xmlns:a16="http://schemas.microsoft.com/office/drawing/2014/main" id="{C1E33055-D2F6-3F38-77B3-D3203CF688AA}"/>
+              <a16:creationId xmlns:a16="http://schemas.microsoft.com/office/drawing/2014/main" id="{EC321CED-E40B-0734-0E13-6FDD768AD74E}"/>
             </a:ext>
           </a:extLst>
         </p:cNvPr>
@@ -11104,7 +11023,7 @@
           <p:cNvPr id="4" name="Title 3">
             <a:extLst>
               <a:ext uri="{FF2B5EF4-FFF2-40B4-BE49-F238E27FC236}">
-                <a16:creationId xmlns:a16="http://schemas.microsoft.com/office/drawing/2014/main" id="{2A89E8A6-C8E5-221C-F199-DDB9D2525241}"/>
+                <a16:creationId xmlns:a16="http://schemas.microsoft.com/office/drawing/2014/main" id="{E8F1F5D2-872D-9EF9-86F9-476F23DCFC06}"/>
               </a:ext>
             </a:extLst>
           </p:cNvPr>
@@ -11127,7 +11046,7 @@
           <a:p>
             <a:r>
               <a:rPr lang="en-US" dirty="0"/>
-              <a:t>Test accuracy</a:t>
+              <a:t>KNN</a:t>
             </a:r>
           </a:p>
         </p:txBody>
@@ -11137,7 +11056,7 @@
           <p:cNvPr id="3" name="Slide Number Placeholder 2">
             <a:extLst>
               <a:ext uri="{FF2B5EF4-FFF2-40B4-BE49-F238E27FC236}">
-                <a16:creationId xmlns:a16="http://schemas.microsoft.com/office/drawing/2014/main" id="{D9E32D7F-581B-4E3A-41F3-13DD8CA654C0}"/>
+                <a16:creationId xmlns:a16="http://schemas.microsoft.com/office/drawing/2014/main" id="{7CDE4C6E-3B15-D0B7-3A28-BE487DFBE70F}"/>
               </a:ext>
             </a:extLst>
           </p:cNvPr>
@@ -11172,7 +11091,7 @@
           <p:cNvPr id="2" name="Picture 1">
             <a:extLst>
               <a:ext uri="{FF2B5EF4-FFF2-40B4-BE49-F238E27FC236}">
-                <a16:creationId xmlns:a16="http://schemas.microsoft.com/office/drawing/2014/main" id="{81BC1D93-CBCC-9ABD-F8E9-8A54D43BC3A9}"/>
+                <a16:creationId xmlns:a16="http://schemas.microsoft.com/office/drawing/2014/main" id="{4BC1F4A4-0A07-3497-77E8-3D872447E429}"/>
               </a:ext>
             </a:extLst>
           </p:cNvPr>
@@ -11189,8 +11108,8 @@
         </p:blipFill>
         <p:spPr>
           <a:xfrm>
-            <a:off x="2742432" y="2093976"/>
-            <a:ext cx="6441990" cy="4040371"/>
+            <a:off x="2798591" y="2093976"/>
+            <a:ext cx="6594817" cy="4080453"/>
           </a:xfrm>
           <a:prstGeom prst="rect">
             <a:avLst/>
@@ -11200,7 +11119,7 @@
     </p:spTree>
     <p:extLst>
       <p:ext uri="{BB962C8B-B14F-4D97-AF65-F5344CB8AC3E}">
-        <p14:creationId xmlns:p14="http://schemas.microsoft.com/office/powerpoint/2010/main" val="3274328844"/>
+        <p14:creationId xmlns:p14="http://schemas.microsoft.com/office/powerpoint/2010/main" val="3545447540"/>
       </p:ext>
     </p:extLst>
   </p:cSld>
@@ -11232,312 +11151,6 @@
           <p:cNvPr id="2" name="Title 1">
             <a:extLst>
               <a:ext uri="{FF2B5EF4-FFF2-40B4-BE49-F238E27FC236}">
-                <a16:creationId xmlns:a16="http://schemas.microsoft.com/office/drawing/2014/main" id="{2D890A8D-DDE6-8150-A74A-129D98484141}"/>
-              </a:ext>
-            </a:extLst>
-          </p:cNvPr>
-          <p:cNvSpPr>
-            <a:spLocks noGrp="1"/>
-          </p:cNvSpPr>
-          <p:nvPr>
-            <p:ph type="title"/>
-          </p:nvPr>
-        </p:nvSpPr>
-        <p:spPr/>
-        <p:txBody>
-          <a:bodyPr/>
-          <a:lstStyle/>
-          <a:p>
-            <a:r>
-              <a:rPr lang="en-IN" dirty="0" err="1"/>
-              <a:t>Knn</a:t>
-            </a:r>
-            <a:r>
-              <a:rPr lang="en-IN" dirty="0"/>
-              <a:t> (train accuracy)</a:t>
-            </a:r>
-          </a:p>
-        </p:txBody>
-      </p:sp>
-      <p:sp>
-        <p:nvSpPr>
-          <p:cNvPr id="3" name="Slide Number Placeholder 2">
-            <a:extLst>
-              <a:ext uri="{FF2B5EF4-FFF2-40B4-BE49-F238E27FC236}">
-                <a16:creationId xmlns:a16="http://schemas.microsoft.com/office/drawing/2014/main" id="{9029A525-B9E0-F9FC-D678-824FEDB2E598}"/>
-              </a:ext>
-            </a:extLst>
-          </p:cNvPr>
-          <p:cNvSpPr>
-            <a:spLocks noGrp="1"/>
-          </p:cNvSpPr>
-          <p:nvPr>
-            <p:ph type="sldNum" sz="quarter" idx="12"/>
-          </p:nvPr>
-        </p:nvSpPr>
-        <p:spPr/>
-        <p:txBody>
-          <a:bodyPr/>
-          <a:lstStyle/>
-          <a:p>
-            <a:fld id="{6D22F896-40B5-4ADD-8801-0D06FADFA095}" type="slidenum">
-              <a:rPr lang="en-US" smtClean="0"/>
-              <a:pPr/>
-              <a:t>46</a:t>
-            </a:fld>
-            <a:endParaRPr lang="en-US" dirty="0"/>
-          </a:p>
-        </p:txBody>
-      </p:sp>
-      <p:sp>
-        <p:nvSpPr>
-          <p:cNvPr id="4" name="Content Placeholder 3">
-            <a:extLst>
-              <a:ext uri="{FF2B5EF4-FFF2-40B4-BE49-F238E27FC236}">
-                <a16:creationId xmlns:a16="http://schemas.microsoft.com/office/drawing/2014/main" id="{97DBAF6C-DB7C-CA9C-90E7-EC50BF62D518}"/>
-              </a:ext>
-            </a:extLst>
-          </p:cNvPr>
-          <p:cNvSpPr>
-            <a:spLocks noGrp="1"/>
-          </p:cNvSpPr>
-          <p:nvPr>
-            <p:ph sz="quarter" idx="13"/>
-          </p:nvPr>
-        </p:nvSpPr>
-        <p:spPr/>
-        <p:txBody>
-          <a:bodyPr/>
-          <a:lstStyle/>
-          <a:p>
-            <a:endParaRPr lang="en-IN"/>
-          </a:p>
-        </p:txBody>
-      </p:sp>
-      <p:sp>
-        <p:nvSpPr>
-          <p:cNvPr id="5" name="Content Placeholder 4">
-            <a:extLst>
-              <a:ext uri="{FF2B5EF4-FFF2-40B4-BE49-F238E27FC236}">
-                <a16:creationId xmlns:a16="http://schemas.microsoft.com/office/drawing/2014/main" id="{49B9E432-75BE-0C69-715E-10339A2E1513}"/>
-              </a:ext>
-            </a:extLst>
-          </p:cNvPr>
-          <p:cNvSpPr>
-            <a:spLocks noGrp="1"/>
-          </p:cNvSpPr>
-          <p:nvPr>
-            <p:ph sz="quarter" idx="14"/>
-          </p:nvPr>
-        </p:nvSpPr>
-        <p:spPr/>
-        <p:txBody>
-          <a:bodyPr/>
-          <a:lstStyle/>
-          <a:p>
-            <a:endParaRPr lang="en-IN"/>
-          </a:p>
-        </p:txBody>
-      </p:sp>
-      <p:pic>
-        <p:nvPicPr>
-          <p:cNvPr id="7" name="Picture 6">
-            <a:extLst>
-              <a:ext uri="{FF2B5EF4-FFF2-40B4-BE49-F238E27FC236}">
-                <a16:creationId xmlns:a16="http://schemas.microsoft.com/office/drawing/2014/main" id="{5C0A04F0-FBE3-5FBA-D7E5-6914A8395B84}"/>
-              </a:ext>
-            </a:extLst>
-          </p:cNvPr>
-          <p:cNvPicPr>
-            <a:picLocks noChangeAspect="1"/>
-          </p:cNvPicPr>
-          <p:nvPr/>
-        </p:nvPicPr>
-        <p:blipFill>
-          <a:blip r:embed="rId2"/>
-          <a:stretch>
-            <a:fillRect/>
-          </a:stretch>
-        </p:blipFill>
-        <p:spPr>
-          <a:xfrm>
-            <a:off x="2634517" y="2186451"/>
-            <a:ext cx="7249537" cy="4277322"/>
-          </a:xfrm>
-          <a:prstGeom prst="rect">
-            <a:avLst/>
-          </a:prstGeom>
-        </p:spPr>
-      </p:pic>
-    </p:spTree>
-    <p:extLst>
-      <p:ext uri="{BB962C8B-B14F-4D97-AF65-F5344CB8AC3E}">
-        <p14:creationId xmlns:p14="http://schemas.microsoft.com/office/powerpoint/2010/main" val="3821093488"/>
-      </p:ext>
-    </p:extLst>
-  </p:cSld>
-  <p:clrMapOvr>
-    <a:masterClrMapping/>
-  </p:clrMapOvr>
-</p:sld>
-</file>
-
-<file path=ppt/slides/slide47.xml><?xml version="1.0" encoding="utf-8"?>
-<p:sld xmlns:a="http://schemas.openxmlformats.org/drawingml/2006/main" xmlns:r="http://schemas.openxmlformats.org/officeDocument/2006/relationships" xmlns:p="http://schemas.openxmlformats.org/presentationml/2006/main">
-  <p:cSld>
-    <p:spTree>
-      <p:nvGrpSpPr>
-        <p:cNvPr id="1" name="">
-          <a:extLst>
-            <a:ext uri="{FF2B5EF4-FFF2-40B4-BE49-F238E27FC236}">
-              <a16:creationId xmlns:a16="http://schemas.microsoft.com/office/drawing/2014/main" id="{EC321CED-E40B-0734-0E13-6FDD768AD74E}"/>
-            </a:ext>
-          </a:extLst>
-        </p:cNvPr>
-        <p:cNvGrpSpPr/>
-        <p:nvPr/>
-      </p:nvGrpSpPr>
-      <p:grpSpPr>
-        <a:xfrm>
-          <a:off x="0" y="0"/>
-          <a:ext cx="0" cy="0"/>
-          <a:chOff x="0" y="0"/>
-          <a:chExt cx="0" cy="0"/>
-        </a:xfrm>
-      </p:grpSpPr>
-      <p:sp>
-        <p:nvSpPr>
-          <p:cNvPr id="4" name="Title 3">
-            <a:extLst>
-              <a:ext uri="{FF2B5EF4-FFF2-40B4-BE49-F238E27FC236}">
-                <a16:creationId xmlns:a16="http://schemas.microsoft.com/office/drawing/2014/main" id="{E8F1F5D2-872D-9EF9-86F9-476F23DCFC06}"/>
-              </a:ext>
-            </a:extLst>
-          </p:cNvPr>
-          <p:cNvSpPr>
-            <a:spLocks noGrp="1"/>
-          </p:cNvSpPr>
-          <p:nvPr>
-            <p:ph type="title"/>
-          </p:nvPr>
-        </p:nvSpPr>
-        <p:spPr>
-          <a:xfrm>
-            <a:off x="914400" y="914400"/>
-            <a:ext cx="10360152" cy="1179576"/>
-          </a:xfrm>
-        </p:spPr>
-        <p:txBody>
-          <a:bodyPr/>
-          <a:lstStyle/>
-          <a:p>
-            <a:r>
-              <a:rPr lang="en-US" dirty="0"/>
-              <a:t>KNN</a:t>
-            </a:r>
-          </a:p>
-        </p:txBody>
-      </p:sp>
-      <p:sp>
-        <p:nvSpPr>
-          <p:cNvPr id="3" name="Slide Number Placeholder 2">
-            <a:extLst>
-              <a:ext uri="{FF2B5EF4-FFF2-40B4-BE49-F238E27FC236}">
-                <a16:creationId xmlns:a16="http://schemas.microsoft.com/office/drawing/2014/main" id="{7CDE4C6E-3B15-D0B7-3A28-BE487DFBE70F}"/>
-              </a:ext>
-            </a:extLst>
-          </p:cNvPr>
-          <p:cNvSpPr>
-            <a:spLocks noGrp="1"/>
-          </p:cNvSpPr>
-          <p:nvPr>
-            <p:ph type="sldNum" sz="quarter" idx="12"/>
-          </p:nvPr>
-        </p:nvSpPr>
-        <p:spPr>
-          <a:xfrm>
-            <a:off x="10655300" y="465439"/>
-            <a:ext cx="1079500" cy="448960"/>
-          </a:xfrm>
-        </p:spPr>
-        <p:txBody>
-          <a:bodyPr/>
-          <a:lstStyle/>
-          <a:p>
-            <a:fld id="{6D22F896-40B5-4ADD-8801-0D06FADFA095}" type="slidenum">
-              <a:rPr lang="en-US" smtClean="0"/>
-              <a:pPr/>
-              <a:t>47</a:t>
-            </a:fld>
-            <a:endParaRPr lang="en-US" dirty="0"/>
-          </a:p>
-        </p:txBody>
-      </p:sp>
-      <p:pic>
-        <p:nvPicPr>
-          <p:cNvPr id="2" name="Picture 1">
-            <a:extLst>
-              <a:ext uri="{FF2B5EF4-FFF2-40B4-BE49-F238E27FC236}">
-                <a16:creationId xmlns:a16="http://schemas.microsoft.com/office/drawing/2014/main" id="{4BC1F4A4-0A07-3497-77E8-3D872447E429}"/>
-              </a:ext>
-            </a:extLst>
-          </p:cNvPr>
-          <p:cNvPicPr>
-            <a:picLocks noChangeAspect="1"/>
-          </p:cNvPicPr>
-          <p:nvPr/>
-        </p:nvPicPr>
-        <p:blipFill>
-          <a:blip r:embed="rId2"/>
-          <a:stretch>
-            <a:fillRect/>
-          </a:stretch>
-        </p:blipFill>
-        <p:spPr>
-          <a:xfrm>
-            <a:off x="2798591" y="2093976"/>
-            <a:ext cx="6594817" cy="4080453"/>
-          </a:xfrm>
-          <a:prstGeom prst="rect">
-            <a:avLst/>
-          </a:prstGeom>
-        </p:spPr>
-      </p:pic>
-    </p:spTree>
-    <p:extLst>
-      <p:ext uri="{BB962C8B-B14F-4D97-AF65-F5344CB8AC3E}">
-        <p14:creationId xmlns:p14="http://schemas.microsoft.com/office/powerpoint/2010/main" val="3545447540"/>
-      </p:ext>
-    </p:extLst>
-  </p:cSld>
-  <p:clrMapOvr>
-    <a:masterClrMapping/>
-  </p:clrMapOvr>
-</p:sld>
-</file>
-
-<file path=ppt/slides/slide48.xml><?xml version="1.0" encoding="utf-8"?>
-<p:sld xmlns:a="http://schemas.openxmlformats.org/drawingml/2006/main" xmlns:r="http://schemas.openxmlformats.org/officeDocument/2006/relationships" xmlns:p="http://schemas.openxmlformats.org/presentationml/2006/main">
-  <p:cSld>
-    <p:spTree>
-      <p:nvGrpSpPr>
-        <p:cNvPr id="1" name=""/>
-        <p:cNvGrpSpPr/>
-        <p:nvPr/>
-      </p:nvGrpSpPr>
-      <p:grpSpPr>
-        <a:xfrm>
-          <a:off x="0" y="0"/>
-          <a:ext cx="0" cy="0"/>
-          <a:chOff x="0" y="0"/>
-          <a:chExt cx="0" cy="0"/>
-        </a:xfrm>
-      </p:grpSpPr>
-      <p:sp>
-        <p:nvSpPr>
-          <p:cNvPr id="2" name="Title 1">
-            <a:extLst>
-              <a:ext uri="{FF2B5EF4-FFF2-40B4-BE49-F238E27FC236}">
                 <a16:creationId xmlns:a16="http://schemas.microsoft.com/office/drawing/2014/main" id="{3B66BA9B-9365-C56B-9994-8E04FF0F211A}"/>
               </a:ext>
             </a:extLst>
@@ -11561,31 +11174,6 @@
               <a:t>Comparative Analysis of Models across hyper-parameter tuning using search techniques</a:t>
             </a:r>
             <a:endParaRPr lang="en-IN" dirty="0"/>
-          </a:p>
-        </p:txBody>
-      </p:sp>
-      <p:sp>
-        <p:nvSpPr>
-          <p:cNvPr id="3" name="Subtitle 2">
-            <a:extLst>
-              <a:ext uri="{FF2B5EF4-FFF2-40B4-BE49-F238E27FC236}">
-                <a16:creationId xmlns:a16="http://schemas.microsoft.com/office/drawing/2014/main" id="{6975ADB3-D78B-6B32-C137-61CCFB7A0AA8}"/>
-              </a:ext>
-            </a:extLst>
-          </p:cNvPr>
-          <p:cNvSpPr>
-            <a:spLocks noGrp="1"/>
-          </p:cNvSpPr>
-          <p:nvPr>
-            <p:ph type="subTitle" idx="1"/>
-          </p:nvPr>
-        </p:nvSpPr>
-        <p:spPr/>
-        <p:txBody>
-          <a:bodyPr/>
-          <a:lstStyle/>
-          <a:p>
-            <a:endParaRPr lang="en-IN"/>
           </a:p>
         </p:txBody>
       </p:sp>
@@ -11602,7 +11190,7 @@
 </p:sld>
 </file>
 
-<file path=ppt/slides/slide49.xml><?xml version="1.0" encoding="utf-8"?>
+<file path=ppt/slides/slide47.xml><?xml version="1.0" encoding="utf-8"?>
 <p:sld xmlns:a="http://schemas.openxmlformats.org/drawingml/2006/main" xmlns:r="http://schemas.openxmlformats.org/officeDocument/2006/relationships" xmlns:p="http://schemas.openxmlformats.org/presentationml/2006/main">
   <p:cSld>
     <p:spTree>
@@ -11687,7 +11275,7 @@
             <a:fld id="{6D22F896-40B5-4ADD-8801-0D06FADFA095}" type="slidenum">
               <a:rPr lang="en-US" smtClean="0"/>
               <a:pPr/>
-              <a:t>49</a:t>
+              <a:t>47</a:t>
             </a:fld>
             <a:endParaRPr lang="en-US" dirty="0"/>
           </a:p>
@@ -11695,10 +11283,10 @@
       </p:sp>
       <p:pic>
         <p:nvPicPr>
-          <p:cNvPr id="5" name="Picture 4">
-            <a:extLst>
-              <a:ext uri="{FF2B5EF4-FFF2-40B4-BE49-F238E27FC236}">
-                <a16:creationId xmlns:a16="http://schemas.microsoft.com/office/drawing/2014/main" id="{F3CAD1E6-4E82-CD74-C1AE-43E635B9BCE0}"/>
+          <p:cNvPr id="6" name="Picture 5">
+            <a:extLst>
+              <a:ext uri="{FF2B5EF4-FFF2-40B4-BE49-F238E27FC236}">
+                <a16:creationId xmlns:a16="http://schemas.microsoft.com/office/drawing/2014/main" id="{8078CB37-8DA9-06A0-F405-E9860C59F1E9}"/>
               </a:ext>
             </a:extLst>
           </p:cNvPr>
@@ -11715,8 +11303,8 @@
         </p:blipFill>
         <p:spPr>
           <a:xfrm>
-            <a:off x="3274829" y="2093976"/>
-            <a:ext cx="5998647" cy="4180110"/>
+            <a:off x="2764971" y="2268147"/>
+            <a:ext cx="7017150" cy="4092717"/>
           </a:xfrm>
           <a:prstGeom prst="rect">
             <a:avLst/>
@@ -11727,6 +11315,329 @@
     <p:extLst>
       <p:ext uri="{BB962C8B-B14F-4D97-AF65-F5344CB8AC3E}">
         <p14:creationId xmlns:p14="http://schemas.microsoft.com/office/powerpoint/2010/main" val="1742714191"/>
+      </p:ext>
+    </p:extLst>
+  </p:cSld>
+  <p:clrMapOvr>
+    <a:masterClrMapping/>
+  </p:clrMapOvr>
+</p:sld>
+</file>
+
+<file path=ppt/slides/slide48.xml><?xml version="1.0" encoding="utf-8"?>
+<p:sld xmlns:a="http://schemas.openxmlformats.org/drawingml/2006/main" xmlns:r="http://schemas.openxmlformats.org/officeDocument/2006/relationships" xmlns:p="http://schemas.openxmlformats.org/presentationml/2006/main">
+  <p:cSld>
+    <p:spTree>
+      <p:nvGrpSpPr>
+        <p:cNvPr id="1" name="">
+          <a:extLst>
+            <a:ext uri="{FF2B5EF4-FFF2-40B4-BE49-F238E27FC236}">
+              <a16:creationId xmlns:a16="http://schemas.microsoft.com/office/drawing/2014/main" id="{173C8849-8CF3-26BF-D84E-9AB396745ADB}"/>
+            </a:ext>
+          </a:extLst>
+        </p:cNvPr>
+        <p:cNvGrpSpPr/>
+        <p:nvPr/>
+      </p:nvGrpSpPr>
+      <p:grpSpPr>
+        <a:xfrm>
+          <a:off x="0" y="0"/>
+          <a:ext cx="0" cy="0"/>
+          <a:chOff x="0" y="0"/>
+          <a:chExt cx="0" cy="0"/>
+        </a:xfrm>
+      </p:grpSpPr>
+      <p:sp>
+        <p:nvSpPr>
+          <p:cNvPr id="4" name="Title 3">
+            <a:extLst>
+              <a:ext uri="{FF2B5EF4-FFF2-40B4-BE49-F238E27FC236}">
+                <a16:creationId xmlns:a16="http://schemas.microsoft.com/office/drawing/2014/main" id="{DAC68569-FC4E-47A2-10C0-6767BEF4CA01}"/>
+              </a:ext>
+            </a:extLst>
+          </p:cNvPr>
+          <p:cNvSpPr>
+            <a:spLocks noGrp="1"/>
+          </p:cNvSpPr>
+          <p:nvPr>
+            <p:ph type="title"/>
+          </p:nvPr>
+        </p:nvSpPr>
+        <p:spPr>
+          <a:xfrm>
+            <a:off x="914400" y="914400"/>
+            <a:ext cx="10360152" cy="1179576"/>
+          </a:xfrm>
+        </p:spPr>
+        <p:txBody>
+          <a:bodyPr/>
+          <a:lstStyle/>
+          <a:p>
+            <a:r>
+              <a:rPr lang="en-US" dirty="0"/>
+              <a:t>Test accuracy</a:t>
+            </a:r>
+          </a:p>
+        </p:txBody>
+      </p:sp>
+      <p:sp>
+        <p:nvSpPr>
+          <p:cNvPr id="3" name="Slide Number Placeholder 2">
+            <a:extLst>
+              <a:ext uri="{FF2B5EF4-FFF2-40B4-BE49-F238E27FC236}">
+                <a16:creationId xmlns:a16="http://schemas.microsoft.com/office/drawing/2014/main" id="{C5237246-E21F-72EB-17B1-E700065D8F2F}"/>
+              </a:ext>
+            </a:extLst>
+          </p:cNvPr>
+          <p:cNvSpPr>
+            <a:spLocks noGrp="1"/>
+          </p:cNvSpPr>
+          <p:nvPr>
+            <p:ph type="sldNum" sz="quarter" idx="12"/>
+          </p:nvPr>
+        </p:nvSpPr>
+        <p:spPr>
+          <a:xfrm>
+            <a:off x="10655300" y="465439"/>
+            <a:ext cx="1079500" cy="448960"/>
+          </a:xfrm>
+        </p:spPr>
+        <p:txBody>
+          <a:bodyPr/>
+          <a:lstStyle/>
+          <a:p>
+            <a:fld id="{6D22F896-40B5-4ADD-8801-0D06FADFA095}" type="slidenum">
+              <a:rPr lang="en-US" smtClean="0"/>
+              <a:pPr/>
+              <a:t>48</a:t>
+            </a:fld>
+            <a:endParaRPr lang="en-US" dirty="0"/>
+          </a:p>
+        </p:txBody>
+      </p:sp>
+      <p:pic>
+        <p:nvPicPr>
+          <p:cNvPr id="6" name="Picture 5">
+            <a:extLst>
+              <a:ext uri="{FF2B5EF4-FFF2-40B4-BE49-F238E27FC236}">
+                <a16:creationId xmlns:a16="http://schemas.microsoft.com/office/drawing/2014/main" id="{C503ABB1-5711-B4F8-C88D-BCD8D4574608}"/>
+              </a:ext>
+            </a:extLst>
+          </p:cNvPr>
+          <p:cNvPicPr>
+            <a:picLocks noChangeAspect="1"/>
+          </p:cNvPicPr>
+          <p:nvPr/>
+        </p:nvPicPr>
+        <p:blipFill>
+          <a:blip r:embed="rId2"/>
+          <a:stretch>
+            <a:fillRect/>
+          </a:stretch>
+        </p:blipFill>
+        <p:spPr>
+          <a:xfrm>
+            <a:off x="3341914" y="2325079"/>
+            <a:ext cx="5791025" cy="3911415"/>
+          </a:xfrm>
+          <a:prstGeom prst="rect">
+            <a:avLst/>
+          </a:prstGeom>
+        </p:spPr>
+      </p:pic>
+    </p:spTree>
+    <p:extLst>
+      <p:ext uri="{BB962C8B-B14F-4D97-AF65-F5344CB8AC3E}">
+        <p14:creationId xmlns:p14="http://schemas.microsoft.com/office/powerpoint/2010/main" val="431724722"/>
+      </p:ext>
+    </p:extLst>
+  </p:cSld>
+  <p:clrMapOvr>
+    <a:masterClrMapping/>
+  </p:clrMapOvr>
+</p:sld>
+</file>
+
+<file path=ppt/slides/slide49.xml><?xml version="1.0" encoding="utf-8"?>
+<p:sld xmlns:a="http://schemas.openxmlformats.org/drawingml/2006/main" xmlns:r="http://schemas.openxmlformats.org/officeDocument/2006/relationships" xmlns:p="http://schemas.openxmlformats.org/presentationml/2006/main">
+  <p:cSld>
+    <p:spTree>
+      <p:nvGrpSpPr>
+        <p:cNvPr id="1" name="">
+          <a:extLst>
+            <a:ext uri="{FF2B5EF4-FFF2-40B4-BE49-F238E27FC236}">
+              <a16:creationId xmlns:a16="http://schemas.microsoft.com/office/drawing/2014/main" id="{666C76DD-3EDF-9B37-007D-A2A9B381FBC9}"/>
+            </a:ext>
+          </a:extLst>
+        </p:cNvPr>
+        <p:cNvGrpSpPr/>
+        <p:nvPr/>
+      </p:nvGrpSpPr>
+      <p:grpSpPr>
+        <a:xfrm>
+          <a:off x="0" y="0"/>
+          <a:ext cx="0" cy="0"/>
+          <a:chOff x="0" y="0"/>
+          <a:chExt cx="0" cy="0"/>
+        </a:xfrm>
+      </p:grpSpPr>
+      <p:sp>
+        <p:nvSpPr>
+          <p:cNvPr id="4" name="Title 3">
+            <a:extLst>
+              <a:ext uri="{FF2B5EF4-FFF2-40B4-BE49-F238E27FC236}">
+                <a16:creationId xmlns:a16="http://schemas.microsoft.com/office/drawing/2014/main" id="{C5952D36-EA44-F43C-A086-9EC676FFA5FA}"/>
+              </a:ext>
+            </a:extLst>
+          </p:cNvPr>
+          <p:cNvSpPr>
+            <a:spLocks noGrp="1"/>
+          </p:cNvSpPr>
+          <p:nvPr>
+            <p:ph type="title"/>
+          </p:nvPr>
+        </p:nvSpPr>
+        <p:spPr>
+          <a:xfrm>
+            <a:off x="914400" y="914400"/>
+            <a:ext cx="10360152" cy="1179576"/>
+          </a:xfrm>
+        </p:spPr>
+        <p:txBody>
+          <a:bodyPr/>
+          <a:lstStyle/>
+          <a:p>
+            <a:r>
+              <a:rPr lang="en-IN" dirty="0"/>
+              <a:t>DISCUSSION</a:t>
+            </a:r>
+            <a:endParaRPr lang="en-US" dirty="0"/>
+          </a:p>
+        </p:txBody>
+      </p:sp>
+      <p:sp>
+        <p:nvSpPr>
+          <p:cNvPr id="3" name="Slide Number Placeholder 2">
+            <a:extLst>
+              <a:ext uri="{FF2B5EF4-FFF2-40B4-BE49-F238E27FC236}">
+                <a16:creationId xmlns:a16="http://schemas.microsoft.com/office/drawing/2014/main" id="{A64145C4-1CE6-1870-0558-86882CE9614B}"/>
+              </a:ext>
+            </a:extLst>
+          </p:cNvPr>
+          <p:cNvSpPr>
+            <a:spLocks noGrp="1"/>
+          </p:cNvSpPr>
+          <p:nvPr>
+            <p:ph type="sldNum" sz="quarter" idx="12"/>
+          </p:nvPr>
+        </p:nvSpPr>
+        <p:spPr>
+          <a:xfrm>
+            <a:off x="10655300" y="465439"/>
+            <a:ext cx="1079500" cy="448960"/>
+          </a:xfrm>
+        </p:spPr>
+        <p:txBody>
+          <a:bodyPr/>
+          <a:lstStyle/>
+          <a:p>
+            <a:fld id="{6D22F896-40B5-4ADD-8801-0D06FADFA095}" type="slidenum">
+              <a:rPr lang="en-US" smtClean="0"/>
+              <a:pPr/>
+              <a:t>49</a:t>
+            </a:fld>
+            <a:endParaRPr lang="en-US" dirty="0"/>
+          </a:p>
+        </p:txBody>
+      </p:sp>
+      <p:sp>
+        <p:nvSpPr>
+          <p:cNvPr id="5" name="Content Placeholder 4">
+            <a:extLst>
+              <a:ext uri="{FF2B5EF4-FFF2-40B4-BE49-F238E27FC236}">
+                <a16:creationId xmlns:a16="http://schemas.microsoft.com/office/drawing/2014/main" id="{33DD6136-C120-26EC-B373-3E62888D19CB}"/>
+              </a:ext>
+            </a:extLst>
+          </p:cNvPr>
+          <p:cNvSpPr>
+            <a:spLocks noGrp="1"/>
+          </p:cNvSpPr>
+          <p:nvPr>
+            <p:ph sz="quarter" idx="13"/>
+          </p:nvPr>
+        </p:nvSpPr>
+        <p:spPr>
+          <a:xfrm>
+            <a:off x="914400" y="2743200"/>
+            <a:ext cx="10820400" cy="3163824"/>
+          </a:xfrm>
+        </p:spPr>
+        <p:txBody>
+          <a:bodyPr>
+            <a:normAutofit/>
+          </a:bodyPr>
+          <a:lstStyle/>
+          <a:p>
+            <a:r>
+              <a:rPr lang="en-IN" dirty="0"/>
+              <a:t>Model accuracy varies based on encoding and dimensionality reduction techniques.</a:t>
+            </a:r>
+          </a:p>
+          <a:p>
+            <a:r>
+              <a:rPr lang="en-IN" dirty="0"/>
+              <a:t>Logistic Regression (LR) performs well with TF-IDF but drops with </a:t>
+            </a:r>
+            <a:r>
+              <a:rPr lang="en-IN" dirty="0" err="1"/>
+              <a:t>SelectKBest</a:t>
+            </a:r>
+            <a:r>
+              <a:rPr lang="en-IN" dirty="0"/>
+              <a:t> due to feature loss.</a:t>
+            </a:r>
+          </a:p>
+          <a:p>
+            <a:r>
+              <a:rPr lang="en-IN" dirty="0"/>
+              <a:t>BERT + LDA for LR achieves the highest accuracy (0.7946) as LDA enhances class separation.</a:t>
+            </a:r>
+          </a:p>
+          <a:p>
+            <a:r>
+              <a:rPr lang="en-IN" dirty="0"/>
+              <a:t>Random Forest (RF) improves with PCA on BERT (0.8875) and TSVD on TF-IDF (0.8400) by reducing noise.</a:t>
+            </a:r>
+          </a:p>
+          <a:p>
+            <a:r>
+              <a:rPr lang="en-IN" dirty="0"/>
+              <a:t>K-Nearest </a:t>
+            </a:r>
+            <a:r>
+              <a:rPr lang="en-IN" dirty="0" err="1"/>
+              <a:t>Neighbors</a:t>
+            </a:r>
+            <a:r>
+              <a:rPr lang="en-IN" dirty="0"/>
+              <a:t> (KNN) benefits most from TSVD on TF-IDF (0.9872) due to sensitivity to high-dimensional data.</a:t>
+            </a:r>
+          </a:p>
+          <a:p>
+            <a:r>
+              <a:rPr lang="en-IN" dirty="0"/>
+              <a:t>Hyperparameter tuning impact is minor, with RF + BERT + PCA achieving 0.9990 accuracy using Grid Search.</a:t>
+            </a:r>
+          </a:p>
+          <a:p>
+            <a:endParaRPr lang="en-IN" dirty="0"/>
+          </a:p>
+        </p:txBody>
+      </p:sp>
+    </p:spTree>
+    <p:extLst>
+      <p:ext uri="{BB962C8B-B14F-4D97-AF65-F5344CB8AC3E}">
+        <p14:creationId xmlns:p14="http://schemas.microsoft.com/office/powerpoint/2010/main" val="204824310"/>
       </p:ext>
     </p:extLst>
   </p:cSld>
@@ -11834,329 +11745,6 @@
         <p:cNvPr id="1" name="">
           <a:extLst>
             <a:ext uri="{FF2B5EF4-FFF2-40B4-BE49-F238E27FC236}">
-              <a16:creationId xmlns:a16="http://schemas.microsoft.com/office/drawing/2014/main" id="{173C8849-8CF3-26BF-D84E-9AB396745ADB}"/>
-            </a:ext>
-          </a:extLst>
-        </p:cNvPr>
-        <p:cNvGrpSpPr/>
-        <p:nvPr/>
-      </p:nvGrpSpPr>
-      <p:grpSpPr>
-        <a:xfrm>
-          <a:off x="0" y="0"/>
-          <a:ext cx="0" cy="0"/>
-          <a:chOff x="0" y="0"/>
-          <a:chExt cx="0" cy="0"/>
-        </a:xfrm>
-      </p:grpSpPr>
-      <p:sp>
-        <p:nvSpPr>
-          <p:cNvPr id="4" name="Title 3">
-            <a:extLst>
-              <a:ext uri="{FF2B5EF4-FFF2-40B4-BE49-F238E27FC236}">
-                <a16:creationId xmlns:a16="http://schemas.microsoft.com/office/drawing/2014/main" id="{DAC68569-FC4E-47A2-10C0-6767BEF4CA01}"/>
-              </a:ext>
-            </a:extLst>
-          </p:cNvPr>
-          <p:cNvSpPr>
-            <a:spLocks noGrp="1"/>
-          </p:cNvSpPr>
-          <p:nvPr>
-            <p:ph type="title"/>
-          </p:nvPr>
-        </p:nvSpPr>
-        <p:spPr>
-          <a:xfrm>
-            <a:off x="914400" y="914400"/>
-            <a:ext cx="10360152" cy="1179576"/>
-          </a:xfrm>
-        </p:spPr>
-        <p:txBody>
-          <a:bodyPr/>
-          <a:lstStyle/>
-          <a:p>
-            <a:r>
-              <a:rPr lang="en-US" dirty="0"/>
-              <a:t>Test accuracy</a:t>
-            </a:r>
-          </a:p>
-        </p:txBody>
-      </p:sp>
-      <p:sp>
-        <p:nvSpPr>
-          <p:cNvPr id="3" name="Slide Number Placeholder 2">
-            <a:extLst>
-              <a:ext uri="{FF2B5EF4-FFF2-40B4-BE49-F238E27FC236}">
-                <a16:creationId xmlns:a16="http://schemas.microsoft.com/office/drawing/2014/main" id="{C5237246-E21F-72EB-17B1-E700065D8F2F}"/>
-              </a:ext>
-            </a:extLst>
-          </p:cNvPr>
-          <p:cNvSpPr>
-            <a:spLocks noGrp="1"/>
-          </p:cNvSpPr>
-          <p:nvPr>
-            <p:ph type="sldNum" sz="quarter" idx="12"/>
-          </p:nvPr>
-        </p:nvSpPr>
-        <p:spPr>
-          <a:xfrm>
-            <a:off x="10655300" y="465439"/>
-            <a:ext cx="1079500" cy="448960"/>
-          </a:xfrm>
-        </p:spPr>
-        <p:txBody>
-          <a:bodyPr/>
-          <a:lstStyle/>
-          <a:p>
-            <a:fld id="{6D22F896-40B5-4ADD-8801-0D06FADFA095}" type="slidenum">
-              <a:rPr lang="en-US" smtClean="0"/>
-              <a:pPr/>
-              <a:t>50</a:t>
-            </a:fld>
-            <a:endParaRPr lang="en-US" dirty="0"/>
-          </a:p>
-        </p:txBody>
-      </p:sp>
-      <p:pic>
-        <p:nvPicPr>
-          <p:cNvPr id="6" name="Picture 5">
-            <a:extLst>
-              <a:ext uri="{FF2B5EF4-FFF2-40B4-BE49-F238E27FC236}">
-                <a16:creationId xmlns:a16="http://schemas.microsoft.com/office/drawing/2014/main" id="{C503ABB1-5711-B4F8-C88D-BCD8D4574608}"/>
-              </a:ext>
-            </a:extLst>
-          </p:cNvPr>
-          <p:cNvPicPr>
-            <a:picLocks noChangeAspect="1"/>
-          </p:cNvPicPr>
-          <p:nvPr/>
-        </p:nvPicPr>
-        <p:blipFill>
-          <a:blip r:embed="rId2"/>
-          <a:stretch>
-            <a:fillRect/>
-          </a:stretch>
-        </p:blipFill>
-        <p:spPr>
-          <a:xfrm>
-            <a:off x="3341914" y="2325079"/>
-            <a:ext cx="5791025" cy="3911415"/>
-          </a:xfrm>
-          <a:prstGeom prst="rect">
-            <a:avLst/>
-          </a:prstGeom>
-        </p:spPr>
-      </p:pic>
-    </p:spTree>
-    <p:extLst>
-      <p:ext uri="{BB962C8B-B14F-4D97-AF65-F5344CB8AC3E}">
-        <p14:creationId xmlns:p14="http://schemas.microsoft.com/office/powerpoint/2010/main" val="431724722"/>
-      </p:ext>
-    </p:extLst>
-  </p:cSld>
-  <p:clrMapOvr>
-    <a:masterClrMapping/>
-  </p:clrMapOvr>
-</p:sld>
-</file>
-
-<file path=ppt/slides/slide51.xml><?xml version="1.0" encoding="utf-8"?>
-<p:sld xmlns:a="http://schemas.openxmlformats.org/drawingml/2006/main" xmlns:r="http://schemas.openxmlformats.org/officeDocument/2006/relationships" xmlns:p="http://schemas.openxmlformats.org/presentationml/2006/main">
-  <p:cSld>
-    <p:spTree>
-      <p:nvGrpSpPr>
-        <p:cNvPr id="1" name="">
-          <a:extLst>
-            <a:ext uri="{FF2B5EF4-FFF2-40B4-BE49-F238E27FC236}">
-              <a16:creationId xmlns:a16="http://schemas.microsoft.com/office/drawing/2014/main" id="{666C76DD-3EDF-9B37-007D-A2A9B381FBC9}"/>
-            </a:ext>
-          </a:extLst>
-        </p:cNvPr>
-        <p:cNvGrpSpPr/>
-        <p:nvPr/>
-      </p:nvGrpSpPr>
-      <p:grpSpPr>
-        <a:xfrm>
-          <a:off x="0" y="0"/>
-          <a:ext cx="0" cy="0"/>
-          <a:chOff x="0" y="0"/>
-          <a:chExt cx="0" cy="0"/>
-        </a:xfrm>
-      </p:grpSpPr>
-      <p:sp>
-        <p:nvSpPr>
-          <p:cNvPr id="4" name="Title 3">
-            <a:extLst>
-              <a:ext uri="{FF2B5EF4-FFF2-40B4-BE49-F238E27FC236}">
-                <a16:creationId xmlns:a16="http://schemas.microsoft.com/office/drawing/2014/main" id="{C5952D36-EA44-F43C-A086-9EC676FFA5FA}"/>
-              </a:ext>
-            </a:extLst>
-          </p:cNvPr>
-          <p:cNvSpPr>
-            <a:spLocks noGrp="1"/>
-          </p:cNvSpPr>
-          <p:nvPr>
-            <p:ph type="title"/>
-          </p:nvPr>
-        </p:nvSpPr>
-        <p:spPr>
-          <a:xfrm>
-            <a:off x="914400" y="914400"/>
-            <a:ext cx="10360152" cy="1179576"/>
-          </a:xfrm>
-        </p:spPr>
-        <p:txBody>
-          <a:bodyPr/>
-          <a:lstStyle/>
-          <a:p>
-            <a:r>
-              <a:rPr lang="en-IN" dirty="0"/>
-              <a:t>DISCUSSION</a:t>
-            </a:r>
-            <a:endParaRPr lang="en-US" dirty="0"/>
-          </a:p>
-        </p:txBody>
-      </p:sp>
-      <p:sp>
-        <p:nvSpPr>
-          <p:cNvPr id="3" name="Slide Number Placeholder 2">
-            <a:extLst>
-              <a:ext uri="{FF2B5EF4-FFF2-40B4-BE49-F238E27FC236}">
-                <a16:creationId xmlns:a16="http://schemas.microsoft.com/office/drawing/2014/main" id="{A64145C4-1CE6-1870-0558-86882CE9614B}"/>
-              </a:ext>
-            </a:extLst>
-          </p:cNvPr>
-          <p:cNvSpPr>
-            <a:spLocks noGrp="1"/>
-          </p:cNvSpPr>
-          <p:nvPr>
-            <p:ph type="sldNum" sz="quarter" idx="12"/>
-          </p:nvPr>
-        </p:nvSpPr>
-        <p:spPr>
-          <a:xfrm>
-            <a:off x="10655300" y="465439"/>
-            <a:ext cx="1079500" cy="448960"/>
-          </a:xfrm>
-        </p:spPr>
-        <p:txBody>
-          <a:bodyPr/>
-          <a:lstStyle/>
-          <a:p>
-            <a:fld id="{6D22F896-40B5-4ADD-8801-0D06FADFA095}" type="slidenum">
-              <a:rPr lang="en-US" smtClean="0"/>
-              <a:pPr/>
-              <a:t>51</a:t>
-            </a:fld>
-            <a:endParaRPr lang="en-US" dirty="0"/>
-          </a:p>
-        </p:txBody>
-      </p:sp>
-      <p:sp>
-        <p:nvSpPr>
-          <p:cNvPr id="5" name="Content Placeholder 4">
-            <a:extLst>
-              <a:ext uri="{FF2B5EF4-FFF2-40B4-BE49-F238E27FC236}">
-                <a16:creationId xmlns:a16="http://schemas.microsoft.com/office/drawing/2014/main" id="{33DD6136-C120-26EC-B373-3E62888D19CB}"/>
-              </a:ext>
-            </a:extLst>
-          </p:cNvPr>
-          <p:cNvSpPr>
-            <a:spLocks noGrp="1"/>
-          </p:cNvSpPr>
-          <p:nvPr>
-            <p:ph sz="quarter" idx="13"/>
-          </p:nvPr>
-        </p:nvSpPr>
-        <p:spPr>
-          <a:xfrm>
-            <a:off x="914400" y="2743200"/>
-            <a:ext cx="10820400" cy="3163824"/>
-          </a:xfrm>
-        </p:spPr>
-        <p:txBody>
-          <a:bodyPr>
-            <a:normAutofit/>
-          </a:bodyPr>
-          <a:lstStyle/>
-          <a:p>
-            <a:r>
-              <a:rPr lang="en-IN" dirty="0"/>
-              <a:t>Model accuracy varies based on encoding and dimensionality reduction techniques.</a:t>
-            </a:r>
-          </a:p>
-          <a:p>
-            <a:r>
-              <a:rPr lang="en-IN" dirty="0"/>
-              <a:t>Logistic Regression (LR) performs well with TF-IDF but drops with </a:t>
-            </a:r>
-            <a:r>
-              <a:rPr lang="en-IN" dirty="0" err="1"/>
-              <a:t>SelectKBest</a:t>
-            </a:r>
-            <a:r>
-              <a:rPr lang="en-IN" dirty="0"/>
-              <a:t> due to feature loss.</a:t>
-            </a:r>
-          </a:p>
-          <a:p>
-            <a:r>
-              <a:rPr lang="en-IN" dirty="0"/>
-              <a:t>BERT + LDA for LR achieves the highest accuracy (0.7946) as LDA enhances class separation.</a:t>
-            </a:r>
-          </a:p>
-          <a:p>
-            <a:r>
-              <a:rPr lang="en-IN" dirty="0"/>
-              <a:t>Random Forest (RF) improves with PCA on BERT (0.8875) and TSVD on TF-IDF (0.8400) by reducing noise.</a:t>
-            </a:r>
-          </a:p>
-          <a:p>
-            <a:r>
-              <a:rPr lang="en-IN" dirty="0"/>
-              <a:t>K-Nearest </a:t>
-            </a:r>
-            <a:r>
-              <a:rPr lang="en-IN" dirty="0" err="1"/>
-              <a:t>Neighbors</a:t>
-            </a:r>
-            <a:r>
-              <a:rPr lang="en-IN" dirty="0"/>
-              <a:t> (KNN) benefits most from TSVD on TF-IDF (0.9872) due to sensitivity to high-dimensional data.</a:t>
-            </a:r>
-          </a:p>
-          <a:p>
-            <a:r>
-              <a:rPr lang="en-IN" dirty="0"/>
-              <a:t>Hyperparameter tuning impact is minor, with RF + BERT + PCA achieving 0.9990 accuracy using Grid Search.</a:t>
-            </a:r>
-          </a:p>
-          <a:p>
-            <a:endParaRPr lang="en-IN" dirty="0"/>
-          </a:p>
-        </p:txBody>
-      </p:sp>
-    </p:spTree>
-    <p:extLst>
-      <p:ext uri="{BB962C8B-B14F-4D97-AF65-F5344CB8AC3E}">
-        <p14:creationId xmlns:p14="http://schemas.microsoft.com/office/powerpoint/2010/main" val="204824310"/>
-      </p:ext>
-    </p:extLst>
-  </p:cSld>
-  <p:clrMapOvr>
-    <a:masterClrMapping/>
-  </p:clrMapOvr>
-</p:sld>
-</file>
-
-<file path=ppt/slides/slide52.xml><?xml version="1.0" encoding="utf-8"?>
-<p:sld xmlns:a="http://schemas.openxmlformats.org/drawingml/2006/main" xmlns:r="http://schemas.openxmlformats.org/officeDocument/2006/relationships" xmlns:p="http://schemas.openxmlformats.org/presentationml/2006/main">
-  <p:cSld>
-    <p:spTree>
-      <p:nvGrpSpPr>
-        <p:cNvPr id="1" name="">
-          <a:extLst>
-            <a:ext uri="{FF2B5EF4-FFF2-40B4-BE49-F238E27FC236}">
               <a16:creationId xmlns:a16="http://schemas.microsoft.com/office/drawing/2014/main" id="{D314D270-CE8F-B2A1-6E3D-F70F6C55046E}"/>
             </a:ext>
           </a:extLst>
@@ -12251,7 +11839,7 @@
 </p:sld>
 </file>
 
-<file path=ppt/slides/slide53.xml><?xml version="1.0" encoding="utf-8"?>
+<file path=ppt/slides/slide51.xml><?xml version="1.0" encoding="utf-8"?>
 <p:sld xmlns:a="http://schemas.openxmlformats.org/drawingml/2006/main" xmlns:r="http://schemas.openxmlformats.org/officeDocument/2006/relationships" xmlns:p="http://schemas.openxmlformats.org/presentationml/2006/main">
   <p:cSld>
     <p:spTree>
@@ -12336,7 +11924,7 @@
             <a:fld id="{6D22F896-40B5-4ADD-8801-0D06FADFA095}" type="slidenum">
               <a:rPr lang="en-US" smtClean="0"/>
               <a:pPr/>
-              <a:t>53</a:t>
+              <a:t>51</a:t>
             </a:fld>
             <a:endParaRPr lang="en-US" dirty="0"/>
           </a:p>
@@ -12413,7 +12001,7 @@
 </p:sld>
 </file>
 
-<file path=ppt/slides/slide54.xml><?xml version="1.0" encoding="utf-8"?>
+<file path=ppt/slides/slide52.xml><?xml version="1.0" encoding="utf-8"?>
 <p:sld xmlns:a="http://schemas.openxmlformats.org/drawingml/2006/main" xmlns:r="http://schemas.openxmlformats.org/officeDocument/2006/relationships" xmlns:p="http://schemas.openxmlformats.org/presentationml/2006/main">
   <p:cSld>
     <p:spTree>
@@ -12499,7 +12087,7 @@
             <a:fld id="{6D22F896-40B5-4ADD-8801-0D06FADFA095}" type="slidenum">
               <a:rPr lang="en-US" smtClean="0"/>
               <a:pPr/>
-              <a:t>54</a:t>
+              <a:t>52</a:t>
             </a:fld>
             <a:endParaRPr lang="en-US" dirty="0"/>
           </a:p>
@@ -12576,7 +12164,7 @@
 </p:sld>
 </file>
 
-<file path=ppt/slides/slide55.xml><?xml version="1.0" encoding="utf-8"?>
+<file path=ppt/slides/slide53.xml><?xml version="1.0" encoding="utf-8"?>
 <p:sld xmlns:a="http://schemas.openxmlformats.org/drawingml/2006/main" xmlns:r="http://schemas.openxmlformats.org/officeDocument/2006/relationships" xmlns:p="http://schemas.openxmlformats.org/presentationml/2006/main">
   <p:cSld>
     <p:spTree>
@@ -12662,7 +12250,7 @@
             <a:fld id="{6D22F896-40B5-4ADD-8801-0D06FADFA095}" type="slidenum">
               <a:rPr lang="en-US" smtClean="0"/>
               <a:pPr/>
-              <a:t>55</a:t>
+              <a:t>53</a:t>
             </a:fld>
             <a:endParaRPr lang="en-US" dirty="0"/>
           </a:p>
@@ -12711,7 +12299,7 @@
 </p:sld>
 </file>
 
-<file path=ppt/slides/slide56.xml><?xml version="1.0" encoding="utf-8"?>
+<file path=ppt/slides/slide54.xml><?xml version="1.0" encoding="utf-8"?>
 <p:sld xmlns:a="http://schemas.openxmlformats.org/drawingml/2006/main" xmlns:r="http://schemas.openxmlformats.org/officeDocument/2006/relationships" xmlns:p="http://schemas.openxmlformats.org/presentationml/2006/main">
   <p:cSld>
     <p:spTree>
@@ -12797,7 +12385,7 @@
             <a:fld id="{6D22F896-40B5-4ADD-8801-0D06FADFA095}" type="slidenum">
               <a:rPr lang="en-US" smtClean="0"/>
               <a:pPr/>
-              <a:t>56</a:t>
+              <a:t>54</a:t>
             </a:fld>
             <a:endParaRPr lang="en-US" dirty="0"/>
           </a:p>
@@ -12846,7 +12434,7 @@
 </p:sld>
 </file>
 
-<file path=ppt/slides/slide57.xml><?xml version="1.0" encoding="utf-8"?>
+<file path=ppt/slides/slide55.xml><?xml version="1.0" encoding="utf-8"?>
 <p:sld xmlns:a="http://schemas.openxmlformats.org/drawingml/2006/main" xmlns:r="http://schemas.openxmlformats.org/officeDocument/2006/relationships" xmlns:p="http://schemas.openxmlformats.org/presentationml/2006/main">
   <p:cSld>
     <p:spTree>
@@ -12932,7 +12520,7 @@
             <a:fld id="{6D22F896-40B5-4ADD-8801-0D06FADFA095}" type="slidenum">
               <a:rPr lang="en-US" smtClean="0"/>
               <a:pPr/>
-              <a:t>57</a:t>
+              <a:t>55</a:t>
             </a:fld>
             <a:endParaRPr lang="en-US" dirty="0"/>
           </a:p>
@@ -12972,6 +12560,357 @@
     <p:extLst>
       <p:ext uri="{BB962C8B-B14F-4D97-AF65-F5344CB8AC3E}">
         <p14:creationId xmlns:p14="http://schemas.microsoft.com/office/powerpoint/2010/main" val="2184287937"/>
+      </p:ext>
+    </p:extLst>
+  </p:cSld>
+  <p:clrMapOvr>
+    <a:masterClrMapping/>
+  </p:clrMapOvr>
+</p:sld>
+</file>
+
+<file path=ppt/slides/slide56.xml><?xml version="1.0" encoding="utf-8"?>
+<p:sld xmlns:a="http://schemas.openxmlformats.org/drawingml/2006/main" xmlns:r="http://schemas.openxmlformats.org/officeDocument/2006/relationships" xmlns:p="http://schemas.openxmlformats.org/presentationml/2006/main">
+  <p:cSld>
+    <p:spTree>
+      <p:nvGrpSpPr>
+        <p:cNvPr id="1" name=""/>
+        <p:cNvGrpSpPr/>
+        <p:nvPr/>
+      </p:nvGrpSpPr>
+      <p:grpSpPr>
+        <a:xfrm>
+          <a:off x="0" y="0"/>
+          <a:ext cx="0" cy="0"/>
+          <a:chOff x="0" y="0"/>
+          <a:chExt cx="0" cy="0"/>
+        </a:xfrm>
+      </p:grpSpPr>
+      <p:sp>
+        <p:nvSpPr>
+          <p:cNvPr id="2" name="Title 1">
+            <a:extLst>
+              <a:ext uri="{FF2B5EF4-FFF2-40B4-BE49-F238E27FC236}">
+                <a16:creationId xmlns:a16="http://schemas.microsoft.com/office/drawing/2014/main" id="{0703F612-27C5-6CC7-7194-28DDDDFA3327}"/>
+              </a:ext>
+            </a:extLst>
+          </p:cNvPr>
+          <p:cNvSpPr>
+            <a:spLocks noGrp="1"/>
+          </p:cNvSpPr>
+          <p:nvPr>
+            <p:ph type="ctrTitle"/>
+          </p:nvPr>
+        </p:nvSpPr>
+        <p:spPr/>
+        <p:txBody>
+          <a:bodyPr/>
+          <a:lstStyle/>
+          <a:p>
+            <a:r>
+              <a:rPr lang="en-IN" dirty="0"/>
+              <a:t>MINI PROJECT</a:t>
+            </a:r>
+          </a:p>
+        </p:txBody>
+      </p:sp>
+      <p:sp>
+        <p:nvSpPr>
+          <p:cNvPr id="3" name="Subtitle 2">
+            <a:extLst>
+              <a:ext uri="{FF2B5EF4-FFF2-40B4-BE49-F238E27FC236}">
+                <a16:creationId xmlns:a16="http://schemas.microsoft.com/office/drawing/2014/main" id="{39870981-1110-3469-238C-126F03F520C8}"/>
+              </a:ext>
+            </a:extLst>
+          </p:cNvPr>
+          <p:cNvSpPr>
+            <a:spLocks noGrp="1"/>
+          </p:cNvSpPr>
+          <p:nvPr>
+            <p:ph type="subTitle" idx="1"/>
+          </p:nvPr>
+        </p:nvSpPr>
+        <p:spPr/>
+        <p:txBody>
+          <a:bodyPr/>
+          <a:lstStyle/>
+          <a:p>
+            <a:endParaRPr lang="en-IN"/>
+          </a:p>
+        </p:txBody>
+      </p:sp>
+    </p:spTree>
+    <p:extLst>
+      <p:ext uri="{BB962C8B-B14F-4D97-AF65-F5344CB8AC3E}">
+        <p14:creationId xmlns:p14="http://schemas.microsoft.com/office/powerpoint/2010/main" val="1762785037"/>
+      </p:ext>
+    </p:extLst>
+  </p:cSld>
+  <p:clrMapOvr>
+    <a:masterClrMapping/>
+  </p:clrMapOvr>
+</p:sld>
+</file>
+
+<file path=ppt/slides/slide57.xml><?xml version="1.0" encoding="utf-8"?>
+<p:sld xmlns:a="http://schemas.openxmlformats.org/drawingml/2006/main" xmlns:r="http://schemas.openxmlformats.org/officeDocument/2006/relationships" xmlns:p="http://schemas.openxmlformats.org/presentationml/2006/main">
+  <p:cSld>
+    <p:spTree>
+      <p:nvGrpSpPr>
+        <p:cNvPr id="1" name=""/>
+        <p:cNvGrpSpPr/>
+        <p:nvPr/>
+      </p:nvGrpSpPr>
+      <p:grpSpPr>
+        <a:xfrm>
+          <a:off x="0" y="0"/>
+          <a:ext cx="0" cy="0"/>
+          <a:chOff x="0" y="0"/>
+          <a:chExt cx="0" cy="0"/>
+        </a:xfrm>
+      </p:grpSpPr>
+      <p:sp>
+        <p:nvSpPr>
+          <p:cNvPr id="2" name="Title 1">
+            <a:extLst>
+              <a:ext uri="{FF2B5EF4-FFF2-40B4-BE49-F238E27FC236}">
+                <a16:creationId xmlns:a16="http://schemas.microsoft.com/office/drawing/2014/main" id="{DE681088-95AC-7560-A411-4B9B946CB358}"/>
+              </a:ext>
+            </a:extLst>
+          </p:cNvPr>
+          <p:cNvSpPr>
+            <a:spLocks noGrp="1"/>
+          </p:cNvSpPr>
+          <p:nvPr>
+            <p:ph type="title"/>
+          </p:nvPr>
+        </p:nvSpPr>
+        <p:spPr>
+          <a:xfrm>
+            <a:off x="914400" y="653143"/>
+            <a:ext cx="10360152" cy="1179576"/>
+          </a:xfrm>
+        </p:spPr>
+        <p:txBody>
+          <a:bodyPr/>
+          <a:lstStyle/>
+          <a:p>
+            <a:r>
+              <a:rPr lang="en-IN" dirty="0"/>
+              <a:t>ENSEMBLE MODELS feasibility</a:t>
+            </a:r>
+          </a:p>
+        </p:txBody>
+      </p:sp>
+      <p:sp>
+        <p:nvSpPr>
+          <p:cNvPr id="3" name="Slide Number Placeholder 2">
+            <a:extLst>
+              <a:ext uri="{FF2B5EF4-FFF2-40B4-BE49-F238E27FC236}">
+                <a16:creationId xmlns:a16="http://schemas.microsoft.com/office/drawing/2014/main" id="{4622AFAD-CA6C-09D3-4571-DD77EF747EBF}"/>
+              </a:ext>
+            </a:extLst>
+          </p:cNvPr>
+          <p:cNvSpPr>
+            <a:spLocks noGrp="1"/>
+          </p:cNvSpPr>
+          <p:nvPr>
+            <p:ph type="sldNum" sz="quarter" idx="12"/>
+          </p:nvPr>
+        </p:nvSpPr>
+        <p:spPr/>
+        <p:txBody>
+          <a:bodyPr/>
+          <a:lstStyle/>
+          <a:p>
+            <a:fld id="{6D22F896-40B5-4ADD-8801-0D06FADFA095}" type="slidenum">
+              <a:rPr lang="en-US" smtClean="0"/>
+              <a:pPr/>
+              <a:t>57</a:t>
+            </a:fld>
+            <a:endParaRPr lang="en-US" dirty="0"/>
+          </a:p>
+        </p:txBody>
+      </p:sp>
+      <p:sp>
+        <p:nvSpPr>
+          <p:cNvPr id="4" name="Content Placeholder 3">
+            <a:extLst>
+              <a:ext uri="{FF2B5EF4-FFF2-40B4-BE49-F238E27FC236}">
+                <a16:creationId xmlns:a16="http://schemas.microsoft.com/office/drawing/2014/main" id="{C03FA30A-2D66-BDF8-E82A-12628EE84274}"/>
+              </a:ext>
+            </a:extLst>
+          </p:cNvPr>
+          <p:cNvSpPr>
+            <a:spLocks noGrp="1"/>
+          </p:cNvSpPr>
+          <p:nvPr>
+            <p:ph sz="quarter" idx="13"/>
+          </p:nvPr>
+        </p:nvSpPr>
+        <p:spPr>
+          <a:xfrm>
+            <a:off x="914400" y="2416629"/>
+            <a:ext cx="8773886" cy="3490395"/>
+          </a:xfrm>
+        </p:spPr>
+        <p:txBody>
+          <a:bodyPr>
+            <a:normAutofit/>
+          </a:bodyPr>
+          <a:lstStyle/>
+          <a:p>
+            <a:pPr>
+              <a:buNone/>
+            </a:pPr>
+            <a:r>
+              <a:rPr lang="en-US" b="1" dirty="0"/>
+              <a:t>Feasibility of Ensemble Approaches</a:t>
+            </a:r>
+            <a:endParaRPr lang="en-US" dirty="0"/>
+          </a:p>
+          <a:p>
+            <a:pPr>
+              <a:buFont typeface="Arial" panose="020B0604020202020204" pitchFamily="34" charset="0"/>
+              <a:buChar char="•"/>
+            </a:pPr>
+            <a:r>
+              <a:rPr lang="en-US" dirty="0"/>
+              <a:t>Ensemble models enhance </a:t>
+            </a:r>
+            <a:r>
+              <a:rPr lang="en-US" b="1" dirty="0"/>
+              <a:t>robustness and generalization</a:t>
+            </a:r>
+            <a:r>
+              <a:rPr lang="en-US" dirty="0"/>
+              <a:t> by combining multiple classifiers.</a:t>
+            </a:r>
+          </a:p>
+          <a:p>
+            <a:pPr>
+              <a:buFont typeface="Arial" panose="020B0604020202020204" pitchFamily="34" charset="0"/>
+              <a:buChar char="•"/>
+            </a:pPr>
+            <a:r>
+              <a:rPr lang="en-US" b="1" dirty="0"/>
+              <a:t>Bagging and boosting</a:t>
+            </a:r>
+            <a:r>
+              <a:rPr lang="en-US" dirty="0"/>
+              <a:t> techniques help reduce </a:t>
+            </a:r>
+            <a:r>
+              <a:rPr lang="en-US" b="1" dirty="0"/>
+              <a:t>variance</a:t>
+            </a:r>
+            <a:r>
+              <a:rPr lang="en-US" dirty="0"/>
+              <a:t> and </a:t>
+            </a:r>
+            <a:r>
+              <a:rPr lang="en-US" b="1" dirty="0"/>
+              <a:t>bias</a:t>
+            </a:r>
+            <a:r>
+              <a:rPr lang="en-US" dirty="0"/>
+              <a:t>, respectively.</a:t>
+            </a:r>
+          </a:p>
+          <a:p>
+            <a:pPr>
+              <a:buFont typeface="Arial" panose="020B0604020202020204" pitchFamily="34" charset="0"/>
+              <a:buChar char="•"/>
+            </a:pPr>
+            <a:r>
+              <a:rPr lang="en-US" dirty="0"/>
+              <a:t>Models like </a:t>
+            </a:r>
+            <a:r>
+              <a:rPr lang="en-US" b="1" dirty="0"/>
+              <a:t>Random Forest</a:t>
+            </a:r>
+            <a:r>
+              <a:rPr lang="en-US" dirty="0"/>
+              <a:t> (bagging) and </a:t>
+            </a:r>
+            <a:r>
+              <a:rPr lang="en-US" b="1" dirty="0"/>
+              <a:t>Gradient Boosting</a:t>
+            </a:r>
+            <a:r>
+              <a:rPr lang="en-US" dirty="0"/>
+              <a:t> (boosting) capture complex linguistic patterns.</a:t>
+            </a:r>
+          </a:p>
+          <a:p>
+            <a:pPr>
+              <a:buFont typeface="Arial" panose="020B0604020202020204" pitchFamily="34" charset="0"/>
+              <a:buChar char="•"/>
+            </a:pPr>
+            <a:r>
+              <a:rPr lang="en-US" dirty="0"/>
+              <a:t>Effective in detecting </a:t>
+            </a:r>
+            <a:r>
+              <a:rPr lang="en-US" b="1" dirty="0"/>
+              <a:t>subtle hallucinations</a:t>
+            </a:r>
+            <a:r>
+              <a:rPr lang="en-US" dirty="0"/>
+              <a:t> or </a:t>
+            </a:r>
+            <a:r>
+              <a:rPr lang="en-US" b="1" dirty="0"/>
+              <a:t>fabricated content</a:t>
+            </a:r>
+            <a:r>
+              <a:rPr lang="en-US" dirty="0"/>
+              <a:t> from language models.</a:t>
+            </a:r>
+          </a:p>
+          <a:p>
+            <a:pPr>
+              <a:buFont typeface="Arial" panose="020B0604020202020204" pitchFamily="34" charset="0"/>
+              <a:buChar char="•"/>
+            </a:pPr>
+            <a:r>
+              <a:rPr lang="en-US" dirty="0"/>
+              <a:t>Can integrate </a:t>
+            </a:r>
+            <a:r>
+              <a:rPr lang="en-US" b="1" dirty="0"/>
+              <a:t>diverse feature representations</a:t>
+            </a:r>
+            <a:r>
+              <a:rPr lang="en-US" dirty="0"/>
+              <a:t> (e.g., TF-IDF and BERT embeddings).</a:t>
+            </a:r>
+          </a:p>
+          <a:p>
+            <a:pPr>
+              <a:buFont typeface="Arial" panose="020B0604020202020204" pitchFamily="34" charset="0"/>
+              <a:buChar char="•"/>
+            </a:pPr>
+            <a:r>
+              <a:rPr lang="en-US" dirty="0"/>
+              <a:t>Though computationally intensive, they </a:t>
+            </a:r>
+            <a:r>
+              <a:rPr lang="en-US" b="1" dirty="0"/>
+              <a:t>significantly improve accuracy and reliability.</a:t>
+            </a:r>
+            <a:endParaRPr lang="en-US" dirty="0"/>
+          </a:p>
+          <a:p>
+            <a:endParaRPr lang="en-IN" dirty="0"/>
+          </a:p>
+        </p:txBody>
+      </p:sp>
+    </p:spTree>
+    <p:extLst>
+      <p:ext uri="{BB962C8B-B14F-4D97-AF65-F5344CB8AC3E}">
+        <p14:creationId xmlns:p14="http://schemas.microsoft.com/office/powerpoint/2010/main" val="1132936814"/>
       </p:ext>
     </p:extLst>
   </p:cSld>
@@ -13003,61 +12942,205 @@
           <p:cNvPr id="2" name="Title 1">
             <a:extLst>
               <a:ext uri="{FF2B5EF4-FFF2-40B4-BE49-F238E27FC236}">
-                <a16:creationId xmlns:a16="http://schemas.microsoft.com/office/drawing/2014/main" id="{9C1E411E-1466-FC3B-CA0D-238E03033B64}"/>
-              </a:ext>
-            </a:extLst>
-          </p:cNvPr>
-          <p:cNvSpPr>
-            <a:spLocks noGrp="1"/>
-          </p:cNvSpPr>
-          <p:nvPr>
-            <p:ph type="ctrTitle"/>
+                <a16:creationId xmlns:a16="http://schemas.microsoft.com/office/drawing/2014/main" id="{EA38D623-76FB-D47A-D283-606DEE4BD66C}"/>
+              </a:ext>
+            </a:extLst>
+          </p:cNvPr>
+          <p:cNvSpPr>
+            <a:spLocks noGrp="1"/>
+          </p:cNvSpPr>
+          <p:nvPr>
+            <p:ph type="title"/>
           </p:nvPr>
         </p:nvSpPr>
         <p:spPr/>
         <p:txBody>
-          <a:bodyPr>
-            <a:normAutofit fontScale="90000"/>
-          </a:bodyPr>
-          <a:lstStyle/>
-          <a:p>
+          <a:bodyPr/>
+          <a:lstStyle/>
+          <a:p>
+            <a:r>
+              <a:rPr lang="en-IN" dirty="0"/>
+              <a:t>Ensemble models used</a:t>
+            </a:r>
+          </a:p>
+        </p:txBody>
+      </p:sp>
+      <p:sp>
+        <p:nvSpPr>
+          <p:cNvPr id="3" name="Slide Number Placeholder 2">
+            <a:extLst>
+              <a:ext uri="{FF2B5EF4-FFF2-40B4-BE49-F238E27FC236}">
+                <a16:creationId xmlns:a16="http://schemas.microsoft.com/office/drawing/2014/main" id="{8043BE9D-ECB9-4C5C-A2CB-98F4C5247C84}"/>
+              </a:ext>
+            </a:extLst>
+          </p:cNvPr>
+          <p:cNvSpPr>
+            <a:spLocks noGrp="1"/>
+          </p:cNvSpPr>
+          <p:nvPr>
+            <p:ph type="sldNum" sz="quarter" idx="12"/>
+          </p:nvPr>
+        </p:nvSpPr>
+        <p:spPr/>
+        <p:txBody>
+          <a:bodyPr/>
+          <a:lstStyle/>
+          <a:p>
+            <a:fld id="{6D22F896-40B5-4ADD-8801-0D06FADFA095}" type="slidenum">
+              <a:rPr lang="en-US" smtClean="0"/>
+              <a:pPr/>
+              <a:t>58</a:t>
+            </a:fld>
+            <a:endParaRPr lang="en-US" dirty="0"/>
+          </a:p>
+        </p:txBody>
+      </p:sp>
+      <p:sp>
+        <p:nvSpPr>
+          <p:cNvPr id="4" name="Content Placeholder 3">
+            <a:extLst>
+              <a:ext uri="{FF2B5EF4-FFF2-40B4-BE49-F238E27FC236}">
+                <a16:creationId xmlns:a16="http://schemas.microsoft.com/office/drawing/2014/main" id="{BAD73BD2-CCA5-4F82-8213-2D974F9EF402}"/>
+              </a:ext>
+            </a:extLst>
+          </p:cNvPr>
+          <p:cNvSpPr>
+            <a:spLocks noGrp="1"/>
+          </p:cNvSpPr>
+          <p:nvPr>
+            <p:ph sz="quarter" idx="13"/>
+          </p:nvPr>
+        </p:nvSpPr>
+        <p:spPr/>
+        <p:txBody>
+          <a:bodyPr/>
+          <a:lstStyle/>
+          <a:p>
+            <a:pPr>
+              <a:buNone/>
+            </a:pPr>
+            <a:r>
+              <a:rPr lang="en-US" b="1" dirty="0"/>
+              <a:t>AdaBoost (Adaptive Boosting)</a:t>
+            </a:r>
+          </a:p>
+          <a:p>
+            <a:pPr>
+              <a:buFont typeface="Arial" panose="020B0604020202020204" pitchFamily="34" charset="0"/>
+              <a:buChar char="•"/>
+            </a:pPr>
             <a:r>
               <a:rPr lang="en-US" dirty="0"/>
-              <a:t>Comparative Analysis of Models across Dimensionality Reduction</a:t>
-            </a:r>
+              <a:t>Sequentially combines </a:t>
+            </a:r>
+            <a:r>
+              <a:rPr lang="en-US" b="1" dirty="0"/>
+              <a:t>multiple weak learners</a:t>
+            </a:r>
+            <a:r>
+              <a:rPr lang="en-US" dirty="0"/>
+              <a:t> (e.g., decision stumps).</a:t>
+            </a:r>
+          </a:p>
+          <a:p>
+            <a:pPr>
+              <a:buFont typeface="Arial" panose="020B0604020202020204" pitchFamily="34" charset="0"/>
+              <a:buChar char="•"/>
+            </a:pPr>
+            <a:r>
+              <a:rPr lang="en-US" dirty="0"/>
+              <a:t>Each learner focuses on </a:t>
+            </a:r>
+            <a:r>
+              <a:rPr lang="en-US" b="1" dirty="0"/>
+              <a:t>previously misclassified</a:t>
+            </a:r>
+            <a:r>
+              <a:rPr lang="en-US" dirty="0"/>
+              <a:t> instances.</a:t>
+            </a:r>
+          </a:p>
+          <a:p>
+            <a:pPr>
+              <a:buFont typeface="Arial" panose="020B0604020202020204" pitchFamily="34" charset="0"/>
+              <a:buChar char="•"/>
+            </a:pPr>
+            <a:r>
+              <a:rPr lang="en-US" dirty="0"/>
+              <a:t>Effectively reduces </a:t>
+            </a:r>
+            <a:r>
+              <a:rPr lang="en-US" b="1" dirty="0"/>
+              <a:t>bias</a:t>
+            </a:r>
+            <a:r>
+              <a:rPr lang="en-US" dirty="0"/>
+              <a:t> in predictions.</a:t>
+            </a:r>
+          </a:p>
+          <a:p>
+            <a:pPr>
+              <a:buFont typeface="Arial" panose="020B0604020202020204" pitchFamily="34" charset="0"/>
+              <a:buChar char="•"/>
+            </a:pPr>
+            <a:r>
+              <a:rPr lang="en-US" dirty="0"/>
+              <a:t>Works well on </a:t>
+            </a:r>
+            <a:r>
+              <a:rPr lang="en-US" b="1" dirty="0"/>
+              <a:t>clean and structured datasets</a:t>
+            </a:r>
+            <a:r>
+              <a:rPr lang="en-US" dirty="0"/>
+              <a:t>.</a:t>
+            </a:r>
+          </a:p>
+          <a:p>
+            <a:pPr>
+              <a:buFont typeface="Arial" panose="020B0604020202020204" pitchFamily="34" charset="0"/>
+              <a:buChar char="•"/>
+            </a:pPr>
+            <a:r>
+              <a:rPr lang="en-US" dirty="0"/>
+              <a:t>Gradually improves performance by emphasizing </a:t>
+            </a:r>
+            <a:r>
+              <a:rPr lang="en-US" b="1" dirty="0"/>
+              <a:t>difficult cases</a:t>
+            </a:r>
+            <a:r>
+              <a:rPr lang="en-US" dirty="0"/>
+              <a:t>.</a:t>
+            </a:r>
+          </a:p>
+          <a:p>
+            <a:pPr>
+              <a:buFont typeface="Arial" panose="020B0604020202020204" pitchFamily="34" charset="0"/>
+              <a:buChar char="•"/>
+            </a:pPr>
+            <a:r>
+              <a:rPr lang="en-US" dirty="0"/>
+              <a:t>Useful in </a:t>
+            </a:r>
+            <a:r>
+              <a:rPr lang="en-US" b="1" dirty="0"/>
+              <a:t>hallucination detection pipelines</a:t>
+            </a:r>
+            <a:r>
+              <a:rPr lang="en-US" dirty="0"/>
+              <a:t> for improved reliability</a:t>
+            </a:r>
+          </a:p>
+          <a:p>
             <a:endParaRPr lang="en-IN" dirty="0"/>
-          </a:p>
-        </p:txBody>
-      </p:sp>
-      <p:sp>
-        <p:nvSpPr>
-          <p:cNvPr id="3" name="Subtitle 2">
-            <a:extLst>
-              <a:ext uri="{FF2B5EF4-FFF2-40B4-BE49-F238E27FC236}">
-                <a16:creationId xmlns:a16="http://schemas.microsoft.com/office/drawing/2014/main" id="{DC0C6877-6CE9-4112-5381-D45E892C3091}"/>
-              </a:ext>
-            </a:extLst>
-          </p:cNvPr>
-          <p:cNvSpPr>
-            <a:spLocks noGrp="1"/>
-          </p:cNvSpPr>
-          <p:nvPr>
-            <p:ph type="subTitle" idx="1"/>
-          </p:nvPr>
-        </p:nvSpPr>
-        <p:spPr/>
-        <p:txBody>
-          <a:bodyPr/>
-          <a:lstStyle/>
-          <a:p>
-            <a:endParaRPr lang="en-IN"/>
           </a:p>
         </p:txBody>
       </p:sp>
     </p:spTree>
     <p:extLst>
       <p:ext uri="{BB962C8B-B14F-4D97-AF65-F5344CB8AC3E}">
-        <p14:creationId xmlns:p14="http://schemas.microsoft.com/office/powerpoint/2010/main" val="1044983553"/>
+        <p14:creationId xmlns:p14="http://schemas.microsoft.com/office/powerpoint/2010/main" val="2800198735"/>
       </p:ext>
     </p:extLst>
   </p:cSld>
@@ -13072,13 +13155,7 @@
   <p:cSld>
     <p:spTree>
       <p:nvGrpSpPr>
-        <p:cNvPr id="1" name="">
-          <a:extLst>
-            <a:ext uri="{FF2B5EF4-FFF2-40B4-BE49-F238E27FC236}">
-              <a16:creationId xmlns:a16="http://schemas.microsoft.com/office/drawing/2014/main" id="{B1867F7F-460D-9D2A-9FA2-8A53F70D7593}"/>
-            </a:ext>
-          </a:extLst>
-        </p:cNvPr>
+        <p:cNvPr id="1" name=""/>
         <p:cNvGrpSpPr/>
         <p:nvPr/>
       </p:nvGrpSpPr>
@@ -13092,10 +13169,10 @@
       </p:grpSpPr>
       <p:sp>
         <p:nvSpPr>
-          <p:cNvPr id="4" name="Title 3">
-            <a:extLst>
-              <a:ext uri="{FF2B5EF4-FFF2-40B4-BE49-F238E27FC236}">
-                <a16:creationId xmlns:a16="http://schemas.microsoft.com/office/drawing/2014/main" id="{A345A571-98A5-445B-B59F-9B2047CAF965}"/>
+          <p:cNvPr id="2" name="Title 1">
+            <a:extLst>
+              <a:ext uri="{FF2B5EF4-FFF2-40B4-BE49-F238E27FC236}">
+                <a16:creationId xmlns:a16="http://schemas.microsoft.com/office/drawing/2014/main" id="{9558F371-62B8-4C35-7744-A9EB4D2D0B8B}"/>
               </a:ext>
             </a:extLst>
           </p:cNvPr>
@@ -13106,19 +13183,14 @@
             <p:ph type="title"/>
           </p:nvPr>
         </p:nvSpPr>
-        <p:spPr>
-          <a:xfrm>
-            <a:off x="914400" y="914400"/>
-            <a:ext cx="10360152" cy="1179576"/>
-          </a:xfrm>
-        </p:spPr>
+        <p:spPr/>
         <p:txBody>
           <a:bodyPr/>
           <a:lstStyle/>
           <a:p>
             <a:r>
-              <a:rPr lang="en-US" dirty="0"/>
-              <a:t>RESULTS (LOGISTIC REGRESSION)</a:t>
+              <a:rPr lang="en-IN" dirty="0"/>
+              <a:t>Ensemble models used</a:t>
             </a:r>
           </a:p>
         </p:txBody>
@@ -13128,7 +13200,7 @@
           <p:cNvPr id="3" name="Slide Number Placeholder 2">
             <a:extLst>
               <a:ext uri="{FF2B5EF4-FFF2-40B4-BE49-F238E27FC236}">
-                <a16:creationId xmlns:a16="http://schemas.microsoft.com/office/drawing/2014/main" id="{6A4922FD-2B48-32A7-7872-B1E282F1FDAE}"/>
+                <a16:creationId xmlns:a16="http://schemas.microsoft.com/office/drawing/2014/main" id="{42D9CA9A-CF00-D110-B76A-FFFC37293E1B}"/>
               </a:ext>
             </a:extLst>
           </p:cNvPr>
@@ -13139,12 +13211,7 @@
             <p:ph type="sldNum" sz="quarter" idx="12"/>
           </p:nvPr>
         </p:nvSpPr>
-        <p:spPr>
-          <a:xfrm>
-            <a:off x="10655300" y="465439"/>
-            <a:ext cx="1079500" cy="448960"/>
-          </a:xfrm>
-        </p:spPr>
+        <p:spPr/>
         <p:txBody>
           <a:bodyPr/>
           <a:lstStyle/>
@@ -13158,40 +13225,157 @@
           </a:p>
         </p:txBody>
       </p:sp>
-      <p:pic>
-        <p:nvPicPr>
-          <p:cNvPr id="6" name="Picture 5">
-            <a:extLst>
-              <a:ext uri="{FF2B5EF4-FFF2-40B4-BE49-F238E27FC236}">
-                <a16:creationId xmlns:a16="http://schemas.microsoft.com/office/drawing/2014/main" id="{3613E28C-3A0A-B1E8-09BC-E7110AAAC793}"/>
-              </a:ext>
-            </a:extLst>
-          </p:cNvPr>
-          <p:cNvPicPr>
-            <a:picLocks noChangeAspect="1"/>
-          </p:cNvPicPr>
-          <p:nvPr/>
-        </p:nvPicPr>
-        <p:blipFill>
-          <a:blip r:embed="rId2"/>
-          <a:stretch>
-            <a:fillRect/>
-          </a:stretch>
-        </p:blipFill>
-        <p:spPr>
-          <a:xfrm>
-            <a:off x="914400" y="2598764"/>
-            <a:ext cx="9812119" cy="2857899"/>
-          </a:xfrm>
-          <a:prstGeom prst="rect">
-            <a:avLst/>
-          </a:prstGeom>
-        </p:spPr>
-      </p:pic>
+      <p:sp>
+        <p:nvSpPr>
+          <p:cNvPr id="4" name="Content Placeholder 3">
+            <a:extLst>
+              <a:ext uri="{FF2B5EF4-FFF2-40B4-BE49-F238E27FC236}">
+                <a16:creationId xmlns:a16="http://schemas.microsoft.com/office/drawing/2014/main" id="{BFD75780-9BCB-E810-FADB-4B4C85F557E4}"/>
+              </a:ext>
+            </a:extLst>
+          </p:cNvPr>
+          <p:cNvSpPr>
+            <a:spLocks noGrp="1"/>
+          </p:cNvSpPr>
+          <p:nvPr>
+            <p:ph sz="quarter" idx="13"/>
+          </p:nvPr>
+        </p:nvSpPr>
+        <p:spPr>
+          <a:xfrm>
+            <a:off x="914400" y="2093976"/>
+            <a:ext cx="9405257" cy="3490395"/>
+          </a:xfrm>
+        </p:spPr>
+        <p:txBody>
+          <a:bodyPr/>
+          <a:lstStyle/>
+          <a:p>
+            <a:pPr>
+              <a:buNone/>
+            </a:pPr>
+            <a:r>
+              <a:rPr lang="en-US" b="1" dirty="0"/>
+              <a:t>Gradient Boosting Classifier</a:t>
+            </a:r>
+          </a:p>
+          <a:p>
+            <a:pPr>
+              <a:buFont typeface="Arial" panose="020B0604020202020204" pitchFamily="34" charset="0"/>
+              <a:buChar char="•"/>
+            </a:pPr>
+            <a:r>
+              <a:rPr lang="en-US" dirty="0"/>
+              <a:t>Builds an ensemble of </a:t>
+            </a:r>
+            <a:r>
+              <a:rPr lang="en-US" b="1" dirty="0"/>
+              <a:t>decision trees</a:t>
+            </a:r>
+            <a:r>
+              <a:rPr lang="en-US" dirty="0"/>
+              <a:t> in a stage-wise fashion.</a:t>
+            </a:r>
+          </a:p>
+          <a:p>
+            <a:pPr>
+              <a:buFont typeface="Arial" panose="020B0604020202020204" pitchFamily="34" charset="0"/>
+              <a:buChar char="•"/>
+            </a:pPr>
+            <a:r>
+              <a:rPr lang="en-US" dirty="0"/>
+              <a:t>Optimizes a </a:t>
+            </a:r>
+            <a:r>
+              <a:rPr lang="en-US" b="1" dirty="0"/>
+              <a:t>differentiable loss function</a:t>
+            </a:r>
+            <a:r>
+              <a:rPr lang="en-US" dirty="0"/>
+              <a:t>.</a:t>
+            </a:r>
+          </a:p>
+          <a:p>
+            <a:pPr>
+              <a:buFont typeface="Arial" panose="020B0604020202020204" pitchFamily="34" charset="0"/>
+              <a:buChar char="•"/>
+            </a:pPr>
+            <a:r>
+              <a:rPr lang="en-US" dirty="0"/>
+              <a:t>Balances </a:t>
+            </a:r>
+            <a:r>
+              <a:rPr lang="en-US" b="1" dirty="0"/>
+              <a:t>bias and variance</a:t>
+            </a:r>
+            <a:r>
+              <a:rPr lang="en-US" dirty="0"/>
+              <a:t> effectively.</a:t>
+            </a:r>
+          </a:p>
+          <a:p>
+            <a:pPr>
+              <a:buFont typeface="Arial" panose="020B0604020202020204" pitchFamily="34" charset="0"/>
+              <a:buChar char="•"/>
+            </a:pPr>
+            <a:r>
+              <a:rPr lang="en-US" dirty="0"/>
+              <a:t>Flexible tuning for </a:t>
+            </a:r>
+            <a:r>
+              <a:rPr lang="en-US" b="1" dirty="0"/>
+              <a:t>learning rate, depth, and regularization</a:t>
+            </a:r>
+            <a:r>
+              <a:rPr lang="en-US" dirty="0"/>
+              <a:t>.</a:t>
+            </a:r>
+          </a:p>
+          <a:p>
+            <a:pPr>
+              <a:buFont typeface="Arial" panose="020B0604020202020204" pitchFamily="34" charset="0"/>
+              <a:buChar char="•"/>
+            </a:pPr>
+            <a:r>
+              <a:rPr lang="en-US" dirty="0"/>
+              <a:t>Excels at modeling </a:t>
+            </a:r>
+            <a:r>
+              <a:rPr lang="en-US" b="1" dirty="0"/>
+              <a:t>complex relationships</a:t>
+            </a:r>
+            <a:r>
+              <a:rPr lang="en-US" dirty="0"/>
+              <a:t> in data.</a:t>
+            </a:r>
+          </a:p>
+          <a:p>
+            <a:pPr>
+              <a:buFont typeface="Arial" panose="020B0604020202020204" pitchFamily="34" charset="0"/>
+              <a:buChar char="•"/>
+            </a:pPr>
+            <a:r>
+              <a:rPr lang="en-US" dirty="0"/>
+              <a:t>Adds value to </a:t>
+            </a:r>
+            <a:r>
+              <a:rPr lang="en-US" b="1" dirty="0"/>
+              <a:t>hallucination detection</a:t>
+            </a:r>
+            <a:r>
+              <a:rPr lang="en-US" dirty="0"/>
+              <a:t> by improving generalization.</a:t>
+            </a:r>
+          </a:p>
+          <a:p>
+            <a:endParaRPr lang="en-IN" dirty="0"/>
+          </a:p>
+        </p:txBody>
+      </p:sp>
     </p:spTree>
     <p:extLst>
       <p:ext uri="{BB962C8B-B14F-4D97-AF65-F5344CB8AC3E}">
-        <p14:creationId xmlns:p14="http://schemas.microsoft.com/office/powerpoint/2010/main" val="4087985074"/>
+        <p14:creationId xmlns:p14="http://schemas.microsoft.com/office/powerpoint/2010/main" val="2315333319"/>
       </p:ext>
     </p:extLst>
   </p:cSld>
@@ -13511,7 +13695,7 @@
           <p:cNvPr id="2" name="Title 1">
             <a:extLst>
               <a:ext uri="{FF2B5EF4-FFF2-40B4-BE49-F238E27FC236}">
-                <a16:creationId xmlns:a16="http://schemas.microsoft.com/office/drawing/2014/main" id="{08469FC9-8A62-8FC3-F470-2F46666A2129}"/>
+                <a16:creationId xmlns:a16="http://schemas.microsoft.com/office/drawing/2014/main" id="{5892A233-31E6-2070-DF66-BB49B5FDA542}"/>
               </a:ext>
             </a:extLst>
           </p:cNvPr>
@@ -13528,10 +13712,9 @@
           <a:lstStyle/>
           <a:p>
             <a:r>
-              <a:rPr lang="en-US" dirty="0"/>
-              <a:t>RESULTS (RANDOM FOREST)</a:t>
-            </a:r>
-            <a:endParaRPr lang="en-IN" dirty="0"/>
+              <a:rPr lang="en-IN" dirty="0"/>
+              <a:t>Ensemble models used</a:t>
+            </a:r>
           </a:p>
         </p:txBody>
       </p:sp>
@@ -13540,7 +13723,7 @@
           <p:cNvPr id="3" name="Slide Number Placeholder 2">
             <a:extLst>
               <a:ext uri="{FF2B5EF4-FFF2-40B4-BE49-F238E27FC236}">
-                <a16:creationId xmlns:a16="http://schemas.microsoft.com/office/drawing/2014/main" id="{B7FA4D3A-6BDB-806B-1599-26CAD28BDEDB}"/>
+                <a16:creationId xmlns:a16="http://schemas.microsoft.com/office/drawing/2014/main" id="{D8E78DE0-D333-D7CB-E70C-93EA736A38FB}"/>
               </a:ext>
             </a:extLst>
           </p:cNvPr>
@@ -13570,7 +13753,7 @@
           <p:cNvPr id="4" name="Content Placeholder 3">
             <a:extLst>
               <a:ext uri="{FF2B5EF4-FFF2-40B4-BE49-F238E27FC236}">
-                <a16:creationId xmlns:a16="http://schemas.microsoft.com/office/drawing/2014/main" id="{D5A2FEB6-03A7-AA37-97D7-D1D5460C5A86}"/>
+                <a16:creationId xmlns:a16="http://schemas.microsoft.com/office/drawing/2014/main" id="{C0042AB3-5C5C-FB9F-C8B5-CBCAD3EAB9B7}"/>
               </a:ext>
             </a:extLst>
           </p:cNvPr>
@@ -13581,49 +13764,153 @@
             <p:ph sz="quarter" idx="13"/>
           </p:nvPr>
         </p:nvSpPr>
-        <p:spPr/>
+        <p:spPr>
+          <a:xfrm>
+            <a:off x="914400" y="2394857"/>
+            <a:ext cx="9176657" cy="3250910"/>
+          </a:xfrm>
+        </p:spPr>
         <p:txBody>
           <a:bodyPr/>
           <a:lstStyle/>
           <a:p>
-            <a:endParaRPr lang="en-IN"/>
-          </a:p>
-        </p:txBody>
-      </p:sp>
-      <p:pic>
-        <p:nvPicPr>
-          <p:cNvPr id="6" name="Picture 5">
-            <a:extLst>
-              <a:ext uri="{FF2B5EF4-FFF2-40B4-BE49-F238E27FC236}">
-                <a16:creationId xmlns:a16="http://schemas.microsoft.com/office/drawing/2014/main" id="{A4D2BA7E-718D-9584-7F78-89D9E01FFAD5}"/>
-              </a:ext>
-            </a:extLst>
-          </p:cNvPr>
-          <p:cNvPicPr>
-            <a:picLocks noChangeAspect="1"/>
-          </p:cNvPicPr>
-          <p:nvPr/>
-        </p:nvPicPr>
-        <p:blipFill>
-          <a:blip r:embed="rId2"/>
-          <a:stretch>
-            <a:fillRect/>
-          </a:stretch>
-        </p:blipFill>
-        <p:spPr>
-          <a:xfrm>
-            <a:off x="793944" y="2263319"/>
-            <a:ext cx="10212225" cy="3267531"/>
-          </a:xfrm>
-          <a:prstGeom prst="rect">
-            <a:avLst/>
-          </a:prstGeom>
-        </p:spPr>
-      </p:pic>
+            <a:pPr>
+              <a:buNone/>
+            </a:pPr>
+            <a:r>
+              <a:rPr lang="en-US" b="1" dirty="0" err="1"/>
+              <a:t>XGBoost</a:t>
+            </a:r>
+            <a:r>
+              <a:rPr lang="en-US" b="1" dirty="0"/>
+              <a:t> (Extreme Gradient Boosting)</a:t>
+            </a:r>
+          </a:p>
+          <a:p>
+            <a:pPr>
+              <a:buFont typeface="Arial" panose="020B0604020202020204" pitchFamily="34" charset="0"/>
+              <a:buChar char="•"/>
+            </a:pPr>
+            <a:r>
+              <a:rPr lang="en-US" dirty="0"/>
+              <a:t>Highly efficient and </a:t>
+            </a:r>
+            <a:r>
+              <a:rPr lang="en-US" b="1" dirty="0"/>
+              <a:t>scalable boosting</a:t>
+            </a:r>
+            <a:r>
+              <a:rPr lang="en-US" dirty="0"/>
+              <a:t> technique.</a:t>
+            </a:r>
+          </a:p>
+          <a:p>
+            <a:pPr>
+              <a:buFont typeface="Arial" panose="020B0604020202020204" pitchFamily="34" charset="0"/>
+              <a:buChar char="•"/>
+            </a:pPr>
+            <a:r>
+              <a:rPr lang="en-US" dirty="0"/>
+              <a:t>Uses </a:t>
+            </a:r>
+            <a:r>
+              <a:rPr lang="en-US" b="1" dirty="0"/>
+              <a:t>gradient descent</a:t>
+            </a:r>
+            <a:r>
+              <a:rPr lang="en-US" dirty="0"/>
+              <a:t> with built-in </a:t>
+            </a:r>
+            <a:r>
+              <a:rPr lang="en-US" b="1" dirty="0"/>
+              <a:t>regularization</a:t>
+            </a:r>
+            <a:r>
+              <a:rPr lang="en-US" dirty="0"/>
+              <a:t> to prevent overfitting.</a:t>
+            </a:r>
+          </a:p>
+          <a:p>
+            <a:pPr>
+              <a:buFont typeface="Arial" panose="020B0604020202020204" pitchFamily="34" charset="0"/>
+              <a:buChar char="•"/>
+            </a:pPr>
+            <a:r>
+              <a:rPr lang="en-US" dirty="0"/>
+              <a:t>Delivers high accuracy on </a:t>
+            </a:r>
+            <a:r>
+              <a:rPr lang="en-US" b="1" dirty="0"/>
+              <a:t>structured/tabular data</a:t>
+            </a:r>
+            <a:r>
+              <a:rPr lang="en-US" dirty="0"/>
+              <a:t>.</a:t>
+            </a:r>
+          </a:p>
+          <a:p>
+            <a:pPr>
+              <a:buFont typeface="Arial" panose="020B0604020202020204" pitchFamily="34" charset="0"/>
+              <a:buChar char="•"/>
+            </a:pPr>
+            <a:r>
+              <a:rPr lang="en-US" dirty="0"/>
+              <a:t>Offers strong performance across </a:t>
+            </a:r>
+            <a:r>
+              <a:rPr lang="en-US" b="1" dirty="0"/>
+              <a:t>diverse classification tasks</a:t>
+            </a:r>
+            <a:r>
+              <a:rPr lang="en-US" dirty="0"/>
+              <a:t>.</a:t>
+            </a:r>
+          </a:p>
+          <a:p>
+            <a:pPr>
+              <a:buFont typeface="Arial" panose="020B0604020202020204" pitchFamily="34" charset="0"/>
+              <a:buChar char="•"/>
+            </a:pPr>
+            <a:r>
+              <a:rPr lang="en-US" dirty="0"/>
+              <a:t>Known for </a:t>
+            </a:r>
+            <a:r>
+              <a:rPr lang="en-US" b="1" dirty="0"/>
+              <a:t>speed, efficiency, and accuracy</a:t>
+            </a:r>
+            <a:r>
+              <a:rPr lang="en-US" dirty="0"/>
+              <a:t>.</a:t>
+            </a:r>
+          </a:p>
+          <a:p>
+            <a:pPr>
+              <a:buFont typeface="Arial" panose="020B0604020202020204" pitchFamily="34" charset="0"/>
+              <a:buChar char="•"/>
+            </a:pPr>
+            <a:r>
+              <a:rPr lang="en-US" dirty="0"/>
+              <a:t>Enhances hallucination detection through </a:t>
+            </a:r>
+            <a:r>
+              <a:rPr lang="en-US" b="1" dirty="0"/>
+              <a:t>robust learning mechanisms</a:t>
+            </a:r>
+            <a:r>
+              <a:rPr lang="en-US" dirty="0"/>
+              <a:t>.</a:t>
+            </a:r>
+          </a:p>
+          <a:p>
+            <a:endParaRPr lang="en-IN" dirty="0"/>
+          </a:p>
+        </p:txBody>
+      </p:sp>
     </p:spTree>
     <p:extLst>
       <p:ext uri="{BB962C8B-B14F-4D97-AF65-F5344CB8AC3E}">
-        <p14:creationId xmlns:p14="http://schemas.microsoft.com/office/powerpoint/2010/main" val="958713422"/>
+        <p14:creationId xmlns:p14="http://schemas.microsoft.com/office/powerpoint/2010/main" val="1741338683"/>
       </p:ext>
     </p:extLst>
   </p:cSld>
@@ -13655,7 +13942,7 @@
           <p:cNvPr id="2" name="Title 1">
             <a:extLst>
               <a:ext uri="{FF2B5EF4-FFF2-40B4-BE49-F238E27FC236}">
-                <a16:creationId xmlns:a16="http://schemas.microsoft.com/office/drawing/2014/main" id="{1DCD000D-35A3-2288-6D10-78F145E2A3BC}"/>
+                <a16:creationId xmlns:a16="http://schemas.microsoft.com/office/drawing/2014/main" id="{3C4B5DB5-DC3E-08A6-7450-5F4B8712F016}"/>
               </a:ext>
             </a:extLst>
           </p:cNvPr>
@@ -13672,8 +13959,12 @@
           <a:lstStyle/>
           <a:p>
             <a:r>
-              <a:rPr lang="en-US" dirty="0"/>
-              <a:t>RESULTS (KNN)</a:t>
+              <a:rPr lang="en-IN" dirty="0"/>
+              <a:t>Deploying in </a:t>
+            </a:r>
+            <a:r>
+              <a:rPr lang="en-IN" dirty="0" err="1"/>
+              <a:t>github</a:t>
             </a:r>
             <a:endParaRPr lang="en-IN" dirty="0"/>
           </a:p>
@@ -13684,7 +13975,7 @@
           <p:cNvPr id="3" name="Slide Number Placeholder 2">
             <a:extLst>
               <a:ext uri="{FF2B5EF4-FFF2-40B4-BE49-F238E27FC236}">
-                <a16:creationId xmlns:a16="http://schemas.microsoft.com/office/drawing/2014/main" id="{D4AC7EFB-479F-939D-C30F-52F3B4463EE8}"/>
+                <a16:creationId xmlns:a16="http://schemas.microsoft.com/office/drawing/2014/main" id="{D6394A06-0D57-1ABF-B477-93843BF6C25E}"/>
               </a:ext>
             </a:extLst>
           </p:cNvPr>
@@ -13704,1887 +13995,6 @@
               <a:rPr lang="en-US" smtClean="0"/>
               <a:pPr/>
               <a:t>61</a:t>
-            </a:fld>
-            <a:endParaRPr lang="en-US" dirty="0"/>
-          </a:p>
-        </p:txBody>
-      </p:sp>
-      <p:pic>
-        <p:nvPicPr>
-          <p:cNvPr id="6" name="Content Placeholder 5">
-            <a:extLst>
-              <a:ext uri="{FF2B5EF4-FFF2-40B4-BE49-F238E27FC236}">
-                <a16:creationId xmlns:a16="http://schemas.microsoft.com/office/drawing/2014/main" id="{EC75D251-DCD2-5AB5-6F2D-2513F67EA7AB}"/>
-              </a:ext>
-            </a:extLst>
-          </p:cNvPr>
-          <p:cNvPicPr>
-            <a:picLocks noGrp="1" noChangeAspect="1"/>
-          </p:cNvPicPr>
-          <p:nvPr>
-            <p:ph sz="quarter" idx="13"/>
-          </p:nvPr>
-        </p:nvPicPr>
-        <p:blipFill>
-          <a:blip r:embed="rId2"/>
-          <a:stretch>
-            <a:fillRect/>
-          </a:stretch>
-        </p:blipFill>
-        <p:spPr>
-          <a:xfrm>
-            <a:off x="300932" y="2201077"/>
-            <a:ext cx="11590135" cy="3546581"/>
-          </a:xfrm>
-        </p:spPr>
-      </p:pic>
-    </p:spTree>
-    <p:extLst>
-      <p:ext uri="{BB962C8B-B14F-4D97-AF65-F5344CB8AC3E}">
-        <p14:creationId xmlns:p14="http://schemas.microsoft.com/office/powerpoint/2010/main" val="269243265"/>
-      </p:ext>
-    </p:extLst>
-  </p:cSld>
-  <p:clrMapOvr>
-    <a:masterClrMapping/>
-  </p:clrMapOvr>
-</p:sld>
-</file>
-
-<file path=ppt/slides/slide62.xml><?xml version="1.0" encoding="utf-8"?>
-<p:sld xmlns:a="http://schemas.openxmlformats.org/drawingml/2006/main" xmlns:r="http://schemas.openxmlformats.org/officeDocument/2006/relationships" xmlns:p="http://schemas.openxmlformats.org/presentationml/2006/main">
-  <p:cSld>
-    <p:spTree>
-      <p:nvGrpSpPr>
-        <p:cNvPr id="1" name=""/>
-        <p:cNvGrpSpPr/>
-        <p:nvPr/>
-      </p:nvGrpSpPr>
-      <p:grpSpPr>
-        <a:xfrm>
-          <a:off x="0" y="0"/>
-          <a:ext cx="0" cy="0"/>
-          <a:chOff x="0" y="0"/>
-          <a:chExt cx="0" cy="0"/>
-        </a:xfrm>
-      </p:grpSpPr>
-      <p:sp>
-        <p:nvSpPr>
-          <p:cNvPr id="2" name="Title 1">
-            <a:extLst>
-              <a:ext uri="{FF2B5EF4-FFF2-40B4-BE49-F238E27FC236}">
-                <a16:creationId xmlns:a16="http://schemas.microsoft.com/office/drawing/2014/main" id="{79D93DEC-8D7D-7CC9-7F72-9448247834E7}"/>
-              </a:ext>
-            </a:extLst>
-          </p:cNvPr>
-          <p:cNvSpPr>
-            <a:spLocks noGrp="1"/>
-          </p:cNvSpPr>
-          <p:nvPr>
-            <p:ph type="ctrTitle"/>
-          </p:nvPr>
-        </p:nvSpPr>
-        <p:spPr>
-          <a:xfrm>
-            <a:off x="914400" y="1275588"/>
-            <a:ext cx="10360152" cy="3008376"/>
-          </a:xfrm>
-        </p:spPr>
-        <p:txBody>
-          <a:bodyPr>
-            <a:normAutofit fontScale="90000"/>
-          </a:bodyPr>
-          <a:lstStyle/>
-          <a:p>
-            <a:r>
-              <a:rPr lang="en-US" dirty="0"/>
-              <a:t>Comparative Analysis of Models across hyper-parameter tuning using search techniques</a:t>
-            </a:r>
-            <a:endParaRPr lang="en-IN" dirty="0"/>
-          </a:p>
-        </p:txBody>
-      </p:sp>
-      <p:sp>
-        <p:nvSpPr>
-          <p:cNvPr id="3" name="Subtitle 2">
-            <a:extLst>
-              <a:ext uri="{FF2B5EF4-FFF2-40B4-BE49-F238E27FC236}">
-                <a16:creationId xmlns:a16="http://schemas.microsoft.com/office/drawing/2014/main" id="{9855B773-EBA3-2298-C43B-56C1879F0337}"/>
-              </a:ext>
-            </a:extLst>
-          </p:cNvPr>
-          <p:cNvSpPr>
-            <a:spLocks noGrp="1"/>
-          </p:cNvSpPr>
-          <p:nvPr>
-            <p:ph type="subTitle" idx="1"/>
-          </p:nvPr>
-        </p:nvSpPr>
-        <p:spPr/>
-        <p:txBody>
-          <a:bodyPr/>
-          <a:lstStyle/>
-          <a:p>
-            <a:endParaRPr lang="en-IN"/>
-          </a:p>
-        </p:txBody>
-      </p:sp>
-    </p:spTree>
-    <p:extLst>
-      <p:ext uri="{BB962C8B-B14F-4D97-AF65-F5344CB8AC3E}">
-        <p14:creationId xmlns:p14="http://schemas.microsoft.com/office/powerpoint/2010/main" val="3195704915"/>
-      </p:ext>
-    </p:extLst>
-  </p:cSld>
-  <p:clrMapOvr>
-    <a:masterClrMapping/>
-  </p:clrMapOvr>
-</p:sld>
-</file>
-
-<file path=ppt/slides/slide63.xml><?xml version="1.0" encoding="utf-8"?>
-<p:sld xmlns:a="http://schemas.openxmlformats.org/drawingml/2006/main" xmlns:r="http://schemas.openxmlformats.org/officeDocument/2006/relationships" xmlns:p="http://schemas.openxmlformats.org/presentationml/2006/main">
-  <p:cSld>
-    <p:spTree>
-      <p:nvGrpSpPr>
-        <p:cNvPr id="1" name=""/>
-        <p:cNvGrpSpPr/>
-        <p:nvPr/>
-      </p:nvGrpSpPr>
-      <p:grpSpPr>
-        <a:xfrm>
-          <a:off x="0" y="0"/>
-          <a:ext cx="0" cy="0"/>
-          <a:chOff x="0" y="0"/>
-          <a:chExt cx="0" cy="0"/>
-        </a:xfrm>
-      </p:grpSpPr>
-      <p:sp>
-        <p:nvSpPr>
-          <p:cNvPr id="2" name="Title 1">
-            <a:extLst>
-              <a:ext uri="{FF2B5EF4-FFF2-40B4-BE49-F238E27FC236}">
-                <a16:creationId xmlns:a16="http://schemas.microsoft.com/office/drawing/2014/main" id="{1FC15974-1897-133A-08C8-0E5AFD36A824}"/>
-              </a:ext>
-            </a:extLst>
-          </p:cNvPr>
-          <p:cNvSpPr>
-            <a:spLocks noGrp="1"/>
-          </p:cNvSpPr>
-          <p:nvPr>
-            <p:ph type="title"/>
-          </p:nvPr>
-        </p:nvSpPr>
-        <p:spPr/>
-        <p:txBody>
-          <a:bodyPr/>
-          <a:lstStyle/>
-          <a:p>
-            <a:r>
-              <a:rPr lang="en-US" dirty="0"/>
-              <a:t>RESULTS (TRAIN)</a:t>
-            </a:r>
-            <a:endParaRPr lang="en-IN" dirty="0"/>
-          </a:p>
-        </p:txBody>
-      </p:sp>
-      <p:sp>
-        <p:nvSpPr>
-          <p:cNvPr id="3" name="Slide Number Placeholder 2">
-            <a:extLst>
-              <a:ext uri="{FF2B5EF4-FFF2-40B4-BE49-F238E27FC236}">
-                <a16:creationId xmlns:a16="http://schemas.microsoft.com/office/drawing/2014/main" id="{48C662E7-441E-3319-17F8-848C6A5A64ED}"/>
-              </a:ext>
-            </a:extLst>
-          </p:cNvPr>
-          <p:cNvSpPr>
-            <a:spLocks noGrp="1"/>
-          </p:cNvSpPr>
-          <p:nvPr>
-            <p:ph type="sldNum" sz="quarter" idx="12"/>
-          </p:nvPr>
-        </p:nvSpPr>
-        <p:spPr/>
-        <p:txBody>
-          <a:bodyPr/>
-          <a:lstStyle/>
-          <a:p>
-            <a:fld id="{6D22F896-40B5-4ADD-8801-0D06FADFA095}" type="slidenum">
-              <a:rPr lang="en-US" smtClean="0"/>
-              <a:pPr/>
-              <a:t>63</a:t>
-            </a:fld>
-            <a:endParaRPr lang="en-US" dirty="0"/>
-          </a:p>
-        </p:txBody>
-      </p:sp>
-      <p:sp>
-        <p:nvSpPr>
-          <p:cNvPr id="4" name="Content Placeholder 3">
-            <a:extLst>
-              <a:ext uri="{FF2B5EF4-FFF2-40B4-BE49-F238E27FC236}">
-                <a16:creationId xmlns:a16="http://schemas.microsoft.com/office/drawing/2014/main" id="{C26C48DB-0EA6-FC18-1D49-C779E49771CA}"/>
-              </a:ext>
-            </a:extLst>
-          </p:cNvPr>
-          <p:cNvSpPr>
-            <a:spLocks noGrp="1"/>
-          </p:cNvSpPr>
-          <p:nvPr>
-            <p:ph sz="quarter" idx="13"/>
-          </p:nvPr>
-        </p:nvSpPr>
-        <p:spPr/>
-        <p:txBody>
-          <a:bodyPr/>
-          <a:lstStyle/>
-          <a:p>
-            <a:endParaRPr lang="en-IN"/>
-          </a:p>
-        </p:txBody>
-      </p:sp>
-      <p:pic>
-        <p:nvPicPr>
-          <p:cNvPr id="5" name="Picture 4">
-            <a:extLst>
-              <a:ext uri="{FF2B5EF4-FFF2-40B4-BE49-F238E27FC236}">
-                <a16:creationId xmlns:a16="http://schemas.microsoft.com/office/drawing/2014/main" id="{EB9433C6-32C6-902F-4850-34525EE2120D}"/>
-              </a:ext>
-            </a:extLst>
-          </p:cNvPr>
-          <p:cNvPicPr>
-            <a:picLocks noChangeAspect="1"/>
-          </p:cNvPicPr>
-          <p:nvPr/>
-        </p:nvPicPr>
-        <p:blipFill>
-          <a:blip r:embed="rId2"/>
-          <a:stretch>
-            <a:fillRect/>
-          </a:stretch>
-        </p:blipFill>
-        <p:spPr>
-          <a:xfrm>
-            <a:off x="2338470" y="2424554"/>
-            <a:ext cx="5644247" cy="3277728"/>
-          </a:xfrm>
-          <a:prstGeom prst="rect">
-            <a:avLst/>
-          </a:prstGeom>
-        </p:spPr>
-      </p:pic>
-    </p:spTree>
-    <p:extLst>
-      <p:ext uri="{BB962C8B-B14F-4D97-AF65-F5344CB8AC3E}">
-        <p14:creationId xmlns:p14="http://schemas.microsoft.com/office/powerpoint/2010/main" val="1044615943"/>
-      </p:ext>
-    </p:extLst>
-  </p:cSld>
-  <p:clrMapOvr>
-    <a:masterClrMapping/>
-  </p:clrMapOvr>
-</p:sld>
-</file>
-
-<file path=ppt/slides/slide64.xml><?xml version="1.0" encoding="utf-8"?>
-<p:sld xmlns:a="http://schemas.openxmlformats.org/drawingml/2006/main" xmlns:r="http://schemas.openxmlformats.org/officeDocument/2006/relationships" xmlns:p="http://schemas.openxmlformats.org/presentationml/2006/main">
-  <p:cSld>
-    <p:spTree>
-      <p:nvGrpSpPr>
-        <p:cNvPr id="1" name=""/>
-        <p:cNvGrpSpPr/>
-        <p:nvPr/>
-      </p:nvGrpSpPr>
-      <p:grpSpPr>
-        <a:xfrm>
-          <a:off x="0" y="0"/>
-          <a:ext cx="0" cy="0"/>
-          <a:chOff x="0" y="0"/>
-          <a:chExt cx="0" cy="0"/>
-        </a:xfrm>
-      </p:grpSpPr>
-      <p:sp>
-        <p:nvSpPr>
-          <p:cNvPr id="2" name="Title 1">
-            <a:extLst>
-              <a:ext uri="{FF2B5EF4-FFF2-40B4-BE49-F238E27FC236}">
-                <a16:creationId xmlns:a16="http://schemas.microsoft.com/office/drawing/2014/main" id="{F38B8C0A-AABF-65CB-398D-6AD1287CD9AE}"/>
-              </a:ext>
-            </a:extLst>
-          </p:cNvPr>
-          <p:cNvSpPr>
-            <a:spLocks noGrp="1"/>
-          </p:cNvSpPr>
-          <p:nvPr>
-            <p:ph type="title"/>
-          </p:nvPr>
-        </p:nvSpPr>
-        <p:spPr/>
-        <p:txBody>
-          <a:bodyPr/>
-          <a:lstStyle/>
-          <a:p>
-            <a:r>
-              <a:rPr lang="en-IN" dirty="0"/>
-              <a:t>Results (test)</a:t>
-            </a:r>
-          </a:p>
-        </p:txBody>
-      </p:sp>
-      <p:sp>
-        <p:nvSpPr>
-          <p:cNvPr id="3" name="Slide Number Placeholder 2">
-            <a:extLst>
-              <a:ext uri="{FF2B5EF4-FFF2-40B4-BE49-F238E27FC236}">
-                <a16:creationId xmlns:a16="http://schemas.microsoft.com/office/drawing/2014/main" id="{D7BFD4D9-0C65-3DB5-9450-5ED39B021FF4}"/>
-              </a:ext>
-            </a:extLst>
-          </p:cNvPr>
-          <p:cNvSpPr>
-            <a:spLocks noGrp="1"/>
-          </p:cNvSpPr>
-          <p:nvPr>
-            <p:ph type="sldNum" sz="quarter" idx="12"/>
-          </p:nvPr>
-        </p:nvSpPr>
-        <p:spPr/>
-        <p:txBody>
-          <a:bodyPr/>
-          <a:lstStyle/>
-          <a:p>
-            <a:fld id="{6D22F896-40B5-4ADD-8801-0D06FADFA095}" type="slidenum">
-              <a:rPr lang="en-US" smtClean="0"/>
-              <a:pPr/>
-              <a:t>64</a:t>
-            </a:fld>
-            <a:endParaRPr lang="en-US" dirty="0"/>
-          </a:p>
-        </p:txBody>
-      </p:sp>
-      <p:sp>
-        <p:nvSpPr>
-          <p:cNvPr id="4" name="Content Placeholder 3">
-            <a:extLst>
-              <a:ext uri="{FF2B5EF4-FFF2-40B4-BE49-F238E27FC236}">
-                <a16:creationId xmlns:a16="http://schemas.microsoft.com/office/drawing/2014/main" id="{6CCFFC2F-7AEF-6D5F-2A0D-45AB4F3C1223}"/>
-              </a:ext>
-            </a:extLst>
-          </p:cNvPr>
-          <p:cNvSpPr>
-            <a:spLocks noGrp="1"/>
-          </p:cNvSpPr>
-          <p:nvPr>
-            <p:ph sz="quarter" idx="13"/>
-          </p:nvPr>
-        </p:nvSpPr>
-        <p:spPr/>
-        <p:txBody>
-          <a:bodyPr/>
-          <a:lstStyle/>
-          <a:p>
-            <a:endParaRPr lang="en-IN"/>
-          </a:p>
-        </p:txBody>
-      </p:sp>
-      <p:pic>
-        <p:nvPicPr>
-          <p:cNvPr id="5" name="Picture 4">
-            <a:extLst>
-              <a:ext uri="{FF2B5EF4-FFF2-40B4-BE49-F238E27FC236}">
-                <a16:creationId xmlns:a16="http://schemas.microsoft.com/office/drawing/2014/main" id="{088569E5-1BDD-070C-C446-6C9E7704384B}"/>
-              </a:ext>
-            </a:extLst>
-          </p:cNvPr>
-          <p:cNvPicPr>
-            <a:picLocks noChangeAspect="1"/>
-          </p:cNvPicPr>
-          <p:nvPr/>
-        </p:nvPicPr>
-        <p:blipFill>
-          <a:blip r:embed="rId2"/>
-          <a:stretch>
-            <a:fillRect/>
-          </a:stretch>
-        </p:blipFill>
-        <p:spPr>
-          <a:xfrm>
-            <a:off x="2950029" y="2225980"/>
-            <a:ext cx="5943600" cy="3992595"/>
-          </a:xfrm>
-          <a:prstGeom prst="rect">
-            <a:avLst/>
-          </a:prstGeom>
-        </p:spPr>
-      </p:pic>
-    </p:spTree>
-    <p:extLst>
-      <p:ext uri="{BB962C8B-B14F-4D97-AF65-F5344CB8AC3E}">
-        <p14:creationId xmlns:p14="http://schemas.microsoft.com/office/powerpoint/2010/main" val="150047087"/>
-      </p:ext>
-    </p:extLst>
-  </p:cSld>
-  <p:clrMapOvr>
-    <a:masterClrMapping/>
-  </p:clrMapOvr>
-</p:sld>
-</file>
-
-<file path=ppt/slides/slide65.xml><?xml version="1.0" encoding="utf-8"?>
-<p:sld xmlns:a="http://schemas.openxmlformats.org/drawingml/2006/main" xmlns:r="http://schemas.openxmlformats.org/officeDocument/2006/relationships" xmlns:p="http://schemas.openxmlformats.org/presentationml/2006/main">
-  <p:cSld>
-    <p:spTree>
-      <p:nvGrpSpPr>
-        <p:cNvPr id="1" name=""/>
-        <p:cNvGrpSpPr/>
-        <p:nvPr/>
-      </p:nvGrpSpPr>
-      <p:grpSpPr>
-        <a:xfrm>
-          <a:off x="0" y="0"/>
-          <a:ext cx="0" cy="0"/>
-          <a:chOff x="0" y="0"/>
-          <a:chExt cx="0" cy="0"/>
-        </a:xfrm>
-      </p:grpSpPr>
-      <p:sp>
-        <p:nvSpPr>
-          <p:cNvPr id="2" name="Title 1">
-            <a:extLst>
-              <a:ext uri="{FF2B5EF4-FFF2-40B4-BE49-F238E27FC236}">
-                <a16:creationId xmlns:a16="http://schemas.microsoft.com/office/drawing/2014/main" id="{D6DB7F40-3A2B-E4E1-DED5-7FBE8FF33BE0}"/>
-              </a:ext>
-            </a:extLst>
-          </p:cNvPr>
-          <p:cNvSpPr>
-            <a:spLocks noGrp="1"/>
-          </p:cNvSpPr>
-          <p:nvPr>
-            <p:ph type="title"/>
-          </p:nvPr>
-        </p:nvSpPr>
-        <p:spPr/>
-        <p:txBody>
-          <a:bodyPr/>
-          <a:lstStyle/>
-          <a:p>
-            <a:r>
-              <a:rPr lang="en-IN" dirty="0"/>
-              <a:t>DISCUSSION</a:t>
-            </a:r>
-          </a:p>
-        </p:txBody>
-      </p:sp>
-      <p:sp>
-        <p:nvSpPr>
-          <p:cNvPr id="3" name="Slide Number Placeholder 2">
-            <a:extLst>
-              <a:ext uri="{FF2B5EF4-FFF2-40B4-BE49-F238E27FC236}">
-                <a16:creationId xmlns:a16="http://schemas.microsoft.com/office/drawing/2014/main" id="{EE946322-ED54-5257-C05F-4772E497AFCE}"/>
-              </a:ext>
-            </a:extLst>
-          </p:cNvPr>
-          <p:cNvSpPr>
-            <a:spLocks noGrp="1"/>
-          </p:cNvSpPr>
-          <p:nvPr>
-            <p:ph type="sldNum" sz="quarter" idx="12"/>
-          </p:nvPr>
-        </p:nvSpPr>
-        <p:spPr/>
-        <p:txBody>
-          <a:bodyPr/>
-          <a:lstStyle/>
-          <a:p>
-            <a:fld id="{6D22F896-40B5-4ADD-8801-0D06FADFA095}" type="slidenum">
-              <a:rPr lang="en-US" smtClean="0"/>
-              <a:pPr/>
-              <a:t>65</a:t>
-            </a:fld>
-            <a:endParaRPr lang="en-US" dirty="0"/>
-          </a:p>
-        </p:txBody>
-      </p:sp>
-      <p:sp>
-        <p:nvSpPr>
-          <p:cNvPr id="4" name="Content Placeholder 3">
-            <a:extLst>
-              <a:ext uri="{FF2B5EF4-FFF2-40B4-BE49-F238E27FC236}">
-                <a16:creationId xmlns:a16="http://schemas.microsoft.com/office/drawing/2014/main" id="{654FE4CD-2D4E-F2B3-2A12-D7E1A87EDF2D}"/>
-              </a:ext>
-            </a:extLst>
-          </p:cNvPr>
-          <p:cNvSpPr>
-            <a:spLocks noGrp="1"/>
-          </p:cNvSpPr>
-          <p:nvPr>
-            <p:ph sz="quarter" idx="13"/>
-          </p:nvPr>
-        </p:nvSpPr>
-        <p:spPr>
-          <a:xfrm>
-            <a:off x="914400" y="2394857"/>
-            <a:ext cx="10360152" cy="3512167"/>
-          </a:xfrm>
-        </p:spPr>
-        <p:txBody>
-          <a:bodyPr>
-            <a:normAutofit/>
-          </a:bodyPr>
-          <a:lstStyle/>
-          <a:p>
-            <a:r>
-              <a:rPr lang="en-IN" dirty="0"/>
-              <a:t>Model accuracy varies based on encoding and dimensionality reduction techniques.</a:t>
-            </a:r>
-          </a:p>
-          <a:p>
-            <a:r>
-              <a:rPr lang="en-IN" dirty="0"/>
-              <a:t>Logistic Regression (LR) performs well with TF-IDF but drops with </a:t>
-            </a:r>
-            <a:r>
-              <a:rPr lang="en-IN" dirty="0" err="1"/>
-              <a:t>SelectKBest</a:t>
-            </a:r>
-            <a:r>
-              <a:rPr lang="en-IN" dirty="0"/>
-              <a:t> due to feature loss.</a:t>
-            </a:r>
-          </a:p>
-          <a:p>
-            <a:r>
-              <a:rPr lang="en-IN" dirty="0"/>
-              <a:t>BERT + LDA for LR achieves the highest accuracy (0.7946) as LDA enhances class separation.</a:t>
-            </a:r>
-          </a:p>
-          <a:p>
-            <a:r>
-              <a:rPr lang="en-IN" dirty="0"/>
-              <a:t>Random Forest (RF) improves with PCA on BERT (0.8875) and TSVD on TF-IDF (0.8400) by reducing noise.</a:t>
-            </a:r>
-          </a:p>
-          <a:p>
-            <a:r>
-              <a:rPr lang="en-IN" dirty="0"/>
-              <a:t>K-Nearest </a:t>
-            </a:r>
-            <a:r>
-              <a:rPr lang="en-IN" dirty="0" err="1"/>
-              <a:t>Neighbors</a:t>
-            </a:r>
-            <a:r>
-              <a:rPr lang="en-IN" dirty="0"/>
-              <a:t> (KNN) benefits most from TSVD on TF-IDF (0.9872) due to sensitivity to high-dimensional data.</a:t>
-            </a:r>
-          </a:p>
-          <a:p>
-            <a:r>
-              <a:rPr lang="en-IN" dirty="0"/>
-              <a:t>Hyperparameter tuning impact is minor, with RF + BERT + PCA achieving 0.9990 accuracy using Grid Search.</a:t>
-            </a:r>
-          </a:p>
-          <a:p>
-            <a:endParaRPr lang="en-IN" dirty="0"/>
-          </a:p>
-          <a:p>
-            <a:endParaRPr lang="en-IN" dirty="0"/>
-          </a:p>
-        </p:txBody>
-      </p:sp>
-    </p:spTree>
-    <p:extLst>
-      <p:ext uri="{BB962C8B-B14F-4D97-AF65-F5344CB8AC3E}">
-        <p14:creationId xmlns:p14="http://schemas.microsoft.com/office/powerpoint/2010/main" val="4163252140"/>
-      </p:ext>
-    </p:extLst>
-  </p:cSld>
-  <p:clrMapOvr>
-    <a:masterClrMapping/>
-  </p:clrMapOvr>
-</p:sld>
-</file>
-
-<file path=ppt/slides/slide66.xml><?xml version="1.0" encoding="utf-8"?>
-<p:sld xmlns:a="http://schemas.openxmlformats.org/drawingml/2006/main" xmlns:r="http://schemas.openxmlformats.org/officeDocument/2006/relationships" xmlns:p="http://schemas.openxmlformats.org/presentationml/2006/main">
-  <p:cSld>
-    <p:spTree>
-      <p:nvGrpSpPr>
-        <p:cNvPr id="1" name=""/>
-        <p:cNvGrpSpPr/>
-        <p:nvPr/>
-      </p:nvGrpSpPr>
-      <p:grpSpPr>
-        <a:xfrm>
-          <a:off x="0" y="0"/>
-          <a:ext cx="0" cy="0"/>
-          <a:chOff x="0" y="0"/>
-          <a:chExt cx="0" cy="0"/>
-        </a:xfrm>
-      </p:grpSpPr>
-      <p:sp>
-        <p:nvSpPr>
-          <p:cNvPr id="2" name="Title 1">
-            <a:extLst>
-              <a:ext uri="{FF2B5EF4-FFF2-40B4-BE49-F238E27FC236}">
-                <a16:creationId xmlns:a16="http://schemas.microsoft.com/office/drawing/2014/main" id="{0703F612-27C5-6CC7-7194-28DDDDFA3327}"/>
-              </a:ext>
-            </a:extLst>
-          </p:cNvPr>
-          <p:cNvSpPr>
-            <a:spLocks noGrp="1"/>
-          </p:cNvSpPr>
-          <p:nvPr>
-            <p:ph type="ctrTitle"/>
-          </p:nvPr>
-        </p:nvSpPr>
-        <p:spPr/>
-        <p:txBody>
-          <a:bodyPr/>
-          <a:lstStyle/>
-          <a:p>
-            <a:r>
-              <a:rPr lang="en-IN" dirty="0"/>
-              <a:t>MINI PROJECT</a:t>
-            </a:r>
-          </a:p>
-        </p:txBody>
-      </p:sp>
-      <p:sp>
-        <p:nvSpPr>
-          <p:cNvPr id="3" name="Subtitle 2">
-            <a:extLst>
-              <a:ext uri="{FF2B5EF4-FFF2-40B4-BE49-F238E27FC236}">
-                <a16:creationId xmlns:a16="http://schemas.microsoft.com/office/drawing/2014/main" id="{39870981-1110-3469-238C-126F03F520C8}"/>
-              </a:ext>
-            </a:extLst>
-          </p:cNvPr>
-          <p:cNvSpPr>
-            <a:spLocks noGrp="1"/>
-          </p:cNvSpPr>
-          <p:nvPr>
-            <p:ph type="subTitle" idx="1"/>
-          </p:nvPr>
-        </p:nvSpPr>
-        <p:spPr/>
-        <p:txBody>
-          <a:bodyPr/>
-          <a:lstStyle/>
-          <a:p>
-            <a:endParaRPr lang="en-IN"/>
-          </a:p>
-        </p:txBody>
-      </p:sp>
-    </p:spTree>
-    <p:extLst>
-      <p:ext uri="{BB962C8B-B14F-4D97-AF65-F5344CB8AC3E}">
-        <p14:creationId xmlns:p14="http://schemas.microsoft.com/office/powerpoint/2010/main" val="1762785037"/>
-      </p:ext>
-    </p:extLst>
-  </p:cSld>
-  <p:clrMapOvr>
-    <a:masterClrMapping/>
-  </p:clrMapOvr>
-</p:sld>
-</file>
-
-<file path=ppt/slides/slide67.xml><?xml version="1.0" encoding="utf-8"?>
-<p:sld xmlns:a="http://schemas.openxmlformats.org/drawingml/2006/main" xmlns:r="http://schemas.openxmlformats.org/officeDocument/2006/relationships" xmlns:p="http://schemas.openxmlformats.org/presentationml/2006/main">
-  <p:cSld>
-    <p:spTree>
-      <p:nvGrpSpPr>
-        <p:cNvPr id="1" name=""/>
-        <p:cNvGrpSpPr/>
-        <p:nvPr/>
-      </p:nvGrpSpPr>
-      <p:grpSpPr>
-        <a:xfrm>
-          <a:off x="0" y="0"/>
-          <a:ext cx="0" cy="0"/>
-          <a:chOff x="0" y="0"/>
-          <a:chExt cx="0" cy="0"/>
-        </a:xfrm>
-      </p:grpSpPr>
-      <p:sp>
-        <p:nvSpPr>
-          <p:cNvPr id="2" name="Title 1">
-            <a:extLst>
-              <a:ext uri="{FF2B5EF4-FFF2-40B4-BE49-F238E27FC236}">
-                <a16:creationId xmlns:a16="http://schemas.microsoft.com/office/drawing/2014/main" id="{DE681088-95AC-7560-A411-4B9B946CB358}"/>
-              </a:ext>
-            </a:extLst>
-          </p:cNvPr>
-          <p:cNvSpPr>
-            <a:spLocks noGrp="1"/>
-          </p:cNvSpPr>
-          <p:nvPr>
-            <p:ph type="title"/>
-          </p:nvPr>
-        </p:nvSpPr>
-        <p:spPr>
-          <a:xfrm>
-            <a:off x="914400" y="653143"/>
-            <a:ext cx="10360152" cy="1179576"/>
-          </a:xfrm>
-        </p:spPr>
-        <p:txBody>
-          <a:bodyPr/>
-          <a:lstStyle/>
-          <a:p>
-            <a:r>
-              <a:rPr lang="en-IN" dirty="0"/>
-              <a:t>ENSEMBLE MODELS feasibility</a:t>
-            </a:r>
-          </a:p>
-        </p:txBody>
-      </p:sp>
-      <p:sp>
-        <p:nvSpPr>
-          <p:cNvPr id="3" name="Slide Number Placeholder 2">
-            <a:extLst>
-              <a:ext uri="{FF2B5EF4-FFF2-40B4-BE49-F238E27FC236}">
-                <a16:creationId xmlns:a16="http://schemas.microsoft.com/office/drawing/2014/main" id="{4622AFAD-CA6C-09D3-4571-DD77EF747EBF}"/>
-              </a:ext>
-            </a:extLst>
-          </p:cNvPr>
-          <p:cNvSpPr>
-            <a:spLocks noGrp="1"/>
-          </p:cNvSpPr>
-          <p:nvPr>
-            <p:ph type="sldNum" sz="quarter" idx="12"/>
-          </p:nvPr>
-        </p:nvSpPr>
-        <p:spPr/>
-        <p:txBody>
-          <a:bodyPr/>
-          <a:lstStyle/>
-          <a:p>
-            <a:fld id="{6D22F896-40B5-4ADD-8801-0D06FADFA095}" type="slidenum">
-              <a:rPr lang="en-US" smtClean="0"/>
-              <a:pPr/>
-              <a:t>67</a:t>
-            </a:fld>
-            <a:endParaRPr lang="en-US" dirty="0"/>
-          </a:p>
-        </p:txBody>
-      </p:sp>
-      <p:sp>
-        <p:nvSpPr>
-          <p:cNvPr id="4" name="Content Placeholder 3">
-            <a:extLst>
-              <a:ext uri="{FF2B5EF4-FFF2-40B4-BE49-F238E27FC236}">
-                <a16:creationId xmlns:a16="http://schemas.microsoft.com/office/drawing/2014/main" id="{C03FA30A-2D66-BDF8-E82A-12628EE84274}"/>
-              </a:ext>
-            </a:extLst>
-          </p:cNvPr>
-          <p:cNvSpPr>
-            <a:spLocks noGrp="1"/>
-          </p:cNvSpPr>
-          <p:nvPr>
-            <p:ph sz="quarter" idx="13"/>
-          </p:nvPr>
-        </p:nvSpPr>
-        <p:spPr>
-          <a:xfrm>
-            <a:off x="914400" y="2416629"/>
-            <a:ext cx="8773886" cy="3490395"/>
-          </a:xfrm>
-        </p:spPr>
-        <p:txBody>
-          <a:bodyPr>
-            <a:normAutofit/>
-          </a:bodyPr>
-          <a:lstStyle/>
-          <a:p>
-            <a:pPr>
-              <a:buNone/>
-            </a:pPr>
-            <a:r>
-              <a:rPr lang="en-US" b="1" dirty="0"/>
-              <a:t>Feasibility of Ensemble Approaches</a:t>
-            </a:r>
-            <a:endParaRPr lang="en-US" dirty="0"/>
-          </a:p>
-          <a:p>
-            <a:pPr>
-              <a:buFont typeface="Arial" panose="020B0604020202020204" pitchFamily="34" charset="0"/>
-              <a:buChar char="•"/>
-            </a:pPr>
-            <a:r>
-              <a:rPr lang="en-US" dirty="0"/>
-              <a:t>Ensemble models enhance </a:t>
-            </a:r>
-            <a:r>
-              <a:rPr lang="en-US" b="1" dirty="0"/>
-              <a:t>robustness and generalization</a:t>
-            </a:r>
-            <a:r>
-              <a:rPr lang="en-US" dirty="0"/>
-              <a:t> by combining multiple classifiers.</a:t>
-            </a:r>
-          </a:p>
-          <a:p>
-            <a:pPr>
-              <a:buFont typeface="Arial" panose="020B0604020202020204" pitchFamily="34" charset="0"/>
-              <a:buChar char="•"/>
-            </a:pPr>
-            <a:r>
-              <a:rPr lang="en-US" b="1" dirty="0"/>
-              <a:t>Bagging and boosting</a:t>
-            </a:r>
-            <a:r>
-              <a:rPr lang="en-US" dirty="0"/>
-              <a:t> techniques help reduce </a:t>
-            </a:r>
-            <a:r>
-              <a:rPr lang="en-US" b="1" dirty="0"/>
-              <a:t>variance</a:t>
-            </a:r>
-            <a:r>
-              <a:rPr lang="en-US" dirty="0"/>
-              <a:t> and </a:t>
-            </a:r>
-            <a:r>
-              <a:rPr lang="en-US" b="1" dirty="0"/>
-              <a:t>bias</a:t>
-            </a:r>
-            <a:r>
-              <a:rPr lang="en-US" dirty="0"/>
-              <a:t>, respectively.</a:t>
-            </a:r>
-          </a:p>
-          <a:p>
-            <a:pPr>
-              <a:buFont typeface="Arial" panose="020B0604020202020204" pitchFamily="34" charset="0"/>
-              <a:buChar char="•"/>
-            </a:pPr>
-            <a:r>
-              <a:rPr lang="en-US" dirty="0"/>
-              <a:t>Models like </a:t>
-            </a:r>
-            <a:r>
-              <a:rPr lang="en-US" b="1" dirty="0"/>
-              <a:t>Random Forest</a:t>
-            </a:r>
-            <a:r>
-              <a:rPr lang="en-US" dirty="0"/>
-              <a:t> (bagging) and </a:t>
-            </a:r>
-            <a:r>
-              <a:rPr lang="en-US" b="1" dirty="0"/>
-              <a:t>Gradient Boosting</a:t>
-            </a:r>
-            <a:r>
-              <a:rPr lang="en-US" dirty="0"/>
-              <a:t> (boosting) capture complex linguistic patterns.</a:t>
-            </a:r>
-          </a:p>
-          <a:p>
-            <a:pPr>
-              <a:buFont typeface="Arial" panose="020B0604020202020204" pitchFamily="34" charset="0"/>
-              <a:buChar char="•"/>
-            </a:pPr>
-            <a:r>
-              <a:rPr lang="en-US" dirty="0"/>
-              <a:t>Effective in detecting </a:t>
-            </a:r>
-            <a:r>
-              <a:rPr lang="en-US" b="1" dirty="0"/>
-              <a:t>subtle hallucinations</a:t>
-            </a:r>
-            <a:r>
-              <a:rPr lang="en-US" dirty="0"/>
-              <a:t> or </a:t>
-            </a:r>
-            <a:r>
-              <a:rPr lang="en-US" b="1" dirty="0"/>
-              <a:t>fabricated content</a:t>
-            </a:r>
-            <a:r>
-              <a:rPr lang="en-US" dirty="0"/>
-              <a:t> from language models.</a:t>
-            </a:r>
-          </a:p>
-          <a:p>
-            <a:pPr>
-              <a:buFont typeface="Arial" panose="020B0604020202020204" pitchFamily="34" charset="0"/>
-              <a:buChar char="•"/>
-            </a:pPr>
-            <a:r>
-              <a:rPr lang="en-US" dirty="0"/>
-              <a:t>Can integrate </a:t>
-            </a:r>
-            <a:r>
-              <a:rPr lang="en-US" b="1" dirty="0"/>
-              <a:t>diverse feature representations</a:t>
-            </a:r>
-            <a:r>
-              <a:rPr lang="en-US" dirty="0"/>
-              <a:t> (e.g., TF-IDF and BERT embeddings).</a:t>
-            </a:r>
-          </a:p>
-          <a:p>
-            <a:pPr>
-              <a:buFont typeface="Arial" panose="020B0604020202020204" pitchFamily="34" charset="0"/>
-              <a:buChar char="•"/>
-            </a:pPr>
-            <a:r>
-              <a:rPr lang="en-US" dirty="0"/>
-              <a:t>Though computationally intensive, they </a:t>
-            </a:r>
-            <a:r>
-              <a:rPr lang="en-US" b="1" dirty="0"/>
-              <a:t>significantly improve accuracy and reliability.</a:t>
-            </a:r>
-            <a:endParaRPr lang="en-US" dirty="0"/>
-          </a:p>
-          <a:p>
-            <a:endParaRPr lang="en-IN" dirty="0"/>
-          </a:p>
-        </p:txBody>
-      </p:sp>
-    </p:spTree>
-    <p:extLst>
-      <p:ext uri="{BB962C8B-B14F-4D97-AF65-F5344CB8AC3E}">
-        <p14:creationId xmlns:p14="http://schemas.microsoft.com/office/powerpoint/2010/main" val="1132936814"/>
-      </p:ext>
-    </p:extLst>
-  </p:cSld>
-  <p:clrMapOvr>
-    <a:masterClrMapping/>
-  </p:clrMapOvr>
-</p:sld>
-</file>
-
-<file path=ppt/slides/slide68.xml><?xml version="1.0" encoding="utf-8"?>
-<p:sld xmlns:a="http://schemas.openxmlformats.org/drawingml/2006/main" xmlns:r="http://schemas.openxmlformats.org/officeDocument/2006/relationships" xmlns:p="http://schemas.openxmlformats.org/presentationml/2006/main">
-  <p:cSld>
-    <p:spTree>
-      <p:nvGrpSpPr>
-        <p:cNvPr id="1" name=""/>
-        <p:cNvGrpSpPr/>
-        <p:nvPr/>
-      </p:nvGrpSpPr>
-      <p:grpSpPr>
-        <a:xfrm>
-          <a:off x="0" y="0"/>
-          <a:ext cx="0" cy="0"/>
-          <a:chOff x="0" y="0"/>
-          <a:chExt cx="0" cy="0"/>
-        </a:xfrm>
-      </p:grpSpPr>
-      <p:sp>
-        <p:nvSpPr>
-          <p:cNvPr id="2" name="Title 1">
-            <a:extLst>
-              <a:ext uri="{FF2B5EF4-FFF2-40B4-BE49-F238E27FC236}">
-                <a16:creationId xmlns:a16="http://schemas.microsoft.com/office/drawing/2014/main" id="{EA38D623-76FB-D47A-D283-606DEE4BD66C}"/>
-              </a:ext>
-            </a:extLst>
-          </p:cNvPr>
-          <p:cNvSpPr>
-            <a:spLocks noGrp="1"/>
-          </p:cNvSpPr>
-          <p:nvPr>
-            <p:ph type="title"/>
-          </p:nvPr>
-        </p:nvSpPr>
-        <p:spPr/>
-        <p:txBody>
-          <a:bodyPr/>
-          <a:lstStyle/>
-          <a:p>
-            <a:r>
-              <a:rPr lang="en-IN" dirty="0"/>
-              <a:t>Ensemble models used</a:t>
-            </a:r>
-          </a:p>
-        </p:txBody>
-      </p:sp>
-      <p:sp>
-        <p:nvSpPr>
-          <p:cNvPr id="3" name="Slide Number Placeholder 2">
-            <a:extLst>
-              <a:ext uri="{FF2B5EF4-FFF2-40B4-BE49-F238E27FC236}">
-                <a16:creationId xmlns:a16="http://schemas.microsoft.com/office/drawing/2014/main" id="{8043BE9D-ECB9-4C5C-A2CB-98F4C5247C84}"/>
-              </a:ext>
-            </a:extLst>
-          </p:cNvPr>
-          <p:cNvSpPr>
-            <a:spLocks noGrp="1"/>
-          </p:cNvSpPr>
-          <p:nvPr>
-            <p:ph type="sldNum" sz="quarter" idx="12"/>
-          </p:nvPr>
-        </p:nvSpPr>
-        <p:spPr/>
-        <p:txBody>
-          <a:bodyPr/>
-          <a:lstStyle/>
-          <a:p>
-            <a:fld id="{6D22F896-40B5-4ADD-8801-0D06FADFA095}" type="slidenum">
-              <a:rPr lang="en-US" smtClean="0"/>
-              <a:pPr/>
-              <a:t>68</a:t>
-            </a:fld>
-            <a:endParaRPr lang="en-US" dirty="0"/>
-          </a:p>
-        </p:txBody>
-      </p:sp>
-      <p:sp>
-        <p:nvSpPr>
-          <p:cNvPr id="4" name="Content Placeholder 3">
-            <a:extLst>
-              <a:ext uri="{FF2B5EF4-FFF2-40B4-BE49-F238E27FC236}">
-                <a16:creationId xmlns:a16="http://schemas.microsoft.com/office/drawing/2014/main" id="{BAD73BD2-CCA5-4F82-8213-2D974F9EF402}"/>
-              </a:ext>
-            </a:extLst>
-          </p:cNvPr>
-          <p:cNvSpPr>
-            <a:spLocks noGrp="1"/>
-          </p:cNvSpPr>
-          <p:nvPr>
-            <p:ph sz="quarter" idx="13"/>
-          </p:nvPr>
-        </p:nvSpPr>
-        <p:spPr/>
-        <p:txBody>
-          <a:bodyPr/>
-          <a:lstStyle/>
-          <a:p>
-            <a:pPr>
-              <a:buNone/>
-            </a:pPr>
-            <a:r>
-              <a:rPr lang="en-US" b="1" dirty="0"/>
-              <a:t>AdaBoost (Adaptive Boosting)</a:t>
-            </a:r>
-          </a:p>
-          <a:p>
-            <a:pPr>
-              <a:buFont typeface="Arial" panose="020B0604020202020204" pitchFamily="34" charset="0"/>
-              <a:buChar char="•"/>
-            </a:pPr>
-            <a:r>
-              <a:rPr lang="en-US" dirty="0"/>
-              <a:t>Sequentially combines </a:t>
-            </a:r>
-            <a:r>
-              <a:rPr lang="en-US" b="1" dirty="0"/>
-              <a:t>multiple weak learners</a:t>
-            </a:r>
-            <a:r>
-              <a:rPr lang="en-US" dirty="0"/>
-              <a:t> (e.g., decision stumps).</a:t>
-            </a:r>
-          </a:p>
-          <a:p>
-            <a:pPr>
-              <a:buFont typeface="Arial" panose="020B0604020202020204" pitchFamily="34" charset="0"/>
-              <a:buChar char="•"/>
-            </a:pPr>
-            <a:r>
-              <a:rPr lang="en-US" dirty="0"/>
-              <a:t>Each learner focuses on </a:t>
-            </a:r>
-            <a:r>
-              <a:rPr lang="en-US" b="1" dirty="0"/>
-              <a:t>previously misclassified</a:t>
-            </a:r>
-            <a:r>
-              <a:rPr lang="en-US" dirty="0"/>
-              <a:t> instances.</a:t>
-            </a:r>
-          </a:p>
-          <a:p>
-            <a:pPr>
-              <a:buFont typeface="Arial" panose="020B0604020202020204" pitchFamily="34" charset="0"/>
-              <a:buChar char="•"/>
-            </a:pPr>
-            <a:r>
-              <a:rPr lang="en-US" dirty="0"/>
-              <a:t>Effectively reduces </a:t>
-            </a:r>
-            <a:r>
-              <a:rPr lang="en-US" b="1" dirty="0"/>
-              <a:t>bias</a:t>
-            </a:r>
-            <a:r>
-              <a:rPr lang="en-US" dirty="0"/>
-              <a:t> in predictions.</a:t>
-            </a:r>
-          </a:p>
-          <a:p>
-            <a:pPr>
-              <a:buFont typeface="Arial" panose="020B0604020202020204" pitchFamily="34" charset="0"/>
-              <a:buChar char="•"/>
-            </a:pPr>
-            <a:r>
-              <a:rPr lang="en-US" dirty="0"/>
-              <a:t>Works well on </a:t>
-            </a:r>
-            <a:r>
-              <a:rPr lang="en-US" b="1" dirty="0"/>
-              <a:t>clean and structured datasets</a:t>
-            </a:r>
-            <a:r>
-              <a:rPr lang="en-US" dirty="0"/>
-              <a:t>.</a:t>
-            </a:r>
-          </a:p>
-          <a:p>
-            <a:pPr>
-              <a:buFont typeface="Arial" panose="020B0604020202020204" pitchFamily="34" charset="0"/>
-              <a:buChar char="•"/>
-            </a:pPr>
-            <a:r>
-              <a:rPr lang="en-US" dirty="0"/>
-              <a:t>Gradually improves performance by emphasizing </a:t>
-            </a:r>
-            <a:r>
-              <a:rPr lang="en-US" b="1" dirty="0"/>
-              <a:t>difficult cases</a:t>
-            </a:r>
-            <a:r>
-              <a:rPr lang="en-US" dirty="0"/>
-              <a:t>.</a:t>
-            </a:r>
-          </a:p>
-          <a:p>
-            <a:pPr>
-              <a:buFont typeface="Arial" panose="020B0604020202020204" pitchFamily="34" charset="0"/>
-              <a:buChar char="•"/>
-            </a:pPr>
-            <a:r>
-              <a:rPr lang="en-US" dirty="0"/>
-              <a:t>Useful in </a:t>
-            </a:r>
-            <a:r>
-              <a:rPr lang="en-US" b="1" dirty="0"/>
-              <a:t>hallucination detection pipelines</a:t>
-            </a:r>
-            <a:r>
-              <a:rPr lang="en-US" dirty="0"/>
-              <a:t> for improved reliability</a:t>
-            </a:r>
-          </a:p>
-          <a:p>
-            <a:endParaRPr lang="en-IN" dirty="0"/>
-          </a:p>
-        </p:txBody>
-      </p:sp>
-    </p:spTree>
-    <p:extLst>
-      <p:ext uri="{BB962C8B-B14F-4D97-AF65-F5344CB8AC3E}">
-        <p14:creationId xmlns:p14="http://schemas.microsoft.com/office/powerpoint/2010/main" val="2800198735"/>
-      </p:ext>
-    </p:extLst>
-  </p:cSld>
-  <p:clrMapOvr>
-    <a:masterClrMapping/>
-  </p:clrMapOvr>
-</p:sld>
-</file>
-
-<file path=ppt/slides/slide69.xml><?xml version="1.0" encoding="utf-8"?>
-<p:sld xmlns:a="http://schemas.openxmlformats.org/drawingml/2006/main" xmlns:r="http://schemas.openxmlformats.org/officeDocument/2006/relationships" xmlns:p="http://schemas.openxmlformats.org/presentationml/2006/main">
-  <p:cSld>
-    <p:spTree>
-      <p:nvGrpSpPr>
-        <p:cNvPr id="1" name=""/>
-        <p:cNvGrpSpPr/>
-        <p:nvPr/>
-      </p:nvGrpSpPr>
-      <p:grpSpPr>
-        <a:xfrm>
-          <a:off x="0" y="0"/>
-          <a:ext cx="0" cy="0"/>
-          <a:chOff x="0" y="0"/>
-          <a:chExt cx="0" cy="0"/>
-        </a:xfrm>
-      </p:grpSpPr>
-      <p:sp>
-        <p:nvSpPr>
-          <p:cNvPr id="2" name="Title 1">
-            <a:extLst>
-              <a:ext uri="{FF2B5EF4-FFF2-40B4-BE49-F238E27FC236}">
-                <a16:creationId xmlns:a16="http://schemas.microsoft.com/office/drawing/2014/main" id="{9558F371-62B8-4C35-7744-A9EB4D2D0B8B}"/>
-              </a:ext>
-            </a:extLst>
-          </p:cNvPr>
-          <p:cNvSpPr>
-            <a:spLocks noGrp="1"/>
-          </p:cNvSpPr>
-          <p:nvPr>
-            <p:ph type="title"/>
-          </p:nvPr>
-        </p:nvSpPr>
-        <p:spPr/>
-        <p:txBody>
-          <a:bodyPr/>
-          <a:lstStyle/>
-          <a:p>
-            <a:r>
-              <a:rPr lang="en-IN" dirty="0"/>
-              <a:t>Ensemble models used</a:t>
-            </a:r>
-          </a:p>
-        </p:txBody>
-      </p:sp>
-      <p:sp>
-        <p:nvSpPr>
-          <p:cNvPr id="3" name="Slide Number Placeholder 2">
-            <a:extLst>
-              <a:ext uri="{FF2B5EF4-FFF2-40B4-BE49-F238E27FC236}">
-                <a16:creationId xmlns:a16="http://schemas.microsoft.com/office/drawing/2014/main" id="{42D9CA9A-CF00-D110-B76A-FFFC37293E1B}"/>
-              </a:ext>
-            </a:extLst>
-          </p:cNvPr>
-          <p:cNvSpPr>
-            <a:spLocks noGrp="1"/>
-          </p:cNvSpPr>
-          <p:nvPr>
-            <p:ph type="sldNum" sz="quarter" idx="12"/>
-          </p:nvPr>
-        </p:nvSpPr>
-        <p:spPr/>
-        <p:txBody>
-          <a:bodyPr/>
-          <a:lstStyle/>
-          <a:p>
-            <a:fld id="{6D22F896-40B5-4ADD-8801-0D06FADFA095}" type="slidenum">
-              <a:rPr lang="en-US" smtClean="0"/>
-              <a:pPr/>
-              <a:t>69</a:t>
-            </a:fld>
-            <a:endParaRPr lang="en-US" dirty="0"/>
-          </a:p>
-        </p:txBody>
-      </p:sp>
-      <p:sp>
-        <p:nvSpPr>
-          <p:cNvPr id="4" name="Content Placeholder 3">
-            <a:extLst>
-              <a:ext uri="{FF2B5EF4-FFF2-40B4-BE49-F238E27FC236}">
-                <a16:creationId xmlns:a16="http://schemas.microsoft.com/office/drawing/2014/main" id="{BFD75780-9BCB-E810-FADB-4B4C85F557E4}"/>
-              </a:ext>
-            </a:extLst>
-          </p:cNvPr>
-          <p:cNvSpPr>
-            <a:spLocks noGrp="1"/>
-          </p:cNvSpPr>
-          <p:nvPr>
-            <p:ph sz="quarter" idx="13"/>
-          </p:nvPr>
-        </p:nvSpPr>
-        <p:spPr>
-          <a:xfrm>
-            <a:off x="914400" y="2093976"/>
-            <a:ext cx="9405257" cy="3490395"/>
-          </a:xfrm>
-        </p:spPr>
-        <p:txBody>
-          <a:bodyPr/>
-          <a:lstStyle/>
-          <a:p>
-            <a:pPr>
-              <a:buNone/>
-            </a:pPr>
-            <a:r>
-              <a:rPr lang="en-US" b="1" dirty="0"/>
-              <a:t>Gradient Boosting Classifier</a:t>
-            </a:r>
-          </a:p>
-          <a:p>
-            <a:pPr>
-              <a:buFont typeface="Arial" panose="020B0604020202020204" pitchFamily="34" charset="0"/>
-              <a:buChar char="•"/>
-            </a:pPr>
-            <a:r>
-              <a:rPr lang="en-US" dirty="0"/>
-              <a:t>Builds an ensemble of </a:t>
-            </a:r>
-            <a:r>
-              <a:rPr lang="en-US" b="1" dirty="0"/>
-              <a:t>decision trees</a:t>
-            </a:r>
-            <a:r>
-              <a:rPr lang="en-US" dirty="0"/>
-              <a:t> in a stage-wise fashion.</a:t>
-            </a:r>
-          </a:p>
-          <a:p>
-            <a:pPr>
-              <a:buFont typeface="Arial" panose="020B0604020202020204" pitchFamily="34" charset="0"/>
-              <a:buChar char="•"/>
-            </a:pPr>
-            <a:r>
-              <a:rPr lang="en-US" dirty="0"/>
-              <a:t>Optimizes a </a:t>
-            </a:r>
-            <a:r>
-              <a:rPr lang="en-US" b="1" dirty="0"/>
-              <a:t>differentiable loss function</a:t>
-            </a:r>
-            <a:r>
-              <a:rPr lang="en-US" dirty="0"/>
-              <a:t>.</a:t>
-            </a:r>
-          </a:p>
-          <a:p>
-            <a:pPr>
-              <a:buFont typeface="Arial" panose="020B0604020202020204" pitchFamily="34" charset="0"/>
-              <a:buChar char="•"/>
-            </a:pPr>
-            <a:r>
-              <a:rPr lang="en-US" dirty="0"/>
-              <a:t>Balances </a:t>
-            </a:r>
-            <a:r>
-              <a:rPr lang="en-US" b="1" dirty="0"/>
-              <a:t>bias and variance</a:t>
-            </a:r>
-            <a:r>
-              <a:rPr lang="en-US" dirty="0"/>
-              <a:t> effectively.</a:t>
-            </a:r>
-          </a:p>
-          <a:p>
-            <a:pPr>
-              <a:buFont typeface="Arial" panose="020B0604020202020204" pitchFamily="34" charset="0"/>
-              <a:buChar char="•"/>
-            </a:pPr>
-            <a:r>
-              <a:rPr lang="en-US" dirty="0"/>
-              <a:t>Flexible tuning for </a:t>
-            </a:r>
-            <a:r>
-              <a:rPr lang="en-US" b="1" dirty="0"/>
-              <a:t>learning rate, depth, and regularization</a:t>
-            </a:r>
-            <a:r>
-              <a:rPr lang="en-US" dirty="0"/>
-              <a:t>.</a:t>
-            </a:r>
-          </a:p>
-          <a:p>
-            <a:pPr>
-              <a:buFont typeface="Arial" panose="020B0604020202020204" pitchFamily="34" charset="0"/>
-              <a:buChar char="•"/>
-            </a:pPr>
-            <a:r>
-              <a:rPr lang="en-US" dirty="0"/>
-              <a:t>Excels at modeling </a:t>
-            </a:r>
-            <a:r>
-              <a:rPr lang="en-US" b="1" dirty="0"/>
-              <a:t>complex relationships</a:t>
-            </a:r>
-            <a:r>
-              <a:rPr lang="en-US" dirty="0"/>
-              <a:t> in data.</a:t>
-            </a:r>
-          </a:p>
-          <a:p>
-            <a:pPr>
-              <a:buFont typeface="Arial" panose="020B0604020202020204" pitchFamily="34" charset="0"/>
-              <a:buChar char="•"/>
-            </a:pPr>
-            <a:r>
-              <a:rPr lang="en-US" dirty="0"/>
-              <a:t>Adds value to </a:t>
-            </a:r>
-            <a:r>
-              <a:rPr lang="en-US" b="1" dirty="0"/>
-              <a:t>hallucination detection</a:t>
-            </a:r>
-            <a:r>
-              <a:rPr lang="en-US" dirty="0"/>
-              <a:t> by improving generalization.</a:t>
-            </a:r>
-          </a:p>
-          <a:p>
-            <a:endParaRPr lang="en-IN" dirty="0"/>
-          </a:p>
-        </p:txBody>
-      </p:sp>
-    </p:spTree>
-    <p:extLst>
-      <p:ext uri="{BB962C8B-B14F-4D97-AF65-F5344CB8AC3E}">
-        <p14:creationId xmlns:p14="http://schemas.microsoft.com/office/powerpoint/2010/main" val="2315333319"/>
-      </p:ext>
-    </p:extLst>
-  </p:cSld>
-  <p:clrMapOvr>
-    <a:masterClrMapping/>
-  </p:clrMapOvr>
-</p:sld>
-</file>
-
-<file path=ppt/slides/slide7.xml><?xml version="1.0" encoding="utf-8"?>
-<p:sld xmlns:a="http://schemas.openxmlformats.org/drawingml/2006/main" xmlns:r="http://schemas.openxmlformats.org/officeDocument/2006/relationships" xmlns:p="http://schemas.openxmlformats.org/presentationml/2006/main">
-  <p:cSld>
-    <p:spTree>
-      <p:nvGrpSpPr>
-        <p:cNvPr id="1" name=""/>
-        <p:cNvGrpSpPr/>
-        <p:nvPr/>
-      </p:nvGrpSpPr>
-      <p:grpSpPr>
-        <a:xfrm>
-          <a:off x="0" y="0"/>
-          <a:ext cx="0" cy="0"/>
-          <a:chOff x="0" y="0"/>
-          <a:chExt cx="0" cy="0"/>
-        </a:xfrm>
-      </p:grpSpPr>
-      <p:sp>
-        <p:nvSpPr>
-          <p:cNvPr id="2" name="Title 1">
-            <a:extLst>
-              <a:ext uri="{FF2B5EF4-FFF2-40B4-BE49-F238E27FC236}">
-                <a16:creationId xmlns:a16="http://schemas.microsoft.com/office/drawing/2014/main" id="{B45F3239-4159-2F94-D5C7-C5300E323617}"/>
-              </a:ext>
-            </a:extLst>
-          </p:cNvPr>
-          <p:cNvSpPr>
-            <a:spLocks noGrp="1"/>
-          </p:cNvSpPr>
-          <p:nvPr>
-            <p:ph type="title"/>
-          </p:nvPr>
-        </p:nvSpPr>
-        <p:spPr/>
-        <p:txBody>
-          <a:bodyPr/>
-          <a:lstStyle/>
-          <a:p>
-            <a:r>
-              <a:rPr lang="en-IN"/>
-              <a:t>Class distribution after resampling</a:t>
-            </a:r>
-          </a:p>
-        </p:txBody>
-      </p:sp>
-      <p:sp>
-        <p:nvSpPr>
-          <p:cNvPr id="3" name="Slide Number Placeholder 2">
-            <a:extLst>
-              <a:ext uri="{FF2B5EF4-FFF2-40B4-BE49-F238E27FC236}">
-                <a16:creationId xmlns:a16="http://schemas.microsoft.com/office/drawing/2014/main" id="{DB1B5905-CFC2-F68A-C12F-E86C3E16794E}"/>
-              </a:ext>
-            </a:extLst>
-          </p:cNvPr>
-          <p:cNvSpPr>
-            <a:spLocks noGrp="1"/>
-          </p:cNvSpPr>
-          <p:nvPr>
-            <p:ph type="sldNum" sz="quarter" idx="12"/>
-          </p:nvPr>
-        </p:nvSpPr>
-        <p:spPr/>
-        <p:txBody>
-          <a:bodyPr/>
-          <a:lstStyle/>
-          <a:p>
-            <a:fld id="{6D22F896-40B5-4ADD-8801-0D06FADFA095}" type="slidenum">
-              <a:rPr lang="en-US" smtClean="0"/>
-              <a:pPr/>
-              <a:t>7</a:t>
-            </a:fld>
-            <a:endParaRPr lang="en-US" dirty="0"/>
-          </a:p>
-        </p:txBody>
-      </p:sp>
-      <p:sp>
-        <p:nvSpPr>
-          <p:cNvPr id="4" name="Content Placeholder 3">
-            <a:extLst>
-              <a:ext uri="{FF2B5EF4-FFF2-40B4-BE49-F238E27FC236}">
-                <a16:creationId xmlns:a16="http://schemas.microsoft.com/office/drawing/2014/main" id="{8BD2B861-0E42-2B99-29B4-0ED5898EDEA8}"/>
-              </a:ext>
-            </a:extLst>
-          </p:cNvPr>
-          <p:cNvSpPr>
-            <a:spLocks noGrp="1"/>
-          </p:cNvSpPr>
-          <p:nvPr>
-            <p:ph sz="quarter" idx="13"/>
-          </p:nvPr>
-        </p:nvSpPr>
-        <p:spPr/>
-        <p:txBody>
-          <a:bodyPr/>
-          <a:lstStyle/>
-          <a:p>
-            <a:endParaRPr lang="en-IN"/>
-          </a:p>
-        </p:txBody>
-      </p:sp>
-      <p:pic>
-        <p:nvPicPr>
-          <p:cNvPr id="5" name="Picture 4">
-            <a:extLst>
-              <a:ext uri="{FF2B5EF4-FFF2-40B4-BE49-F238E27FC236}">
-                <a16:creationId xmlns:a16="http://schemas.microsoft.com/office/drawing/2014/main" id="{062A08D2-7003-53C3-2DCA-D5190F9FA5BD}"/>
-              </a:ext>
-            </a:extLst>
-          </p:cNvPr>
-          <p:cNvPicPr>
-            <a:picLocks noChangeAspect="1"/>
-          </p:cNvPicPr>
-          <p:nvPr/>
-        </p:nvPicPr>
-        <p:blipFill>
-          <a:blip r:embed="rId2"/>
-          <a:stretch>
-            <a:fillRect/>
-          </a:stretch>
-        </p:blipFill>
-        <p:spPr>
-          <a:xfrm>
-            <a:off x="3570951" y="2182857"/>
-            <a:ext cx="4462708" cy="3864052"/>
-          </a:xfrm>
-          <a:prstGeom prst="rect">
-            <a:avLst/>
-          </a:prstGeom>
-        </p:spPr>
-      </p:pic>
-    </p:spTree>
-    <p:extLst>
-      <p:ext uri="{BB962C8B-B14F-4D97-AF65-F5344CB8AC3E}">
-        <p14:creationId xmlns:p14="http://schemas.microsoft.com/office/powerpoint/2010/main" val="779868569"/>
-      </p:ext>
-    </p:extLst>
-  </p:cSld>
-  <p:clrMapOvr>
-    <a:masterClrMapping/>
-  </p:clrMapOvr>
-</p:sld>
-</file>
-
-<file path=ppt/slides/slide70.xml><?xml version="1.0" encoding="utf-8"?>
-<p:sld xmlns:a="http://schemas.openxmlformats.org/drawingml/2006/main" xmlns:r="http://schemas.openxmlformats.org/officeDocument/2006/relationships" xmlns:p="http://schemas.openxmlformats.org/presentationml/2006/main">
-  <p:cSld>
-    <p:spTree>
-      <p:nvGrpSpPr>
-        <p:cNvPr id="1" name=""/>
-        <p:cNvGrpSpPr/>
-        <p:nvPr/>
-      </p:nvGrpSpPr>
-      <p:grpSpPr>
-        <a:xfrm>
-          <a:off x="0" y="0"/>
-          <a:ext cx="0" cy="0"/>
-          <a:chOff x="0" y="0"/>
-          <a:chExt cx="0" cy="0"/>
-        </a:xfrm>
-      </p:grpSpPr>
-      <p:sp>
-        <p:nvSpPr>
-          <p:cNvPr id="2" name="Title 1">
-            <a:extLst>
-              <a:ext uri="{FF2B5EF4-FFF2-40B4-BE49-F238E27FC236}">
-                <a16:creationId xmlns:a16="http://schemas.microsoft.com/office/drawing/2014/main" id="{5892A233-31E6-2070-DF66-BB49B5FDA542}"/>
-              </a:ext>
-            </a:extLst>
-          </p:cNvPr>
-          <p:cNvSpPr>
-            <a:spLocks noGrp="1"/>
-          </p:cNvSpPr>
-          <p:nvPr>
-            <p:ph type="title"/>
-          </p:nvPr>
-        </p:nvSpPr>
-        <p:spPr/>
-        <p:txBody>
-          <a:bodyPr/>
-          <a:lstStyle/>
-          <a:p>
-            <a:r>
-              <a:rPr lang="en-IN" dirty="0"/>
-              <a:t>Ensemble models used</a:t>
-            </a:r>
-          </a:p>
-        </p:txBody>
-      </p:sp>
-      <p:sp>
-        <p:nvSpPr>
-          <p:cNvPr id="3" name="Slide Number Placeholder 2">
-            <a:extLst>
-              <a:ext uri="{FF2B5EF4-FFF2-40B4-BE49-F238E27FC236}">
-                <a16:creationId xmlns:a16="http://schemas.microsoft.com/office/drawing/2014/main" id="{D8E78DE0-D333-D7CB-E70C-93EA736A38FB}"/>
-              </a:ext>
-            </a:extLst>
-          </p:cNvPr>
-          <p:cNvSpPr>
-            <a:spLocks noGrp="1"/>
-          </p:cNvSpPr>
-          <p:nvPr>
-            <p:ph type="sldNum" sz="quarter" idx="12"/>
-          </p:nvPr>
-        </p:nvSpPr>
-        <p:spPr/>
-        <p:txBody>
-          <a:bodyPr/>
-          <a:lstStyle/>
-          <a:p>
-            <a:fld id="{6D22F896-40B5-4ADD-8801-0D06FADFA095}" type="slidenum">
-              <a:rPr lang="en-US" smtClean="0"/>
-              <a:pPr/>
-              <a:t>70</a:t>
-            </a:fld>
-            <a:endParaRPr lang="en-US" dirty="0"/>
-          </a:p>
-        </p:txBody>
-      </p:sp>
-      <p:sp>
-        <p:nvSpPr>
-          <p:cNvPr id="4" name="Content Placeholder 3">
-            <a:extLst>
-              <a:ext uri="{FF2B5EF4-FFF2-40B4-BE49-F238E27FC236}">
-                <a16:creationId xmlns:a16="http://schemas.microsoft.com/office/drawing/2014/main" id="{C0042AB3-5C5C-FB9F-C8B5-CBCAD3EAB9B7}"/>
-              </a:ext>
-            </a:extLst>
-          </p:cNvPr>
-          <p:cNvSpPr>
-            <a:spLocks noGrp="1"/>
-          </p:cNvSpPr>
-          <p:nvPr>
-            <p:ph sz="quarter" idx="13"/>
-          </p:nvPr>
-        </p:nvSpPr>
-        <p:spPr>
-          <a:xfrm>
-            <a:off x="914400" y="2394857"/>
-            <a:ext cx="9176657" cy="3250910"/>
-          </a:xfrm>
-        </p:spPr>
-        <p:txBody>
-          <a:bodyPr/>
-          <a:lstStyle/>
-          <a:p>
-            <a:pPr>
-              <a:buNone/>
-            </a:pPr>
-            <a:r>
-              <a:rPr lang="en-US" b="1" dirty="0" err="1"/>
-              <a:t>XGBoost</a:t>
-            </a:r>
-            <a:r>
-              <a:rPr lang="en-US" b="1" dirty="0"/>
-              <a:t> (Extreme Gradient Boosting)</a:t>
-            </a:r>
-          </a:p>
-          <a:p>
-            <a:pPr>
-              <a:buFont typeface="Arial" panose="020B0604020202020204" pitchFamily="34" charset="0"/>
-              <a:buChar char="•"/>
-            </a:pPr>
-            <a:r>
-              <a:rPr lang="en-US" dirty="0"/>
-              <a:t>Highly efficient and </a:t>
-            </a:r>
-            <a:r>
-              <a:rPr lang="en-US" b="1" dirty="0"/>
-              <a:t>scalable boosting</a:t>
-            </a:r>
-            <a:r>
-              <a:rPr lang="en-US" dirty="0"/>
-              <a:t> technique.</a:t>
-            </a:r>
-          </a:p>
-          <a:p>
-            <a:pPr>
-              <a:buFont typeface="Arial" panose="020B0604020202020204" pitchFamily="34" charset="0"/>
-              <a:buChar char="•"/>
-            </a:pPr>
-            <a:r>
-              <a:rPr lang="en-US" dirty="0"/>
-              <a:t>Uses </a:t>
-            </a:r>
-            <a:r>
-              <a:rPr lang="en-US" b="1" dirty="0"/>
-              <a:t>gradient descent</a:t>
-            </a:r>
-            <a:r>
-              <a:rPr lang="en-US" dirty="0"/>
-              <a:t> with built-in </a:t>
-            </a:r>
-            <a:r>
-              <a:rPr lang="en-US" b="1" dirty="0"/>
-              <a:t>regularization</a:t>
-            </a:r>
-            <a:r>
-              <a:rPr lang="en-US" dirty="0"/>
-              <a:t> to prevent overfitting.</a:t>
-            </a:r>
-          </a:p>
-          <a:p>
-            <a:pPr>
-              <a:buFont typeface="Arial" panose="020B0604020202020204" pitchFamily="34" charset="0"/>
-              <a:buChar char="•"/>
-            </a:pPr>
-            <a:r>
-              <a:rPr lang="en-US" dirty="0"/>
-              <a:t>Delivers high accuracy on </a:t>
-            </a:r>
-            <a:r>
-              <a:rPr lang="en-US" b="1" dirty="0"/>
-              <a:t>structured/tabular data</a:t>
-            </a:r>
-            <a:r>
-              <a:rPr lang="en-US" dirty="0"/>
-              <a:t>.</a:t>
-            </a:r>
-          </a:p>
-          <a:p>
-            <a:pPr>
-              <a:buFont typeface="Arial" panose="020B0604020202020204" pitchFamily="34" charset="0"/>
-              <a:buChar char="•"/>
-            </a:pPr>
-            <a:r>
-              <a:rPr lang="en-US" dirty="0"/>
-              <a:t>Offers strong performance across </a:t>
-            </a:r>
-            <a:r>
-              <a:rPr lang="en-US" b="1" dirty="0"/>
-              <a:t>diverse classification tasks</a:t>
-            </a:r>
-            <a:r>
-              <a:rPr lang="en-US" dirty="0"/>
-              <a:t>.</a:t>
-            </a:r>
-          </a:p>
-          <a:p>
-            <a:pPr>
-              <a:buFont typeface="Arial" panose="020B0604020202020204" pitchFamily="34" charset="0"/>
-              <a:buChar char="•"/>
-            </a:pPr>
-            <a:r>
-              <a:rPr lang="en-US" dirty="0"/>
-              <a:t>Known for </a:t>
-            </a:r>
-            <a:r>
-              <a:rPr lang="en-US" b="1" dirty="0"/>
-              <a:t>speed, efficiency, and accuracy</a:t>
-            </a:r>
-            <a:r>
-              <a:rPr lang="en-US" dirty="0"/>
-              <a:t>.</a:t>
-            </a:r>
-          </a:p>
-          <a:p>
-            <a:pPr>
-              <a:buFont typeface="Arial" panose="020B0604020202020204" pitchFamily="34" charset="0"/>
-              <a:buChar char="•"/>
-            </a:pPr>
-            <a:r>
-              <a:rPr lang="en-US" dirty="0"/>
-              <a:t>Enhances hallucination detection through </a:t>
-            </a:r>
-            <a:r>
-              <a:rPr lang="en-US" b="1" dirty="0"/>
-              <a:t>robust learning mechanisms</a:t>
-            </a:r>
-            <a:r>
-              <a:rPr lang="en-US" dirty="0"/>
-              <a:t>.</a:t>
-            </a:r>
-          </a:p>
-          <a:p>
-            <a:endParaRPr lang="en-IN" dirty="0"/>
-          </a:p>
-        </p:txBody>
-      </p:sp>
-    </p:spTree>
-    <p:extLst>
-      <p:ext uri="{BB962C8B-B14F-4D97-AF65-F5344CB8AC3E}">
-        <p14:creationId xmlns:p14="http://schemas.microsoft.com/office/powerpoint/2010/main" val="1741338683"/>
-      </p:ext>
-    </p:extLst>
-  </p:cSld>
-  <p:clrMapOvr>
-    <a:masterClrMapping/>
-  </p:clrMapOvr>
-</p:sld>
-</file>
-
-<file path=ppt/slides/slide71.xml><?xml version="1.0" encoding="utf-8"?>
-<p:sld xmlns:a="http://schemas.openxmlformats.org/drawingml/2006/main" xmlns:r="http://schemas.openxmlformats.org/officeDocument/2006/relationships" xmlns:p="http://schemas.openxmlformats.org/presentationml/2006/main">
-  <p:cSld>
-    <p:spTree>
-      <p:nvGrpSpPr>
-        <p:cNvPr id="1" name=""/>
-        <p:cNvGrpSpPr/>
-        <p:nvPr/>
-      </p:nvGrpSpPr>
-      <p:grpSpPr>
-        <a:xfrm>
-          <a:off x="0" y="0"/>
-          <a:ext cx="0" cy="0"/>
-          <a:chOff x="0" y="0"/>
-          <a:chExt cx="0" cy="0"/>
-        </a:xfrm>
-      </p:grpSpPr>
-      <p:sp>
-        <p:nvSpPr>
-          <p:cNvPr id="2" name="Title 1">
-            <a:extLst>
-              <a:ext uri="{FF2B5EF4-FFF2-40B4-BE49-F238E27FC236}">
-                <a16:creationId xmlns:a16="http://schemas.microsoft.com/office/drawing/2014/main" id="{3C4B5DB5-DC3E-08A6-7450-5F4B8712F016}"/>
-              </a:ext>
-            </a:extLst>
-          </p:cNvPr>
-          <p:cNvSpPr>
-            <a:spLocks noGrp="1"/>
-          </p:cNvSpPr>
-          <p:nvPr>
-            <p:ph type="title"/>
-          </p:nvPr>
-        </p:nvSpPr>
-        <p:spPr/>
-        <p:txBody>
-          <a:bodyPr/>
-          <a:lstStyle/>
-          <a:p>
-            <a:r>
-              <a:rPr lang="en-IN" dirty="0"/>
-              <a:t>Deploying in </a:t>
-            </a:r>
-            <a:r>
-              <a:rPr lang="en-IN" dirty="0" err="1"/>
-              <a:t>github</a:t>
-            </a:r>
-            <a:endParaRPr lang="en-IN" dirty="0"/>
-          </a:p>
-        </p:txBody>
-      </p:sp>
-      <p:sp>
-        <p:nvSpPr>
-          <p:cNvPr id="3" name="Slide Number Placeholder 2">
-            <a:extLst>
-              <a:ext uri="{FF2B5EF4-FFF2-40B4-BE49-F238E27FC236}">
-                <a16:creationId xmlns:a16="http://schemas.microsoft.com/office/drawing/2014/main" id="{D6394A06-0D57-1ABF-B477-93843BF6C25E}"/>
-              </a:ext>
-            </a:extLst>
-          </p:cNvPr>
-          <p:cNvSpPr>
-            <a:spLocks noGrp="1"/>
-          </p:cNvSpPr>
-          <p:nvPr>
-            <p:ph type="sldNum" sz="quarter" idx="12"/>
-          </p:nvPr>
-        </p:nvSpPr>
-        <p:spPr/>
-        <p:txBody>
-          <a:bodyPr/>
-          <a:lstStyle/>
-          <a:p>
-            <a:fld id="{6D22F896-40B5-4ADD-8801-0D06FADFA095}" type="slidenum">
-              <a:rPr lang="en-US" smtClean="0"/>
-              <a:pPr/>
-              <a:t>71</a:t>
             </a:fld>
             <a:endParaRPr lang="en-US" dirty="0"/>
           </a:p>
@@ -16193,7 +14603,7 @@
 </p:sld>
 </file>
 
-<file path=ppt/slides/slide72.xml><?xml version="1.0" encoding="utf-8"?>
+<file path=ppt/slides/slide62.xml><?xml version="1.0" encoding="utf-8"?>
 <p:sld xmlns:a="http://schemas.openxmlformats.org/drawingml/2006/main" xmlns:r="http://schemas.openxmlformats.org/officeDocument/2006/relationships" xmlns:p="http://schemas.openxmlformats.org/presentationml/2006/main">
   <p:cSld>
     <p:spTree>
@@ -16292,7 +14702,7 @@
 </p:sld>
 </file>
 
-<file path=ppt/slides/slide73.xml><?xml version="1.0" encoding="utf-8"?>
+<file path=ppt/slides/slide63.xml><?xml version="1.0" encoding="utf-8"?>
 <p:sld xmlns:a="http://schemas.openxmlformats.org/drawingml/2006/main" xmlns:r="http://schemas.openxmlformats.org/officeDocument/2006/relationships" xmlns:p="http://schemas.openxmlformats.org/presentationml/2006/main">
   <p:cSld>
     <p:spTree>
@@ -16330,7 +14740,7 @@
           <a:bodyPr/>
           <a:lstStyle/>
           <a:p>
-            <a:endParaRPr lang="en-IN"/>
+            <a:endParaRPr lang="en-IN" dirty="0"/>
           </a:p>
         </p:txBody>
       </p:sp>
@@ -16358,7 +14768,7 @@
             <a:fld id="{6D22F896-40B5-4ADD-8801-0D06FADFA095}" type="slidenum">
               <a:rPr lang="en-US" smtClean="0"/>
               <a:pPr/>
-              <a:t>73</a:t>
+              <a:t>63</a:t>
             </a:fld>
             <a:endParaRPr lang="en-US" dirty="0"/>
           </a:p>
@@ -16432,7 +14842,7 @@
 </p:sld>
 </file>
 
-<file path=ppt/slides/slide74.xml><?xml version="1.0" encoding="utf-8"?>
+<file path=ppt/slides/slide64.xml><?xml version="1.0" encoding="utf-8"?>
 <p:sld xmlns:a="http://schemas.openxmlformats.org/drawingml/2006/main" xmlns:r="http://schemas.openxmlformats.org/officeDocument/2006/relationships" xmlns:p="http://schemas.openxmlformats.org/presentationml/2006/main">
   <p:cSld>
     <p:spTree>
@@ -16498,7 +14908,7 @@
             <a:fld id="{6D22F896-40B5-4ADD-8801-0D06FADFA095}" type="slidenum">
               <a:rPr lang="en-US" smtClean="0"/>
               <a:pPr/>
-              <a:t>74</a:t>
+              <a:t>64</a:t>
             </a:fld>
             <a:endParaRPr lang="en-US" dirty="0"/>
           </a:p>
@@ -16546,7 +14956,7 @@
 </p:sld>
 </file>
 
-<file path=ppt/slides/slide75.xml><?xml version="1.0" encoding="utf-8"?>
+<file path=ppt/slides/slide65.xml><?xml version="1.0" encoding="utf-8"?>
 <p:sld xmlns:a="http://schemas.openxmlformats.org/drawingml/2006/main" xmlns:r="http://schemas.openxmlformats.org/officeDocument/2006/relationships" xmlns:p="http://schemas.openxmlformats.org/presentationml/2006/main">
   <p:cSld>
     <p:spTree>
@@ -16612,7 +15022,7 @@
             <a:fld id="{6D22F896-40B5-4ADD-8801-0D06FADFA095}" type="slidenum">
               <a:rPr lang="en-US" smtClean="0"/>
               <a:pPr/>
-              <a:t>75</a:t>
+              <a:t>65</a:t>
             </a:fld>
             <a:endParaRPr lang="en-US" dirty="0"/>
           </a:p>
@@ -16686,7 +15096,7 @@
 </p:sld>
 </file>
 
-<file path=ppt/slides/slide76.xml><?xml version="1.0" encoding="utf-8"?>
+<file path=ppt/slides/slide66.xml><?xml version="1.0" encoding="utf-8"?>
 <p:sld xmlns:a="http://schemas.openxmlformats.org/drawingml/2006/main" xmlns:r="http://schemas.openxmlformats.org/officeDocument/2006/relationships" xmlns:p="http://schemas.openxmlformats.org/presentationml/2006/main">
   <p:cSld>
     <p:spTree>
@@ -16759,7 +15169,7 @@
 </p:sld>
 </file>
 
-<file path=ppt/slides/slide77.xml><?xml version="1.0" encoding="utf-8"?>
+<file path=ppt/slides/slide67.xml><?xml version="1.0" encoding="utf-8"?>
 <p:sld xmlns:a="http://schemas.openxmlformats.org/drawingml/2006/main" xmlns:r="http://schemas.openxmlformats.org/officeDocument/2006/relationships" xmlns:p="http://schemas.openxmlformats.org/presentationml/2006/main">
   <p:cSld>
     <p:spTree>
@@ -16825,7 +15235,7 @@
             <a:fld id="{6D22F896-40B5-4ADD-8801-0D06FADFA095}" type="slidenum">
               <a:rPr lang="en-US" smtClean="0"/>
               <a:pPr/>
-              <a:t>77</a:t>
+              <a:t>67</a:t>
             </a:fld>
             <a:endParaRPr lang="en-US" dirty="0"/>
           </a:p>
@@ -16899,7 +15309,7 @@
 </p:sld>
 </file>
 
-<file path=ppt/slides/slide78.xml><?xml version="1.0" encoding="utf-8"?>
+<file path=ppt/slides/slide68.xml><?xml version="1.0" encoding="utf-8"?>
 <p:sld xmlns:a="http://schemas.openxmlformats.org/drawingml/2006/main" xmlns:r="http://schemas.openxmlformats.org/officeDocument/2006/relationships" xmlns:p="http://schemas.openxmlformats.org/presentationml/2006/main">
   <p:cSld>
     <p:spTree>
@@ -16973,7 +15383,7 @@
             <a:fld id="{6D22F896-40B5-4ADD-8801-0D06FADFA095}" type="slidenum">
               <a:rPr lang="en-US" smtClean="0"/>
               <a:pPr/>
-              <a:t>78</a:t>
+              <a:t>68</a:t>
             </a:fld>
             <a:endParaRPr lang="en-US" dirty="0"/>
           </a:p>
@@ -17051,7 +15461,7 @@
 </p:sld>
 </file>
 
-<file path=ppt/slides/slide79.xml><?xml version="1.0" encoding="utf-8"?>
+<file path=ppt/slides/slide69.xml><?xml version="1.0" encoding="utf-8"?>
 <p:sld xmlns:a="http://schemas.openxmlformats.org/drawingml/2006/main" xmlns:r="http://schemas.openxmlformats.org/officeDocument/2006/relationships" xmlns:p="http://schemas.openxmlformats.org/presentationml/2006/main">
   <p:cSld>
     <p:spTree>
@@ -17092,7 +15502,7 @@
             <a:fld id="{6D22F896-40B5-4ADD-8801-0D06FADFA095}" type="slidenum">
               <a:rPr lang="en-US" smtClean="0"/>
               <a:pPr/>
-              <a:t>79</a:t>
+              <a:t>69</a:t>
             </a:fld>
             <a:endParaRPr lang="en-US" dirty="0"/>
           </a:p>
@@ -17212,6 +15622,219 @@
     <p:extLst>
       <p:ext uri="{BB962C8B-B14F-4D97-AF65-F5344CB8AC3E}">
         <p14:creationId xmlns:p14="http://schemas.microsoft.com/office/powerpoint/2010/main" val="543671552"/>
+      </p:ext>
+    </p:extLst>
+  </p:cSld>
+  <p:clrMapOvr>
+    <a:masterClrMapping/>
+  </p:clrMapOvr>
+</p:sld>
+</file>
+
+<file path=ppt/slides/slide7.xml><?xml version="1.0" encoding="utf-8"?>
+<p:sld xmlns:a="http://schemas.openxmlformats.org/drawingml/2006/main" xmlns:r="http://schemas.openxmlformats.org/officeDocument/2006/relationships" xmlns:p="http://schemas.openxmlformats.org/presentationml/2006/main">
+  <p:cSld>
+    <p:spTree>
+      <p:nvGrpSpPr>
+        <p:cNvPr id="1" name=""/>
+        <p:cNvGrpSpPr/>
+        <p:nvPr/>
+      </p:nvGrpSpPr>
+      <p:grpSpPr>
+        <a:xfrm>
+          <a:off x="0" y="0"/>
+          <a:ext cx="0" cy="0"/>
+          <a:chOff x="0" y="0"/>
+          <a:chExt cx="0" cy="0"/>
+        </a:xfrm>
+      </p:grpSpPr>
+      <p:sp>
+        <p:nvSpPr>
+          <p:cNvPr id="2" name="Title 1">
+            <a:extLst>
+              <a:ext uri="{FF2B5EF4-FFF2-40B4-BE49-F238E27FC236}">
+                <a16:creationId xmlns:a16="http://schemas.microsoft.com/office/drawing/2014/main" id="{B45F3239-4159-2F94-D5C7-C5300E323617}"/>
+              </a:ext>
+            </a:extLst>
+          </p:cNvPr>
+          <p:cNvSpPr>
+            <a:spLocks noGrp="1"/>
+          </p:cNvSpPr>
+          <p:nvPr>
+            <p:ph type="title"/>
+          </p:nvPr>
+        </p:nvSpPr>
+        <p:spPr/>
+        <p:txBody>
+          <a:bodyPr/>
+          <a:lstStyle/>
+          <a:p>
+            <a:r>
+              <a:rPr lang="en-IN"/>
+              <a:t>Class distribution after resampling</a:t>
+            </a:r>
+          </a:p>
+        </p:txBody>
+      </p:sp>
+      <p:sp>
+        <p:nvSpPr>
+          <p:cNvPr id="3" name="Slide Number Placeholder 2">
+            <a:extLst>
+              <a:ext uri="{FF2B5EF4-FFF2-40B4-BE49-F238E27FC236}">
+                <a16:creationId xmlns:a16="http://schemas.microsoft.com/office/drawing/2014/main" id="{DB1B5905-CFC2-F68A-C12F-E86C3E16794E}"/>
+              </a:ext>
+            </a:extLst>
+          </p:cNvPr>
+          <p:cNvSpPr>
+            <a:spLocks noGrp="1"/>
+          </p:cNvSpPr>
+          <p:nvPr>
+            <p:ph type="sldNum" sz="quarter" idx="12"/>
+          </p:nvPr>
+        </p:nvSpPr>
+        <p:spPr/>
+        <p:txBody>
+          <a:bodyPr/>
+          <a:lstStyle/>
+          <a:p>
+            <a:fld id="{6D22F896-40B5-4ADD-8801-0D06FADFA095}" type="slidenum">
+              <a:rPr lang="en-US" smtClean="0"/>
+              <a:pPr/>
+              <a:t>7</a:t>
+            </a:fld>
+            <a:endParaRPr lang="en-US" dirty="0"/>
+          </a:p>
+        </p:txBody>
+      </p:sp>
+      <p:sp>
+        <p:nvSpPr>
+          <p:cNvPr id="4" name="Content Placeholder 3">
+            <a:extLst>
+              <a:ext uri="{FF2B5EF4-FFF2-40B4-BE49-F238E27FC236}">
+                <a16:creationId xmlns:a16="http://schemas.microsoft.com/office/drawing/2014/main" id="{8BD2B861-0E42-2B99-29B4-0ED5898EDEA8}"/>
+              </a:ext>
+            </a:extLst>
+          </p:cNvPr>
+          <p:cNvSpPr>
+            <a:spLocks noGrp="1"/>
+          </p:cNvSpPr>
+          <p:nvPr>
+            <p:ph sz="quarter" idx="13"/>
+          </p:nvPr>
+        </p:nvSpPr>
+        <p:spPr/>
+        <p:txBody>
+          <a:bodyPr/>
+          <a:lstStyle/>
+          <a:p>
+            <a:endParaRPr lang="en-IN"/>
+          </a:p>
+        </p:txBody>
+      </p:sp>
+      <p:pic>
+        <p:nvPicPr>
+          <p:cNvPr id="5" name="Picture 4">
+            <a:extLst>
+              <a:ext uri="{FF2B5EF4-FFF2-40B4-BE49-F238E27FC236}">
+                <a16:creationId xmlns:a16="http://schemas.microsoft.com/office/drawing/2014/main" id="{062A08D2-7003-53C3-2DCA-D5190F9FA5BD}"/>
+              </a:ext>
+            </a:extLst>
+          </p:cNvPr>
+          <p:cNvPicPr>
+            <a:picLocks noChangeAspect="1"/>
+          </p:cNvPicPr>
+          <p:nvPr/>
+        </p:nvPicPr>
+        <p:blipFill>
+          <a:blip r:embed="rId2"/>
+          <a:stretch>
+            <a:fillRect/>
+          </a:stretch>
+        </p:blipFill>
+        <p:spPr>
+          <a:xfrm>
+            <a:off x="3570951" y="2182857"/>
+            <a:ext cx="4462708" cy="3864052"/>
+          </a:xfrm>
+          <a:prstGeom prst="rect">
+            <a:avLst/>
+          </a:prstGeom>
+        </p:spPr>
+      </p:pic>
+    </p:spTree>
+    <p:extLst>
+      <p:ext uri="{BB962C8B-B14F-4D97-AF65-F5344CB8AC3E}">
+        <p14:creationId xmlns:p14="http://schemas.microsoft.com/office/powerpoint/2010/main" val="779868569"/>
+      </p:ext>
+    </p:extLst>
+  </p:cSld>
+  <p:clrMapOvr>
+    <a:masterClrMapping/>
+  </p:clrMapOvr>
+</p:sld>
+</file>
+
+<file path=ppt/slides/slide70.xml><?xml version="1.0" encoding="utf-8"?>
+<p:sld xmlns:a="http://schemas.openxmlformats.org/drawingml/2006/main" xmlns:r="http://schemas.openxmlformats.org/officeDocument/2006/relationships" xmlns:p="http://schemas.openxmlformats.org/presentationml/2006/main">
+  <p:cSld>
+    <p:spTree>
+      <p:nvGrpSpPr>
+        <p:cNvPr id="1" name=""/>
+        <p:cNvGrpSpPr/>
+        <p:nvPr/>
+      </p:nvGrpSpPr>
+      <p:grpSpPr>
+        <a:xfrm>
+          <a:off x="0" y="0"/>
+          <a:ext cx="0" cy="0"/>
+          <a:chOff x="0" y="0"/>
+          <a:chExt cx="0" cy="0"/>
+        </a:xfrm>
+      </p:grpSpPr>
+      <p:sp>
+        <p:nvSpPr>
+          <p:cNvPr id="2" name="Title 1">
+            <a:extLst>
+              <a:ext uri="{FF2B5EF4-FFF2-40B4-BE49-F238E27FC236}">
+                <a16:creationId xmlns:a16="http://schemas.microsoft.com/office/drawing/2014/main" id="{CA7542CE-B1FF-F5F8-B080-90809092D8CF}"/>
+              </a:ext>
+            </a:extLst>
+          </p:cNvPr>
+          <p:cNvSpPr>
+            <a:spLocks noGrp="1"/>
+          </p:cNvSpPr>
+          <p:nvPr>
+            <p:ph type="ctrTitle"/>
+          </p:nvPr>
+        </p:nvSpPr>
+        <p:spPr>
+          <a:xfrm>
+            <a:off x="4310743" y="2220685"/>
+            <a:ext cx="5788152" cy="4992624"/>
+          </a:xfrm>
+        </p:spPr>
+        <p:txBody>
+          <a:bodyPr/>
+          <a:lstStyle/>
+          <a:p>
+            <a:r>
+              <a:rPr lang="en-US" dirty="0"/>
+              <a:t>Thank </a:t>
+            </a:r>
+            <a:br>
+              <a:rPr lang="en-US" dirty="0"/>
+            </a:br>
+            <a:r>
+              <a:rPr lang="en-US" dirty="0"/>
+              <a:t>you</a:t>
+            </a:r>
+          </a:p>
+        </p:txBody>
+      </p:sp>
+    </p:spTree>
+    <p:extLst>
+      <p:ext uri="{BB962C8B-B14F-4D97-AF65-F5344CB8AC3E}">
+        <p14:creationId xmlns:p14="http://schemas.microsoft.com/office/powerpoint/2010/main" val="2370036763"/>
       </p:ext>
     </p:extLst>
   </p:cSld>
@@ -17355,76 +15978,6 @@
     <p:extLst>
       <p:ext uri="{BB962C8B-B14F-4D97-AF65-F5344CB8AC3E}">
         <p14:creationId xmlns:p14="http://schemas.microsoft.com/office/powerpoint/2010/main" val="3225604835"/>
-      </p:ext>
-    </p:extLst>
-  </p:cSld>
-  <p:clrMapOvr>
-    <a:masterClrMapping/>
-  </p:clrMapOvr>
-</p:sld>
-</file>
-
-<file path=ppt/slides/slide80.xml><?xml version="1.0" encoding="utf-8"?>
-<p:sld xmlns:a="http://schemas.openxmlformats.org/drawingml/2006/main" xmlns:r="http://schemas.openxmlformats.org/officeDocument/2006/relationships" xmlns:p="http://schemas.openxmlformats.org/presentationml/2006/main">
-  <p:cSld>
-    <p:spTree>
-      <p:nvGrpSpPr>
-        <p:cNvPr id="1" name=""/>
-        <p:cNvGrpSpPr/>
-        <p:nvPr/>
-      </p:nvGrpSpPr>
-      <p:grpSpPr>
-        <a:xfrm>
-          <a:off x="0" y="0"/>
-          <a:ext cx="0" cy="0"/>
-          <a:chOff x="0" y="0"/>
-          <a:chExt cx="0" cy="0"/>
-        </a:xfrm>
-      </p:grpSpPr>
-      <p:sp>
-        <p:nvSpPr>
-          <p:cNvPr id="2" name="Title 1">
-            <a:extLst>
-              <a:ext uri="{FF2B5EF4-FFF2-40B4-BE49-F238E27FC236}">
-                <a16:creationId xmlns:a16="http://schemas.microsoft.com/office/drawing/2014/main" id="{CA7542CE-B1FF-F5F8-B080-90809092D8CF}"/>
-              </a:ext>
-            </a:extLst>
-          </p:cNvPr>
-          <p:cNvSpPr>
-            <a:spLocks noGrp="1"/>
-          </p:cNvSpPr>
-          <p:nvPr>
-            <p:ph type="ctrTitle"/>
-          </p:nvPr>
-        </p:nvSpPr>
-        <p:spPr>
-          <a:xfrm>
-            <a:off x="4310743" y="2220685"/>
-            <a:ext cx="5788152" cy="4992624"/>
-          </a:xfrm>
-        </p:spPr>
-        <p:txBody>
-          <a:bodyPr/>
-          <a:lstStyle/>
-          <a:p>
-            <a:r>
-              <a:rPr lang="en-US" dirty="0"/>
-              <a:t>Thank </a:t>
-            </a:r>
-            <a:br>
-              <a:rPr lang="en-US" dirty="0"/>
-            </a:br>
-            <a:r>
-              <a:rPr lang="en-US" dirty="0"/>
-              <a:t>you</a:t>
-            </a:r>
-          </a:p>
-        </p:txBody>
-      </p:sp>
-    </p:spTree>
-    <p:extLst>
-      <p:ext uri="{BB962C8B-B14F-4D97-AF65-F5344CB8AC3E}">
-        <p14:creationId xmlns:p14="http://schemas.microsoft.com/office/powerpoint/2010/main" val="2370036763"/>
       </p:ext>
     </p:extLst>
   </p:cSld>
@@ -18075,35 +16628,6 @@
 </file>
 
 <file path=customXml/item1.xml><?xml version="1.0" encoding="utf-8"?>
-<?mso-contentType ?>
-<FormTemplates xmlns="http://schemas.microsoft.com/sharepoint/v3/contenttype/forms">
-  <Display>DocumentLibraryForm</Display>
-  <Edit>DocumentLibraryForm</Edit>
-  <New>DocumentLibraryForm</New>
-</FormTemplates>
-</file>
-
-<file path=customXml/item2.xml><?xml version="1.0" encoding="utf-8"?>
-<p:properties xmlns:p="http://schemas.microsoft.com/office/2006/metadata/properties" xmlns:xsi="http://www.w3.org/2001/XMLSchema-instance" xmlns:pc="http://schemas.microsoft.com/office/infopath/2007/PartnerControls">
-  <documentManagement>
-    <MediaServiceKeyPoints xmlns="71af3243-3dd4-4a8d-8c0d-dd76da1f02a5" xsi:nil="true"/>
-    <_ip_UnifiedCompliancePolicyUIAction xmlns="http://schemas.microsoft.com/sharepoint/v3" xsi:nil="true"/>
-    <Image xmlns="71af3243-3dd4-4a8d-8c0d-dd76da1f02a5">
-      <Url xsi:nil="true"/>
-      <Description xsi:nil="true"/>
-    </Image>
-    <Status xmlns="71af3243-3dd4-4a8d-8c0d-dd76da1f02a5">Not started</Status>
-    <Background xmlns="71af3243-3dd4-4a8d-8c0d-dd76da1f02a5">false</Background>
-    <_ip_UnifiedCompliancePolicyProperties xmlns="http://schemas.microsoft.com/sharepoint/v3" xsi:nil="true"/>
-    <ImageTagsTaxHTField xmlns="71af3243-3dd4-4a8d-8c0d-dd76da1f02a5">
-      <Terms xmlns="http://schemas.microsoft.com/office/infopath/2007/PartnerControls"/>
-    </ImageTagsTaxHTField>
-    <TaxCatchAll xmlns="230e9df3-be65-4c73-a93b-d1236ebd677e" xsi:nil="true"/>
-  </documentManagement>
-</p:properties>
-</file>
-
-<file path=customXml/item3.xml><?xml version="1.0" encoding="utf-8"?>
 <ct:contentTypeSchema xmlns:ct="http://schemas.microsoft.com/office/2006/metadata/contentType" xmlns:ma="http://schemas.microsoft.com/office/2006/metadata/properties/metaAttributes" ct:_="" ma:_="" ma:contentTypeName="Document" ma:contentTypeID="0x01010079F111ED35F8CC479449609E8A0923A6" ma:contentTypeVersion="30" ma:contentTypeDescription="Create a new document." ma:contentTypeScope="" ma:versionID="cec0622158e8f13124e9e8fd4de31bd1">
   <xsd:schema xmlns:xsd="http://www.w3.org/2001/XMLSchema" xmlns:xs="http://www.w3.org/2001/XMLSchema" xmlns:p="http://schemas.microsoft.com/office/2006/metadata/properties" xmlns:ns1="http://schemas.microsoft.com/sharepoint/v3" xmlns:ns2="71af3243-3dd4-4a8d-8c0d-dd76da1f02a5" xmlns:ns3="16c05727-aa75-4e4a-9b5f-8a80a1165891" xmlns:ns4="230e9df3-be65-4c73-a93b-d1236ebd677e" targetNamespace="http://schemas.microsoft.com/office/2006/metadata/properties" ma:root="true" ma:fieldsID="3b52f30ab005d15df08657af532e6e38" ns1:_="" ns2:_="" ns3:_="" ns4:_="">
     <xsd:import namespace="http://schemas.microsoft.com/sharepoint/v3"/>
@@ -18421,27 +16945,36 @@
 </ct:contentTypeSchema>
 </file>
 
-<file path=customXml/itemProps1.xml><?xml version="1.0" encoding="utf-8"?>
-<ds:datastoreItem xmlns:ds="http://schemas.openxmlformats.org/officeDocument/2006/customXml" ds:itemID="{E76CE1C2-24FF-4125-B61C-AD39973FCD09}">
-  <ds:schemaRefs>
-    <ds:schemaRef ds:uri="http://schemas.microsoft.com/sharepoint/v3/contenttype/forms"/>
-  </ds:schemaRefs>
-</ds:datastoreItem>
+<file path=customXml/item2.xml><?xml version="1.0" encoding="utf-8"?>
+<?mso-contentType ?>
+<FormTemplates xmlns="http://schemas.microsoft.com/sharepoint/v3/contenttype/forms">
+  <Display>DocumentLibraryForm</Display>
+  <Edit>DocumentLibraryForm</Edit>
+  <New>DocumentLibraryForm</New>
+</FormTemplates>
 </file>
 
-<file path=customXml/itemProps2.xml><?xml version="1.0" encoding="utf-8"?>
-<ds:datastoreItem xmlns:ds="http://schemas.openxmlformats.org/officeDocument/2006/customXml" ds:itemID="{5AF23494-F630-4E01-81EA-AA2F2975971E}">
-  <ds:schemaRefs>
-    <ds:schemaRef ds:uri="http://schemas.microsoft.com/office/2006/metadata/properties"/>
-    <ds:schemaRef ds:uri="http://schemas.microsoft.com/office/infopath/2007/PartnerControls"/>
-    <ds:schemaRef ds:uri="71af3243-3dd4-4a8d-8c0d-dd76da1f02a5"/>
-    <ds:schemaRef ds:uri="http://schemas.microsoft.com/sharepoint/v3"/>
-    <ds:schemaRef ds:uri="230e9df3-be65-4c73-a93b-d1236ebd677e"/>
-  </ds:schemaRefs>
-</ds:datastoreItem>
+<file path=customXml/item3.xml><?xml version="1.0" encoding="utf-8"?>
+<p:properties xmlns:p="http://schemas.microsoft.com/office/2006/metadata/properties" xmlns:xsi="http://www.w3.org/2001/XMLSchema-instance" xmlns:pc="http://schemas.microsoft.com/office/infopath/2007/PartnerControls">
+  <documentManagement>
+    <MediaServiceKeyPoints xmlns="71af3243-3dd4-4a8d-8c0d-dd76da1f02a5" xsi:nil="true"/>
+    <_ip_UnifiedCompliancePolicyUIAction xmlns="http://schemas.microsoft.com/sharepoint/v3" xsi:nil="true"/>
+    <Image xmlns="71af3243-3dd4-4a8d-8c0d-dd76da1f02a5">
+      <Url xsi:nil="true"/>
+      <Description xsi:nil="true"/>
+    </Image>
+    <Status xmlns="71af3243-3dd4-4a8d-8c0d-dd76da1f02a5">Not started</Status>
+    <Background xmlns="71af3243-3dd4-4a8d-8c0d-dd76da1f02a5">false</Background>
+    <_ip_UnifiedCompliancePolicyProperties xmlns="http://schemas.microsoft.com/sharepoint/v3" xsi:nil="true"/>
+    <ImageTagsTaxHTField xmlns="71af3243-3dd4-4a8d-8c0d-dd76da1f02a5">
+      <Terms xmlns="http://schemas.microsoft.com/office/infopath/2007/PartnerControls"/>
+    </ImageTagsTaxHTField>
+    <TaxCatchAll xmlns="230e9df3-be65-4c73-a93b-d1236ebd677e" xsi:nil="true"/>
+  </documentManagement>
+</p:properties>
 </file>
 
-<file path=customXml/itemProps3.xml><?xml version="1.0" encoding="utf-8"?>
+<file path=customXml/itemProps1.xml><?xml version="1.0" encoding="utf-8"?>
 <ds:datastoreItem xmlns:ds="http://schemas.openxmlformats.org/officeDocument/2006/customXml" ds:itemID="{5DA7B19D-87CC-4C2C-AA8E-9627D3BFD4E3}">
   <ds:schemaRefs>
     <ds:schemaRef ds:uri="http://schemas.microsoft.com/office/2006/metadata/contentType"/>
@@ -18462,6 +16995,26 @@
 </ds:datastoreItem>
 </file>
 
+<file path=customXml/itemProps2.xml><?xml version="1.0" encoding="utf-8"?>
+<ds:datastoreItem xmlns:ds="http://schemas.openxmlformats.org/officeDocument/2006/customXml" ds:itemID="{E76CE1C2-24FF-4125-B61C-AD39973FCD09}">
+  <ds:schemaRefs>
+    <ds:schemaRef ds:uri="http://schemas.microsoft.com/sharepoint/v3/contenttype/forms"/>
+  </ds:schemaRefs>
+</ds:datastoreItem>
+</file>
+
+<file path=customXml/itemProps3.xml><?xml version="1.0" encoding="utf-8"?>
+<ds:datastoreItem xmlns:ds="http://schemas.openxmlformats.org/officeDocument/2006/customXml" ds:itemID="{5AF23494-F630-4E01-81EA-AA2F2975971E}">
+  <ds:schemaRefs>
+    <ds:schemaRef ds:uri="http://schemas.microsoft.com/office/2006/metadata/properties"/>
+    <ds:schemaRef ds:uri="http://schemas.microsoft.com/office/infopath/2007/PartnerControls"/>
+    <ds:schemaRef ds:uri="71af3243-3dd4-4a8d-8c0d-dd76da1f02a5"/>
+    <ds:schemaRef ds:uri="http://schemas.microsoft.com/sharepoint/v3"/>
+    <ds:schemaRef ds:uri="230e9df3-be65-4c73-a93b-d1236ebd677e"/>
+  </ds:schemaRefs>
+</ds:datastoreItem>
+</file>
+
 <file path=docMetadata/LabelInfo.xml><?xml version="1.0" encoding="utf-8"?>
 <clbl:labelList xmlns:clbl="http://schemas.microsoft.com/office/2020/mipLabelMetadata"/>
 </file>